--- a/Perancangan Sistem Informasi 1.pptx
+++ b/Perancangan Sistem Informasi 1.pptx
@@ -20,19 +20,19 @@
     <p:sldId id="265" r:id="rId11"/>
     <p:sldId id="266" r:id="rId12"/>
     <p:sldId id="267" r:id="rId13"/>
-    <p:sldId id="280" r:id="rId14"/>
-    <p:sldId id="277" r:id="rId15"/>
-    <p:sldId id="270" r:id="rId16"/>
-    <p:sldId id="271" r:id="rId17"/>
-    <p:sldId id="272" r:id="rId18"/>
-    <p:sldId id="273" r:id="rId19"/>
-    <p:sldId id="274" r:id="rId20"/>
-    <p:sldId id="275" r:id="rId21"/>
+    <p:sldId id="277" r:id="rId14"/>
+    <p:sldId id="270" r:id="rId15"/>
+    <p:sldId id="271" r:id="rId16"/>
+    <p:sldId id="272" r:id="rId17"/>
+    <p:sldId id="273" r:id="rId18"/>
+    <p:sldId id="274" r:id="rId19"/>
+    <p:sldId id="275" r:id="rId20"/>
+    <p:sldId id="285" r:id="rId21"/>
     <p:sldId id="282" r:id="rId22"/>
-    <p:sldId id="283" r:id="rId23"/>
-    <p:sldId id="281" r:id="rId24"/>
-    <p:sldId id="276" r:id="rId25"/>
-    <p:sldId id="278" r:id="rId26"/>
+    <p:sldId id="281" r:id="rId23"/>
+    <p:sldId id="276" r:id="rId24"/>
+    <p:sldId id="278" r:id="rId25"/>
+    <p:sldId id="286" r:id="rId26"/>
     <p:sldId id="284" r:id="rId27"/>
   </p:sldIdLst>
   <p:sldSz cx="9144000" cy="5143500" type="screen16x9"/>
@@ -134,7 +134,7 @@
   </p:defaultTextStyle>
   <p:extLst>
     <p:ext uri="{EFAFB233-063F-42B5-8137-9DF3F51BA10A}">
-      <p15:sldGuideLst xmlns:p15="http://schemas.microsoft.com/office/powerpoint/2012/main" xmlns="">
+      <p15:sldGuideLst xmlns="" xmlns:p15="http://schemas.microsoft.com/office/powerpoint/2012/main">
         <p15:guide id="1" orient="horz" pos="1620">
           <p15:clr>
             <a:srgbClr val="A4A3A4"/>
@@ -233,7 +233,7 @@
           <a:p>
             <a:fld id="{184A33D9-B9D2-4714-BA1C-AD2E1874CC84}" type="datetimeFigureOut">
               <a:rPr lang="id-ID" smtClean="0"/>
-              <a:t>26/11/2019</a:t>
+              <a:t>02/12/2019</a:t>
             </a:fld>
             <a:endParaRPr lang="id-ID"/>
           </a:p>
@@ -4861,7 +4861,7 @@
           <a:p>
             <a:fld id="{DCC1D059-7B52-41EF-9C6E-FAC18C213D05}" type="datetimeFigureOut">
               <a:rPr lang="en-US" smtClean="0"/>
-              <a:t>11/26/2019</a:t>
+              <a:t>12/2/2019</a:t>
             </a:fld>
             <a:endParaRPr lang="en-US"/>
           </a:p>
@@ -5128,7 +5128,7 @@
           <a:p>
             <a:fld id="{DCC1D059-7B52-41EF-9C6E-FAC18C213D05}" type="datetimeFigureOut">
               <a:rPr lang="en-US" smtClean="0"/>
-              <a:t>11/26/2019</a:t>
+              <a:t>12/2/2019</a:t>
             </a:fld>
             <a:endParaRPr lang="en-US"/>
           </a:p>
@@ -5324,7 +5324,7 @@
           <a:p>
             <a:fld id="{DCC1D059-7B52-41EF-9C6E-FAC18C213D05}" type="datetimeFigureOut">
               <a:rPr lang="en-US" smtClean="0"/>
-              <a:t>11/26/2019</a:t>
+              <a:t>12/2/2019</a:t>
             </a:fld>
             <a:endParaRPr lang="en-US"/>
           </a:p>
@@ -5587,7 +5587,7 @@
           <a:p>
             <a:fld id="{DCC1D059-7B52-41EF-9C6E-FAC18C213D05}" type="datetimeFigureOut">
               <a:rPr lang="en-US" smtClean="0"/>
-              <a:t>11/26/2019</a:t>
+              <a:t>12/2/2019</a:t>
             </a:fld>
             <a:endParaRPr lang="en-US"/>
           </a:p>
@@ -6021,7 +6021,7 @@
           <a:p>
             <a:fld id="{DCC1D059-7B52-41EF-9C6E-FAC18C213D05}" type="datetimeFigureOut">
               <a:rPr lang="en-US" smtClean="0"/>
-              <a:t>11/26/2019</a:t>
+              <a:t>12/2/2019</a:t>
             </a:fld>
             <a:endParaRPr lang="en-US"/>
           </a:p>
@@ -6567,7 +6567,7 @@
           <a:p>
             <a:fld id="{DCC1D059-7B52-41EF-9C6E-FAC18C213D05}" type="datetimeFigureOut">
               <a:rPr lang="en-US" smtClean="0"/>
-              <a:t>11/26/2019</a:t>
+              <a:t>12/2/2019</a:t>
             </a:fld>
             <a:endParaRPr lang="en-US"/>
           </a:p>
@@ -7287,7 +7287,7 @@
           <a:p>
             <a:fld id="{DCC1D059-7B52-41EF-9C6E-FAC18C213D05}" type="datetimeFigureOut">
               <a:rPr lang="en-US" smtClean="0"/>
-              <a:t>11/26/2019</a:t>
+              <a:t>12/2/2019</a:t>
             </a:fld>
             <a:endParaRPr lang="en-US"/>
           </a:p>
@@ -7457,7 +7457,7 @@
           <a:p>
             <a:fld id="{DCC1D059-7B52-41EF-9C6E-FAC18C213D05}" type="datetimeFigureOut">
               <a:rPr lang="en-US" smtClean="0"/>
-              <a:t>11/26/2019</a:t>
+              <a:t>12/2/2019</a:t>
             </a:fld>
             <a:endParaRPr lang="en-US"/>
           </a:p>
@@ -7637,7 +7637,7 @@
           <a:p>
             <a:fld id="{DCC1D059-7B52-41EF-9C6E-FAC18C213D05}" type="datetimeFigureOut">
               <a:rPr lang="en-US" smtClean="0"/>
-              <a:t>11/26/2019</a:t>
+              <a:t>12/2/2019</a:t>
             </a:fld>
             <a:endParaRPr lang="en-US"/>
           </a:p>
@@ -7807,7 +7807,7 @@
           <a:p>
             <a:fld id="{DCC1D059-7B52-41EF-9C6E-FAC18C213D05}" type="datetimeFigureOut">
               <a:rPr lang="en-US" smtClean="0"/>
-              <a:t>11/26/2019</a:t>
+              <a:t>12/2/2019</a:t>
             </a:fld>
             <a:endParaRPr lang="en-US"/>
           </a:p>
@@ -8057,7 +8057,7 @@
           <a:p>
             <a:fld id="{DCC1D059-7B52-41EF-9C6E-FAC18C213D05}" type="datetimeFigureOut">
               <a:rPr lang="en-US" smtClean="0"/>
-              <a:t>11/26/2019</a:t>
+              <a:t>12/2/2019</a:t>
             </a:fld>
             <a:endParaRPr lang="en-US"/>
           </a:p>
@@ -8289,7 +8289,7 @@
           <a:p>
             <a:fld id="{DCC1D059-7B52-41EF-9C6E-FAC18C213D05}" type="datetimeFigureOut">
               <a:rPr lang="en-US" smtClean="0"/>
-              <a:t>11/26/2019</a:t>
+              <a:t>12/2/2019</a:t>
             </a:fld>
             <a:endParaRPr lang="en-US"/>
           </a:p>
@@ -8670,7 +8670,7 @@
           <a:p>
             <a:fld id="{DCC1D059-7B52-41EF-9C6E-FAC18C213D05}" type="datetimeFigureOut">
               <a:rPr lang="en-US" smtClean="0"/>
-              <a:t>11/26/2019</a:t>
+              <a:t>12/2/2019</a:t>
             </a:fld>
             <a:endParaRPr lang="en-US"/>
           </a:p>
@@ -8788,7 +8788,7 @@
           <a:p>
             <a:fld id="{DCC1D059-7B52-41EF-9C6E-FAC18C213D05}" type="datetimeFigureOut">
               <a:rPr lang="en-US" smtClean="0"/>
-              <a:t>11/26/2019</a:t>
+              <a:t>12/2/2019</a:t>
             </a:fld>
             <a:endParaRPr lang="en-US"/>
           </a:p>
@@ -8883,7 +8883,7 @@
           <a:p>
             <a:fld id="{DCC1D059-7B52-41EF-9C6E-FAC18C213D05}" type="datetimeFigureOut">
               <a:rPr lang="en-US" smtClean="0"/>
-              <a:t>11/26/2019</a:t>
+              <a:t>12/2/2019</a:t>
             </a:fld>
             <a:endParaRPr lang="en-US"/>
           </a:p>
@@ -9132,7 +9132,7 @@
           <a:p>
             <a:fld id="{DCC1D059-7B52-41EF-9C6E-FAC18C213D05}" type="datetimeFigureOut">
               <a:rPr lang="en-US" smtClean="0"/>
-              <a:t>11/26/2019</a:t>
+              <a:t>12/2/2019</a:t>
             </a:fld>
             <a:endParaRPr lang="en-US"/>
           </a:p>
@@ -9412,7 +9412,7 @@
           <a:p>
             <a:fld id="{DCC1D059-7B52-41EF-9C6E-FAC18C213D05}" type="datetimeFigureOut">
               <a:rPr lang="en-US" smtClean="0"/>
-              <a:t>11/26/2019</a:t>
+              <a:t>12/2/2019</a:t>
             </a:fld>
             <a:endParaRPr lang="en-US"/>
           </a:p>
@@ -12489,7 +12489,7 @@
           <a:p>
             <a:fld id="{DCC1D059-7B52-41EF-9C6E-FAC18C213D05}" type="datetimeFigureOut">
               <a:rPr lang="en-US" smtClean="0"/>
-              <a:t>11/26/2019</a:t>
+              <a:t>12/2/2019</a:t>
             </a:fld>
             <a:endParaRPr lang="en-US"/>
           </a:p>
@@ -13477,246 +13477,6 @@
             <p:ph type="title"/>
           </p:nvPr>
         </p:nvSpPr>
-        <p:spPr/>
-        <p:txBody>
-          <a:bodyPr/>
-          <a:lstStyle/>
-          <a:p>
-            <a:pPr algn="ctr"/>
-            <a:r>
-              <a:rPr lang="en-US" dirty="0"/>
-              <a:t>Sequence diagram</a:t>
-            </a:r>
-            <a:endParaRPr lang="id-ID" dirty="0"/>
-          </a:p>
-        </p:txBody>
-      </p:sp>
-      <p:sp>
-        <p:nvSpPr>
-          <p:cNvPr id="3" name="Content Placeholder 2"/>
-          <p:cNvSpPr>
-            <a:spLocks noGrp="1"/>
-          </p:cNvSpPr>
-          <p:nvPr>
-            <p:ph idx="1"/>
-          </p:nvPr>
-        </p:nvSpPr>
-        <p:spPr/>
-        <p:txBody>
-          <a:bodyPr/>
-          <a:lstStyle/>
-          <a:p>
-            <a:pPr algn="ctr"/>
-            <a:r>
-              <a:rPr lang="en-US" dirty="0"/>
-              <a:t>Sequence diagram </a:t>
-            </a:r>
-            <a:r>
-              <a:rPr lang="en-US" dirty="0" err="1"/>
-              <a:t>merupakan</a:t>
-            </a:r>
-            <a:r>
-              <a:rPr lang="en-US" dirty="0"/>
-              <a:t> </a:t>
-            </a:r>
-            <a:r>
-              <a:rPr lang="en-US" dirty="0" err="1"/>
-              <a:t>suatu</a:t>
-            </a:r>
-            <a:r>
-              <a:rPr lang="en-US" dirty="0"/>
-              <a:t> diagram yang </a:t>
-            </a:r>
-            <a:r>
-              <a:rPr lang="en-US" dirty="0" err="1"/>
-              <a:t>memperlihatkan</a:t>
-            </a:r>
-            <a:r>
-              <a:rPr lang="en-US" dirty="0"/>
-              <a:t> </a:t>
-            </a:r>
-            <a:r>
-              <a:rPr lang="en-US" dirty="0" err="1"/>
-              <a:t>atau</a:t>
-            </a:r>
-            <a:r>
-              <a:rPr lang="en-US" dirty="0"/>
-              <a:t> </a:t>
-            </a:r>
-            <a:r>
-              <a:rPr lang="en-US" dirty="0" err="1"/>
-              <a:t>menampilkan</a:t>
-            </a:r>
-            <a:r>
-              <a:rPr lang="en-US" dirty="0"/>
-              <a:t> </a:t>
-            </a:r>
-            <a:r>
-              <a:rPr lang="en-US" dirty="0" err="1"/>
-              <a:t>interaksi-interaksi</a:t>
-            </a:r>
-            <a:r>
-              <a:rPr lang="en-US" dirty="0"/>
-              <a:t> </a:t>
-            </a:r>
-            <a:r>
-              <a:rPr lang="en-US" dirty="0" err="1"/>
-              <a:t>antar</a:t>
-            </a:r>
-            <a:r>
-              <a:rPr lang="en-US" dirty="0"/>
-              <a:t> </a:t>
-            </a:r>
-            <a:r>
-              <a:rPr lang="en-US" dirty="0" err="1"/>
-              <a:t>objek</a:t>
-            </a:r>
-            <a:r>
-              <a:rPr lang="en-US" dirty="0"/>
-              <a:t> </a:t>
-            </a:r>
-            <a:r>
-              <a:rPr lang="en-US" dirty="0" err="1"/>
-              <a:t>didalam</a:t>
-            </a:r>
-            <a:r>
-              <a:rPr lang="en-US" dirty="0"/>
-              <a:t> </a:t>
-            </a:r>
-            <a:r>
-              <a:rPr lang="en-US" dirty="0" err="1"/>
-              <a:t>suatu</a:t>
-            </a:r>
-            <a:r>
-              <a:rPr lang="en-US" dirty="0"/>
-              <a:t> </a:t>
-            </a:r>
-            <a:r>
-              <a:rPr lang="en-US" dirty="0" err="1"/>
-              <a:t>sisem</a:t>
-            </a:r>
-            <a:r>
-              <a:rPr lang="en-US" dirty="0"/>
-              <a:t> yang </a:t>
-            </a:r>
-            <a:r>
-              <a:rPr lang="en-US" dirty="0" err="1"/>
-              <a:t>disusun</a:t>
-            </a:r>
-            <a:r>
-              <a:rPr lang="en-US" dirty="0"/>
-              <a:t> </a:t>
-            </a:r>
-            <a:r>
-              <a:rPr lang="en-US" dirty="0" err="1"/>
-              <a:t>pada</a:t>
-            </a:r>
-            <a:r>
-              <a:rPr lang="en-US" dirty="0"/>
-              <a:t> </a:t>
-            </a:r>
-            <a:r>
-              <a:rPr lang="en-US" dirty="0" err="1"/>
-              <a:t>sebuah</a:t>
-            </a:r>
-            <a:r>
-              <a:rPr lang="en-US" dirty="0"/>
-              <a:t> </a:t>
-            </a:r>
-            <a:r>
-              <a:rPr lang="en-US" dirty="0" err="1"/>
-              <a:t>urutan</a:t>
-            </a:r>
-            <a:r>
-              <a:rPr lang="en-US" dirty="0"/>
-              <a:t> </a:t>
-            </a:r>
-            <a:r>
-              <a:rPr lang="en-US" dirty="0" err="1"/>
-              <a:t>atau</a:t>
-            </a:r>
-            <a:r>
-              <a:rPr lang="en-US" dirty="0"/>
-              <a:t> </a:t>
-            </a:r>
-            <a:r>
-              <a:rPr lang="en-US" dirty="0" err="1"/>
-              <a:t>rangkaian</a:t>
-            </a:r>
-            <a:r>
-              <a:rPr lang="en-US" dirty="0"/>
-              <a:t> </a:t>
-            </a:r>
-            <a:r>
-              <a:rPr lang="en-US" dirty="0" err="1"/>
-              <a:t>waktu</a:t>
-            </a:r>
-            <a:r>
-              <a:rPr lang="en-US" dirty="0"/>
-              <a:t>. </a:t>
-            </a:r>
-            <a:r>
-              <a:rPr lang="en-US" dirty="0" err="1"/>
-              <a:t>Berikut</a:t>
-            </a:r>
-            <a:r>
-              <a:rPr lang="en-US" dirty="0"/>
-              <a:t> sequence diagram</a:t>
-            </a:r>
-            <a:endParaRPr lang="id-ID" dirty="0"/>
-          </a:p>
-        </p:txBody>
-      </p:sp>
-    </p:spTree>
-    <p:extLst>
-      <p:ext uri="{BB962C8B-B14F-4D97-AF65-F5344CB8AC3E}">
-        <p14:creationId xmlns:p14="http://schemas.microsoft.com/office/powerpoint/2010/main" val="4136786718"/>
-      </p:ext>
-    </p:extLst>
-  </p:cSld>
-  <p:clrMapOvr>
-    <a:masterClrMapping/>
-  </p:clrMapOvr>
-  <p:transition spd="slow">
-    <p:fade/>
-  </p:transition>
-  <p:timing>
-    <p:tnLst>
-      <p:par>
-        <p:cTn id="1" dur="indefinite" restart="never" nodeType="tmRoot"/>
-      </p:par>
-    </p:tnLst>
-  </p:timing>
-</p:sld>
-</file>
-
-<file path=ppt/slides/slide14.xml><?xml version="1.0" encoding="utf-8"?>
-<p:sld xmlns:a="http://schemas.openxmlformats.org/drawingml/2006/main" xmlns:r="http://schemas.openxmlformats.org/officeDocument/2006/relationships" xmlns:p="http://schemas.openxmlformats.org/presentationml/2006/main">
-  <p:cSld>
-    <p:spTree>
-      <p:nvGrpSpPr>
-        <p:cNvPr id="1" name=""/>
-        <p:cNvGrpSpPr/>
-        <p:nvPr/>
-      </p:nvGrpSpPr>
-      <p:grpSpPr>
-        <a:xfrm>
-          <a:off x="0" y="0"/>
-          <a:ext cx="0" cy="0"/>
-          <a:chOff x="0" y="0"/>
-          <a:chExt cx="0" cy="0"/>
-        </a:xfrm>
-      </p:grpSpPr>
-      <p:sp>
-        <p:nvSpPr>
-          <p:cNvPr id="2" name="Title 1"/>
-          <p:cNvSpPr>
-            <a:spLocks noGrp="1"/>
-          </p:cNvSpPr>
-          <p:nvPr>
-            <p:ph type="title"/>
-          </p:nvPr>
-        </p:nvSpPr>
         <p:spPr>
           <a:xfrm>
             <a:off x="820100" y="0"/>
@@ -13786,7 +13546,7 @@
 </p:sld>
 </file>
 
-<file path=ppt/slides/slide15.xml><?xml version="1.0" encoding="utf-8"?>
+<file path=ppt/slides/slide14.xml><?xml version="1.0" encoding="utf-8"?>
 <p:sld xmlns:a="http://schemas.openxmlformats.org/drawingml/2006/main" xmlns:r="http://schemas.openxmlformats.org/officeDocument/2006/relationships" xmlns:p="http://schemas.openxmlformats.org/presentationml/2006/main">
   <p:cSld>
     <p:spTree>
@@ -13909,6 +13669,124 @@
     <p:extLst>
       <p:ext uri="{BB962C8B-B14F-4D97-AF65-F5344CB8AC3E}">
         <p14:creationId xmlns:p14="http://schemas.microsoft.com/office/powerpoint/2010/main" val="3185123875"/>
+      </p:ext>
+    </p:extLst>
+  </p:cSld>
+  <p:clrMapOvr>
+    <a:masterClrMapping/>
+  </p:clrMapOvr>
+  <p:transition spd="slow">
+    <p:fade/>
+  </p:transition>
+  <p:timing>
+    <p:tnLst>
+      <p:par>
+        <p:cTn id="1" dur="indefinite" restart="never" nodeType="tmRoot"/>
+      </p:par>
+    </p:tnLst>
+  </p:timing>
+</p:sld>
+</file>
+
+<file path=ppt/slides/slide15.xml><?xml version="1.0" encoding="utf-8"?>
+<p:sld xmlns:a="http://schemas.openxmlformats.org/drawingml/2006/main" xmlns:r="http://schemas.openxmlformats.org/officeDocument/2006/relationships" xmlns:p="http://schemas.openxmlformats.org/presentationml/2006/main">
+  <p:cSld>
+    <p:spTree>
+      <p:nvGrpSpPr>
+        <p:cNvPr id="1" name=""/>
+        <p:cNvGrpSpPr/>
+        <p:nvPr/>
+      </p:nvGrpSpPr>
+      <p:grpSpPr>
+        <a:xfrm>
+          <a:off x="0" y="0"/>
+          <a:ext cx="0" cy="0"/>
+          <a:chOff x="0" y="0"/>
+          <a:chExt cx="0" cy="0"/>
+        </a:xfrm>
+      </p:grpSpPr>
+      <p:sp>
+        <p:nvSpPr>
+          <p:cNvPr id="2" name="Title 1"/>
+          <p:cNvSpPr>
+            <a:spLocks noGrp="1"/>
+          </p:cNvSpPr>
+          <p:nvPr>
+            <p:ph type="title"/>
+          </p:nvPr>
+        </p:nvSpPr>
+        <p:spPr>
+          <a:xfrm>
+            <a:off x="857250" y="0"/>
+            <a:ext cx="7429499" cy="1108928"/>
+          </a:xfrm>
+        </p:spPr>
+        <p:txBody>
+          <a:bodyPr>
+            <a:normAutofit/>
+          </a:bodyPr>
+          <a:lstStyle/>
+          <a:p>
+            <a:pPr algn="ctr"/>
+            <a:r>
+              <a:rPr lang="en-US" sz="2400" dirty="0"/>
+              <a:t>Sequence </a:t>
+            </a:r>
+            <a:r>
+              <a:rPr lang="en-US" sz="2400" dirty="0" err="1"/>
+              <a:t>memanipulasi</a:t>
+            </a:r>
+            <a:r>
+              <a:rPr lang="en-US" sz="2400" dirty="0"/>
+              <a:t> data </a:t>
+            </a:r>
+            <a:r>
+              <a:rPr lang="en-US" sz="2400" dirty="0" err="1"/>
+              <a:t>karya</a:t>
+            </a:r>
+            <a:r>
+              <a:rPr lang="en-US" sz="2400" dirty="0"/>
+              <a:t> </a:t>
+            </a:r>
+            <a:r>
+              <a:rPr lang="en-US" sz="2400" dirty="0" err="1" smtClean="0"/>
+              <a:t>Ilmiah</a:t>
+            </a:r>
+            <a:endParaRPr lang="id-ID" sz="2400" dirty="0"/>
+          </a:p>
+        </p:txBody>
+      </p:sp>
+      <p:pic>
+        <p:nvPicPr>
+          <p:cNvPr id="4" name="Image1"/>
+          <p:cNvPicPr/>
+          <p:nvPr/>
+        </p:nvPicPr>
+        <p:blipFill>
+          <a:blip r:embed="rId2" cstate="print">
+            <a:extLst>
+              <a:ext uri="{28A0092B-C50C-407E-A947-70E740481C1C}">
+                <a14:useLocalDpi xmlns:a14="http://schemas.microsoft.com/office/drawing/2010/main" val="0"/>
+              </a:ext>
+            </a:extLst>
+          </a:blip>
+          <a:srcRect/>
+          <a:stretch/>
+        </p:blipFill>
+        <p:spPr>
+          <a:xfrm>
+            <a:off x="1447799" y="971550"/>
+            <a:ext cx="6248400" cy="3972580"/>
+          </a:xfrm>
+          <a:prstGeom prst="rect">
+            <a:avLst/>
+          </a:prstGeom>
+        </p:spPr>
+      </p:pic>
+    </p:spTree>
+    <p:extLst>
+      <p:ext uri="{BB962C8B-B14F-4D97-AF65-F5344CB8AC3E}">
+        <p14:creationId xmlns:p14="http://schemas.microsoft.com/office/powerpoint/2010/main" val="3256284281"/>
       </p:ext>
     </p:extLst>
   </p:cSld>
@@ -13974,124 +13852,6 @@
             </a:r>
             <a:r>
               <a:rPr lang="en-US" sz="2400" dirty="0" err="1"/>
-              <a:t>memanipulasi</a:t>
-            </a:r>
-            <a:r>
-              <a:rPr lang="en-US" sz="2400" dirty="0"/>
-              <a:t> data </a:t>
-            </a:r>
-            <a:r>
-              <a:rPr lang="en-US" sz="2400" dirty="0" err="1"/>
-              <a:t>karya</a:t>
-            </a:r>
-            <a:r>
-              <a:rPr lang="en-US" sz="2400" dirty="0"/>
-              <a:t> </a:t>
-            </a:r>
-            <a:r>
-              <a:rPr lang="en-US" sz="2400" dirty="0" err="1" smtClean="0"/>
-              <a:t>Ilmiah</a:t>
-            </a:r>
-            <a:endParaRPr lang="id-ID" sz="2400" dirty="0"/>
-          </a:p>
-        </p:txBody>
-      </p:sp>
-      <p:pic>
-        <p:nvPicPr>
-          <p:cNvPr id="4" name="Image1"/>
-          <p:cNvPicPr/>
-          <p:nvPr/>
-        </p:nvPicPr>
-        <p:blipFill>
-          <a:blip r:embed="rId2" cstate="print">
-            <a:extLst>
-              <a:ext uri="{28A0092B-C50C-407E-A947-70E740481C1C}">
-                <a14:useLocalDpi xmlns:a14="http://schemas.microsoft.com/office/drawing/2010/main" val="0"/>
-              </a:ext>
-            </a:extLst>
-          </a:blip>
-          <a:srcRect/>
-          <a:stretch/>
-        </p:blipFill>
-        <p:spPr>
-          <a:xfrm>
-            <a:off x="1447799" y="971550"/>
-            <a:ext cx="6248400" cy="3972580"/>
-          </a:xfrm>
-          <a:prstGeom prst="rect">
-            <a:avLst/>
-          </a:prstGeom>
-        </p:spPr>
-      </p:pic>
-    </p:spTree>
-    <p:extLst>
-      <p:ext uri="{BB962C8B-B14F-4D97-AF65-F5344CB8AC3E}">
-        <p14:creationId xmlns:p14="http://schemas.microsoft.com/office/powerpoint/2010/main" val="3256284281"/>
-      </p:ext>
-    </p:extLst>
-  </p:cSld>
-  <p:clrMapOvr>
-    <a:masterClrMapping/>
-  </p:clrMapOvr>
-  <p:transition spd="slow">
-    <p:fade/>
-  </p:transition>
-  <p:timing>
-    <p:tnLst>
-      <p:par>
-        <p:cTn id="1" dur="indefinite" restart="never" nodeType="tmRoot"/>
-      </p:par>
-    </p:tnLst>
-  </p:timing>
-</p:sld>
-</file>
-
-<file path=ppt/slides/slide17.xml><?xml version="1.0" encoding="utf-8"?>
-<p:sld xmlns:a="http://schemas.openxmlformats.org/drawingml/2006/main" xmlns:r="http://schemas.openxmlformats.org/officeDocument/2006/relationships" xmlns:p="http://schemas.openxmlformats.org/presentationml/2006/main">
-  <p:cSld>
-    <p:spTree>
-      <p:nvGrpSpPr>
-        <p:cNvPr id="1" name=""/>
-        <p:cNvGrpSpPr/>
-        <p:nvPr/>
-      </p:nvGrpSpPr>
-      <p:grpSpPr>
-        <a:xfrm>
-          <a:off x="0" y="0"/>
-          <a:ext cx="0" cy="0"/>
-          <a:chOff x="0" y="0"/>
-          <a:chExt cx="0" cy="0"/>
-        </a:xfrm>
-      </p:grpSpPr>
-      <p:sp>
-        <p:nvSpPr>
-          <p:cNvPr id="2" name="Title 1"/>
-          <p:cNvSpPr>
-            <a:spLocks noGrp="1"/>
-          </p:cNvSpPr>
-          <p:nvPr>
-            <p:ph type="title"/>
-          </p:nvPr>
-        </p:nvSpPr>
-        <p:spPr>
-          <a:xfrm>
-            <a:off x="857250" y="0"/>
-            <a:ext cx="7429499" cy="1108928"/>
-          </a:xfrm>
-        </p:spPr>
-        <p:txBody>
-          <a:bodyPr>
-            <a:normAutofit/>
-          </a:bodyPr>
-          <a:lstStyle/>
-          <a:p>
-            <a:pPr algn="ctr"/>
-            <a:r>
-              <a:rPr lang="en-US" sz="2400" dirty="0"/>
-              <a:t>Sequence </a:t>
-            </a:r>
-            <a:r>
-              <a:rPr lang="en-US" sz="2400" dirty="0" err="1"/>
               <a:t>mencari</a:t>
             </a:r>
             <a:r>
@@ -14164,7 +13924,7 @@
 </p:sld>
 </file>
 
-<file path=ppt/slides/slide18.xml><?xml version="1.0" encoding="utf-8"?>
+<file path=ppt/slides/slide17.xml><?xml version="1.0" encoding="utf-8"?>
 <p:sld xmlns:a="http://schemas.openxmlformats.org/drawingml/2006/main" xmlns:r="http://schemas.openxmlformats.org/officeDocument/2006/relationships" xmlns:p="http://schemas.openxmlformats.org/presentationml/2006/main">
   <p:cSld>
     <p:spTree>
@@ -14283,7 +14043,7 @@
 </p:sld>
 </file>
 
-<file path=ppt/slides/slide19.xml><?xml version="1.0" encoding="utf-8"?>
+<file path=ppt/slides/slide18.xml><?xml version="1.0" encoding="utf-8"?>
 <p:sld xmlns:a="http://schemas.openxmlformats.org/drawingml/2006/main" xmlns:r="http://schemas.openxmlformats.org/officeDocument/2006/relationships" xmlns:p="http://schemas.openxmlformats.org/presentationml/2006/main">
   <p:cSld>
     <p:spTree>
@@ -14402,635 +14162,7 @@
 </p:sld>
 </file>
 
-<file path=ppt/slides/slide2.xml><?xml version="1.0" encoding="utf-8"?>
-<p:sld xmlns:a="http://schemas.openxmlformats.org/drawingml/2006/main" xmlns:r="http://schemas.openxmlformats.org/officeDocument/2006/relationships" xmlns:p="http://schemas.openxmlformats.org/presentationml/2006/main">
-  <p:cSld>
-    <p:spTree>
-      <p:nvGrpSpPr>
-        <p:cNvPr id="1" name=""/>
-        <p:cNvGrpSpPr/>
-        <p:nvPr/>
-      </p:nvGrpSpPr>
-      <p:grpSpPr>
-        <a:xfrm>
-          <a:off x="0" y="0"/>
-          <a:ext cx="0" cy="0"/>
-          <a:chOff x="0" y="0"/>
-          <a:chExt cx="0" cy="0"/>
-        </a:xfrm>
-      </p:grpSpPr>
-      <p:sp>
-        <p:nvSpPr>
-          <p:cNvPr id="2" name="Title 1"/>
-          <p:cNvSpPr>
-            <a:spLocks noGrp="1"/>
-          </p:cNvSpPr>
-          <p:nvPr>
-            <p:ph type="title"/>
-          </p:nvPr>
-        </p:nvSpPr>
-        <p:spPr/>
-        <p:txBody>
-          <a:bodyPr/>
-          <a:lstStyle/>
-          <a:p>
-            <a:r>
-              <a:rPr lang="en-US" dirty="0" err="1" smtClean="0"/>
-              <a:t>Deskripsi</a:t>
-            </a:r>
-            <a:r>
-              <a:rPr lang="en-US" dirty="0" smtClean="0"/>
-              <a:t> </a:t>
-            </a:r>
-            <a:r>
-              <a:rPr lang="en-US" dirty="0" err="1" smtClean="0"/>
-              <a:t>Tugas</a:t>
-            </a:r>
-            <a:endParaRPr lang="en-US" dirty="0"/>
-          </a:p>
-        </p:txBody>
-      </p:sp>
-      <p:sp>
-        <p:nvSpPr>
-          <p:cNvPr id="3" name="Content Placeholder 2"/>
-          <p:cNvSpPr>
-            <a:spLocks noGrp="1"/>
-          </p:cNvSpPr>
-          <p:nvPr>
-            <p:ph idx="1"/>
-          </p:nvPr>
-        </p:nvSpPr>
-        <p:spPr/>
-        <p:txBody>
-          <a:bodyPr>
-            <a:normAutofit fontScale="92500" lnSpcReduction="20000"/>
-          </a:bodyPr>
-          <a:lstStyle/>
-          <a:p>
-            <a:r>
-              <a:rPr lang="en-US" dirty="0" err="1"/>
-              <a:t>Pencatatan</a:t>
-            </a:r>
-            <a:r>
-              <a:rPr lang="en-US" dirty="0"/>
-              <a:t> </a:t>
-            </a:r>
-            <a:r>
-              <a:rPr lang="en-US" dirty="0" err="1"/>
-              <a:t>karya</a:t>
-            </a:r>
-            <a:r>
-              <a:rPr lang="en-US" dirty="0"/>
-              <a:t> </a:t>
-            </a:r>
-            <a:r>
-              <a:rPr lang="en-US" dirty="0" err="1"/>
-              <a:t>ilmiah</a:t>
-            </a:r>
-            <a:r>
-              <a:rPr lang="en-US" dirty="0"/>
-              <a:t> </a:t>
-            </a:r>
-            <a:r>
-              <a:rPr lang="en-US" dirty="0" err="1"/>
-              <a:t>mahasiswa</a:t>
-            </a:r>
-            <a:r>
-              <a:rPr lang="en-US" dirty="0"/>
-              <a:t>/</a:t>
-            </a:r>
-            <a:r>
-              <a:rPr lang="en-US" dirty="0" err="1"/>
-              <a:t>mahasiswi</a:t>
-            </a:r>
-            <a:r>
-              <a:rPr lang="en-US" dirty="0"/>
-              <a:t> </a:t>
-            </a:r>
-            <a:r>
-              <a:rPr lang="en-US" dirty="0" err="1"/>
-              <a:t>pada</a:t>
-            </a:r>
-            <a:r>
-              <a:rPr lang="en-US" dirty="0"/>
-              <a:t> </a:t>
-            </a:r>
-            <a:r>
-              <a:rPr lang="en-US" dirty="0" err="1"/>
-              <a:t>Perguruan</a:t>
-            </a:r>
-            <a:r>
-              <a:rPr lang="en-US" dirty="0"/>
-              <a:t> </a:t>
-            </a:r>
-            <a:r>
-              <a:rPr lang="en-US" dirty="0" err="1"/>
-              <a:t>Tinggi</a:t>
-            </a:r>
-            <a:r>
-              <a:rPr lang="en-US" dirty="0"/>
-              <a:t> </a:t>
-            </a:r>
-            <a:r>
-              <a:rPr lang="en-US" dirty="0" err="1"/>
-              <a:t>AkuBelajar</a:t>
-            </a:r>
-            <a:r>
-              <a:rPr lang="en-US" dirty="0"/>
-              <a:t> </a:t>
-            </a:r>
-            <a:r>
-              <a:rPr lang="en-US" dirty="0" err="1"/>
-              <a:t>masih</a:t>
-            </a:r>
-            <a:r>
-              <a:rPr lang="en-US" dirty="0"/>
-              <a:t> </a:t>
-            </a:r>
-            <a:r>
-              <a:rPr lang="en-US" dirty="0" err="1"/>
-              <a:t>menggunakan</a:t>
-            </a:r>
-            <a:r>
-              <a:rPr lang="en-US" dirty="0"/>
-              <a:t> </a:t>
-            </a:r>
-            <a:r>
-              <a:rPr lang="en-US" dirty="0" err="1"/>
-              <a:t>sistem</a:t>
-            </a:r>
-            <a:r>
-              <a:rPr lang="en-US" dirty="0"/>
-              <a:t> manual </a:t>
-            </a:r>
-            <a:r>
-              <a:rPr lang="en-US" dirty="0" err="1"/>
-              <a:t>dimana</a:t>
-            </a:r>
-            <a:r>
-              <a:rPr lang="en-US" dirty="0"/>
-              <a:t> data-data </a:t>
-            </a:r>
-            <a:r>
-              <a:rPr lang="en-US" dirty="0" err="1"/>
-              <a:t>suatu</a:t>
-            </a:r>
-            <a:r>
-              <a:rPr lang="en-US" dirty="0"/>
-              <a:t> </a:t>
-            </a:r>
-            <a:r>
-              <a:rPr lang="en-US" dirty="0" err="1"/>
-              <a:t>pembuatan</a:t>
-            </a:r>
-            <a:r>
-              <a:rPr lang="en-US" dirty="0"/>
-              <a:t> </a:t>
-            </a:r>
-            <a:r>
-              <a:rPr lang="en-US" dirty="0" err="1"/>
-              <a:t>karya</a:t>
-            </a:r>
-            <a:r>
-              <a:rPr lang="en-US" dirty="0"/>
-              <a:t> </a:t>
-            </a:r>
-            <a:r>
-              <a:rPr lang="en-US" dirty="0" err="1"/>
-              <a:t>ilmiah</a:t>
-            </a:r>
-            <a:r>
-              <a:rPr lang="en-US" dirty="0"/>
-              <a:t> </a:t>
-            </a:r>
-            <a:r>
-              <a:rPr lang="en-US" dirty="0" err="1"/>
-              <a:t>tersebut</a:t>
-            </a:r>
-            <a:r>
-              <a:rPr lang="en-US" dirty="0"/>
-              <a:t> </a:t>
-            </a:r>
-            <a:r>
-              <a:rPr lang="en-US" dirty="0" err="1"/>
-              <a:t>masih</a:t>
-            </a:r>
-            <a:r>
-              <a:rPr lang="en-US" dirty="0"/>
-              <a:t> </a:t>
-            </a:r>
-            <a:r>
-              <a:rPr lang="en-US" dirty="0" err="1"/>
-              <a:t>mengandalkan</a:t>
-            </a:r>
-            <a:r>
-              <a:rPr lang="en-US" dirty="0"/>
-              <a:t> </a:t>
-            </a:r>
-            <a:r>
-              <a:rPr lang="en-US" dirty="0" err="1"/>
-              <a:t>lembar</a:t>
-            </a:r>
-            <a:r>
-              <a:rPr lang="en-US" dirty="0"/>
-              <a:t> </a:t>
-            </a:r>
-            <a:r>
-              <a:rPr lang="en-US" dirty="0" err="1"/>
-              <a:t>catatan</a:t>
-            </a:r>
-            <a:r>
-              <a:rPr lang="en-US" dirty="0"/>
-              <a:t> </a:t>
-            </a:r>
-            <a:r>
-              <a:rPr lang="en-US" dirty="0" err="1"/>
-              <a:t>karya</a:t>
-            </a:r>
-            <a:r>
-              <a:rPr lang="en-US" dirty="0"/>
-              <a:t> </a:t>
-            </a:r>
-            <a:r>
-              <a:rPr lang="en-US" dirty="0" err="1"/>
-              <a:t>ilmiah</a:t>
-            </a:r>
-            <a:r>
-              <a:rPr lang="en-US" dirty="0"/>
-              <a:t> </a:t>
-            </a:r>
-            <a:r>
-              <a:rPr lang="en-US" dirty="0" err="1"/>
-              <a:t>dan</a:t>
-            </a:r>
-            <a:r>
-              <a:rPr lang="en-US" dirty="0"/>
-              <a:t> </a:t>
-            </a:r>
-            <a:r>
-              <a:rPr lang="en-US" dirty="0" err="1"/>
-              <a:t>disimpan</a:t>
-            </a:r>
-            <a:r>
-              <a:rPr lang="en-US" dirty="0"/>
-              <a:t> di </a:t>
-            </a:r>
-            <a:r>
-              <a:rPr lang="en-US" dirty="0" err="1"/>
-              <a:t>suatu</a:t>
-            </a:r>
-            <a:r>
-              <a:rPr lang="en-US" dirty="0"/>
-              <a:t> </a:t>
-            </a:r>
-            <a:r>
-              <a:rPr lang="en-US" dirty="0" err="1"/>
-              <a:t>rak</a:t>
-            </a:r>
-            <a:r>
-              <a:rPr lang="en-US" dirty="0"/>
-              <a:t>/</a:t>
-            </a:r>
-            <a:r>
-              <a:rPr lang="en-US" dirty="0" err="1"/>
-              <a:t>lemari</a:t>
-            </a:r>
-            <a:r>
-              <a:rPr lang="en-US" dirty="0"/>
-              <a:t>. Hal </a:t>
-            </a:r>
-            <a:r>
-              <a:rPr lang="en-US" dirty="0" err="1"/>
-              <a:t>ini</a:t>
-            </a:r>
-            <a:r>
-              <a:rPr lang="en-US" dirty="0"/>
-              <a:t> </a:t>
-            </a:r>
-            <a:r>
-              <a:rPr lang="en-US" dirty="0" err="1"/>
-              <a:t>berakibat</a:t>
-            </a:r>
-            <a:r>
-              <a:rPr lang="en-US" dirty="0"/>
-              <a:t> </a:t>
-            </a:r>
-            <a:r>
-              <a:rPr lang="en-US" dirty="0" err="1"/>
-              <a:t>pada</a:t>
-            </a:r>
-            <a:r>
-              <a:rPr lang="en-US" dirty="0"/>
-              <a:t> </a:t>
-            </a:r>
-            <a:r>
-              <a:rPr lang="en-US" dirty="0" err="1"/>
-              <a:t>sulitnya</a:t>
-            </a:r>
-            <a:r>
-              <a:rPr lang="en-US" dirty="0"/>
-              <a:t> </a:t>
-            </a:r>
-            <a:r>
-              <a:rPr lang="en-US" dirty="0" err="1"/>
-              <a:t>pencarian</a:t>
-            </a:r>
-            <a:r>
-              <a:rPr lang="en-US" dirty="0"/>
-              <a:t> data </a:t>
-            </a:r>
-            <a:r>
-              <a:rPr lang="en-US" dirty="0" err="1"/>
-              <a:t>berdasarkan</a:t>
-            </a:r>
-            <a:r>
-              <a:rPr lang="en-US" dirty="0"/>
-              <a:t> </a:t>
-            </a:r>
-            <a:r>
-              <a:rPr lang="en-US" dirty="0" err="1"/>
-              <a:t>tema</a:t>
-            </a:r>
-            <a:r>
-              <a:rPr lang="en-US" dirty="0"/>
-              <a:t> </a:t>
-            </a:r>
-            <a:r>
-              <a:rPr lang="en-US" dirty="0" err="1"/>
-              <a:t>karya</a:t>
-            </a:r>
-            <a:r>
-              <a:rPr lang="en-US" dirty="0"/>
-              <a:t> </a:t>
-            </a:r>
-            <a:r>
-              <a:rPr lang="en-US" dirty="0" err="1"/>
-              <a:t>ilmiah</a:t>
-            </a:r>
-            <a:r>
-              <a:rPr lang="en-US" dirty="0"/>
-              <a:t> yang </a:t>
-            </a:r>
-            <a:r>
-              <a:rPr lang="en-US" dirty="0" err="1"/>
-              <a:t>dibuat</a:t>
-            </a:r>
-            <a:r>
-              <a:rPr lang="en-US" dirty="0"/>
-              <a:t> </a:t>
-            </a:r>
-            <a:r>
-              <a:rPr lang="en-US" dirty="0" err="1"/>
-              <a:t>oleh</a:t>
-            </a:r>
-            <a:r>
-              <a:rPr lang="en-US" dirty="0"/>
-              <a:t> </a:t>
-            </a:r>
-            <a:r>
-              <a:rPr lang="en-US" dirty="0" err="1"/>
-              <a:t>mahasiswa</a:t>
-            </a:r>
-            <a:r>
-              <a:rPr lang="en-US" dirty="0"/>
-              <a:t> </a:t>
-            </a:r>
-            <a:r>
-              <a:rPr lang="en-US" dirty="0" err="1"/>
-              <a:t>sebelumnya</a:t>
-            </a:r>
-            <a:r>
-              <a:rPr lang="en-US" dirty="0"/>
-              <a:t>. </a:t>
-            </a:r>
-            <a:r>
-              <a:rPr lang="en-US" dirty="0" err="1"/>
-              <a:t>Sebagai</a:t>
-            </a:r>
-            <a:r>
-              <a:rPr lang="en-US" dirty="0"/>
-              <a:t> </a:t>
-            </a:r>
-            <a:r>
-              <a:rPr lang="en-US" dirty="0" err="1"/>
-              <a:t>alternatif</a:t>
-            </a:r>
-            <a:r>
-              <a:rPr lang="en-US" dirty="0"/>
-              <a:t> </a:t>
-            </a:r>
-            <a:r>
-              <a:rPr lang="en-US" dirty="0" err="1"/>
-              <a:t>dibuatlah</a:t>
-            </a:r>
-            <a:r>
-              <a:rPr lang="en-US" dirty="0"/>
-              <a:t> </a:t>
-            </a:r>
-            <a:r>
-              <a:rPr lang="en-US" dirty="0" err="1"/>
-              <a:t>suatu</a:t>
-            </a:r>
-            <a:r>
-              <a:rPr lang="en-US" dirty="0"/>
-              <a:t> </a:t>
-            </a:r>
-            <a:r>
-              <a:rPr lang="en-US" dirty="0" err="1"/>
-              <a:t>sistem</a:t>
-            </a:r>
-            <a:r>
-              <a:rPr lang="en-US" dirty="0"/>
-              <a:t> </a:t>
-            </a:r>
-            <a:r>
-              <a:rPr lang="en-US" dirty="0" err="1"/>
-              <a:t>pengolahan</a:t>
-            </a:r>
-            <a:r>
-              <a:rPr lang="en-US" dirty="0"/>
-              <a:t> data </a:t>
-            </a:r>
-            <a:r>
-              <a:rPr lang="en-US" dirty="0" err="1"/>
-              <a:t>karya</a:t>
-            </a:r>
-            <a:r>
-              <a:rPr lang="en-US" dirty="0"/>
-              <a:t> </a:t>
-            </a:r>
-            <a:r>
-              <a:rPr lang="en-US" dirty="0" err="1"/>
-              <a:t>ilmiah</a:t>
-            </a:r>
-            <a:r>
-              <a:rPr lang="en-US" dirty="0"/>
-              <a:t> </a:t>
-            </a:r>
-            <a:r>
-              <a:rPr lang="en-US" dirty="0" err="1"/>
-              <a:t>mahasiswa</a:t>
-            </a:r>
-            <a:r>
-              <a:rPr lang="en-US" dirty="0"/>
-              <a:t> yang </a:t>
-            </a:r>
-            <a:r>
-              <a:rPr lang="en-US" dirty="0" err="1"/>
-              <a:t>terkomputerisasi</a:t>
-            </a:r>
-            <a:r>
-              <a:rPr lang="en-US" dirty="0"/>
-              <a:t> </a:t>
-            </a:r>
-            <a:r>
-              <a:rPr lang="en-US" dirty="0" err="1"/>
-              <a:t>dan</a:t>
-            </a:r>
-            <a:r>
-              <a:rPr lang="en-US" dirty="0"/>
-              <a:t> </a:t>
-            </a:r>
-            <a:r>
-              <a:rPr lang="en-US" dirty="0" err="1"/>
-              <a:t>datanya</a:t>
-            </a:r>
-            <a:r>
-              <a:rPr lang="en-US" dirty="0"/>
-              <a:t> </a:t>
-            </a:r>
-            <a:r>
-              <a:rPr lang="en-US" dirty="0" err="1"/>
-              <a:t>disimpan</a:t>
-            </a:r>
-            <a:r>
-              <a:rPr lang="en-US" dirty="0"/>
-              <a:t> </a:t>
-            </a:r>
-            <a:r>
-              <a:rPr lang="en-US" dirty="0" err="1"/>
-              <a:t>menggunakan</a:t>
-            </a:r>
-            <a:r>
-              <a:rPr lang="en-US" dirty="0"/>
-              <a:t> database. </a:t>
-            </a:r>
-            <a:r>
-              <a:rPr lang="en-US" dirty="0" err="1"/>
-              <a:t>Pihak</a:t>
-            </a:r>
-            <a:r>
-              <a:rPr lang="en-US" dirty="0"/>
-              <a:t> yang </a:t>
-            </a:r>
-            <a:r>
-              <a:rPr lang="en-US" dirty="0" err="1"/>
-              <a:t>memiliki</a:t>
-            </a:r>
-            <a:r>
-              <a:rPr lang="en-US" dirty="0"/>
-              <a:t> </a:t>
-            </a:r>
-            <a:r>
-              <a:rPr lang="en-US" dirty="0" err="1"/>
-              <a:t>akses</a:t>
-            </a:r>
-            <a:r>
-              <a:rPr lang="en-US" dirty="0"/>
-              <a:t> </a:t>
-            </a:r>
-            <a:r>
-              <a:rPr lang="en-US" dirty="0" err="1"/>
-              <a:t>untuk</a:t>
-            </a:r>
-            <a:r>
-              <a:rPr lang="en-US" dirty="0"/>
-              <a:t> </a:t>
-            </a:r>
-            <a:r>
-              <a:rPr lang="en-US" dirty="0" err="1"/>
-              <a:t>menginputkan</a:t>
-            </a:r>
-            <a:r>
-              <a:rPr lang="en-US" dirty="0"/>
-              <a:t> data </a:t>
-            </a:r>
-            <a:r>
-              <a:rPr lang="en-US" dirty="0" err="1"/>
-              <a:t>karya</a:t>
-            </a:r>
-            <a:r>
-              <a:rPr lang="en-US" dirty="0"/>
-              <a:t> </a:t>
-            </a:r>
-            <a:r>
-              <a:rPr lang="en-US" dirty="0" err="1"/>
-              <a:t>ilmiah</a:t>
-            </a:r>
-            <a:r>
-              <a:rPr lang="en-US" dirty="0"/>
-              <a:t> </a:t>
-            </a:r>
-            <a:r>
-              <a:rPr lang="en-US" dirty="0" err="1"/>
-              <a:t>mahasiswa</a:t>
-            </a:r>
-            <a:r>
-              <a:rPr lang="en-US" dirty="0"/>
-              <a:t> </a:t>
-            </a:r>
-            <a:r>
-              <a:rPr lang="en-US" dirty="0" err="1"/>
-              <a:t>adalah</a:t>
-            </a:r>
-            <a:r>
-              <a:rPr lang="en-US" dirty="0"/>
-              <a:t> program </a:t>
-            </a:r>
-            <a:r>
-              <a:rPr lang="en-US" dirty="0" err="1"/>
-              <a:t>studi</a:t>
-            </a:r>
-            <a:r>
-              <a:rPr lang="en-US" dirty="0"/>
-              <a:t>. </a:t>
-            </a:r>
-          </a:p>
-        </p:txBody>
-      </p:sp>
-    </p:spTree>
-    <p:extLst>
-      <p:ext uri="{BB962C8B-B14F-4D97-AF65-F5344CB8AC3E}">
-        <p14:creationId xmlns:p14="http://schemas.microsoft.com/office/powerpoint/2010/main" val="3166207509"/>
-      </p:ext>
-    </p:extLst>
-  </p:cSld>
-  <p:clrMapOvr>
-    <a:masterClrMapping/>
-  </p:clrMapOvr>
-  <mc:AlternateContent xmlns:mc="http://schemas.openxmlformats.org/markup-compatibility/2006" xmlns:p14="http://schemas.microsoft.com/office/powerpoint/2010/main">
-    <mc:Choice Requires="p14">
-      <p:transition spd="med" p14:dur="700">
-        <p:fade/>
-      </p:transition>
-    </mc:Choice>
-    <mc:Fallback xmlns="">
-      <p:transition spd="med">
-        <p:fade/>
-      </p:transition>
-    </mc:Fallback>
-  </mc:AlternateContent>
-  <p:timing>
-    <p:tnLst>
-      <p:par>
-        <p:cTn id="1" dur="indefinite" restart="never" nodeType="tmRoot"/>
-      </p:par>
-    </p:tnLst>
-  </p:timing>
-</p:sld>
-</file>
-
-<file path=ppt/slides/slide20.xml><?xml version="1.0" encoding="utf-8"?>
+<file path=ppt/slides/slide19.xml><?xml version="1.0" encoding="utf-8"?>
 <p:sld xmlns:a="http://schemas.openxmlformats.org/drawingml/2006/main" xmlns:r="http://schemas.openxmlformats.org/officeDocument/2006/relationships" xmlns:p="http://schemas.openxmlformats.org/presentationml/2006/main">
   <p:cSld>
     <p:spTree>
@@ -15149,6 +14281,731 @@
 </p:sld>
 </file>
 
+<file path=ppt/slides/slide2.xml><?xml version="1.0" encoding="utf-8"?>
+<p:sld xmlns:a="http://schemas.openxmlformats.org/drawingml/2006/main" xmlns:r="http://schemas.openxmlformats.org/officeDocument/2006/relationships" xmlns:p="http://schemas.openxmlformats.org/presentationml/2006/main">
+  <p:cSld>
+    <p:spTree>
+      <p:nvGrpSpPr>
+        <p:cNvPr id="1" name=""/>
+        <p:cNvGrpSpPr/>
+        <p:nvPr/>
+      </p:nvGrpSpPr>
+      <p:grpSpPr>
+        <a:xfrm>
+          <a:off x="0" y="0"/>
+          <a:ext cx="0" cy="0"/>
+          <a:chOff x="0" y="0"/>
+          <a:chExt cx="0" cy="0"/>
+        </a:xfrm>
+      </p:grpSpPr>
+      <p:sp>
+        <p:nvSpPr>
+          <p:cNvPr id="2" name="Title 1"/>
+          <p:cNvSpPr>
+            <a:spLocks noGrp="1"/>
+          </p:cNvSpPr>
+          <p:nvPr>
+            <p:ph type="title"/>
+          </p:nvPr>
+        </p:nvSpPr>
+        <p:spPr/>
+        <p:txBody>
+          <a:bodyPr/>
+          <a:lstStyle/>
+          <a:p>
+            <a:r>
+              <a:rPr lang="en-US" dirty="0" err="1" smtClean="0"/>
+              <a:t>Deskripsi</a:t>
+            </a:r>
+            <a:r>
+              <a:rPr lang="en-US" dirty="0" smtClean="0"/>
+              <a:t> </a:t>
+            </a:r>
+            <a:r>
+              <a:rPr lang="en-US" dirty="0" err="1" smtClean="0"/>
+              <a:t>Tugas</a:t>
+            </a:r>
+            <a:endParaRPr lang="en-US" dirty="0"/>
+          </a:p>
+        </p:txBody>
+      </p:sp>
+      <p:sp>
+        <p:nvSpPr>
+          <p:cNvPr id="3" name="Content Placeholder 2"/>
+          <p:cNvSpPr>
+            <a:spLocks noGrp="1"/>
+          </p:cNvSpPr>
+          <p:nvPr>
+            <p:ph idx="1"/>
+          </p:nvPr>
+        </p:nvSpPr>
+        <p:spPr/>
+        <p:txBody>
+          <a:bodyPr>
+            <a:normAutofit fontScale="92500" lnSpcReduction="20000"/>
+          </a:bodyPr>
+          <a:lstStyle/>
+          <a:p>
+            <a:r>
+              <a:rPr lang="en-US" dirty="0" err="1"/>
+              <a:t>Pencatatan</a:t>
+            </a:r>
+            <a:r>
+              <a:rPr lang="en-US" dirty="0"/>
+              <a:t> </a:t>
+            </a:r>
+            <a:r>
+              <a:rPr lang="en-US" dirty="0" err="1"/>
+              <a:t>karya</a:t>
+            </a:r>
+            <a:r>
+              <a:rPr lang="en-US" dirty="0"/>
+              <a:t> </a:t>
+            </a:r>
+            <a:r>
+              <a:rPr lang="en-US" dirty="0" err="1"/>
+              <a:t>ilmiah</a:t>
+            </a:r>
+            <a:r>
+              <a:rPr lang="en-US" dirty="0"/>
+              <a:t> </a:t>
+            </a:r>
+            <a:r>
+              <a:rPr lang="en-US" dirty="0" err="1"/>
+              <a:t>mahasiswa</a:t>
+            </a:r>
+            <a:r>
+              <a:rPr lang="en-US" dirty="0"/>
+              <a:t>/</a:t>
+            </a:r>
+            <a:r>
+              <a:rPr lang="en-US" dirty="0" err="1"/>
+              <a:t>mahasiswi</a:t>
+            </a:r>
+            <a:r>
+              <a:rPr lang="en-US" dirty="0"/>
+              <a:t> </a:t>
+            </a:r>
+            <a:r>
+              <a:rPr lang="en-US" dirty="0" err="1"/>
+              <a:t>pada</a:t>
+            </a:r>
+            <a:r>
+              <a:rPr lang="en-US" dirty="0"/>
+              <a:t> </a:t>
+            </a:r>
+            <a:r>
+              <a:rPr lang="en-US" dirty="0" err="1"/>
+              <a:t>Perguruan</a:t>
+            </a:r>
+            <a:r>
+              <a:rPr lang="en-US" dirty="0"/>
+              <a:t> </a:t>
+            </a:r>
+            <a:r>
+              <a:rPr lang="en-US" dirty="0" err="1"/>
+              <a:t>Tinggi</a:t>
+            </a:r>
+            <a:r>
+              <a:rPr lang="en-US" dirty="0"/>
+              <a:t> </a:t>
+            </a:r>
+            <a:r>
+              <a:rPr lang="en-US" dirty="0" err="1"/>
+              <a:t>AkuBelajar</a:t>
+            </a:r>
+            <a:r>
+              <a:rPr lang="en-US" dirty="0"/>
+              <a:t> </a:t>
+            </a:r>
+            <a:r>
+              <a:rPr lang="en-US" dirty="0" err="1"/>
+              <a:t>masih</a:t>
+            </a:r>
+            <a:r>
+              <a:rPr lang="en-US" dirty="0"/>
+              <a:t> </a:t>
+            </a:r>
+            <a:r>
+              <a:rPr lang="en-US" dirty="0" err="1"/>
+              <a:t>menggunakan</a:t>
+            </a:r>
+            <a:r>
+              <a:rPr lang="en-US" dirty="0"/>
+              <a:t> </a:t>
+            </a:r>
+            <a:r>
+              <a:rPr lang="en-US" dirty="0" err="1"/>
+              <a:t>sistem</a:t>
+            </a:r>
+            <a:r>
+              <a:rPr lang="en-US" dirty="0"/>
+              <a:t> manual </a:t>
+            </a:r>
+            <a:r>
+              <a:rPr lang="en-US" dirty="0" err="1"/>
+              <a:t>dimana</a:t>
+            </a:r>
+            <a:r>
+              <a:rPr lang="en-US" dirty="0"/>
+              <a:t> data-data </a:t>
+            </a:r>
+            <a:r>
+              <a:rPr lang="en-US" dirty="0" err="1"/>
+              <a:t>suatu</a:t>
+            </a:r>
+            <a:r>
+              <a:rPr lang="en-US" dirty="0"/>
+              <a:t> </a:t>
+            </a:r>
+            <a:r>
+              <a:rPr lang="en-US" dirty="0" err="1"/>
+              <a:t>pembuatan</a:t>
+            </a:r>
+            <a:r>
+              <a:rPr lang="en-US" dirty="0"/>
+              <a:t> </a:t>
+            </a:r>
+            <a:r>
+              <a:rPr lang="en-US" dirty="0" err="1"/>
+              <a:t>karya</a:t>
+            </a:r>
+            <a:r>
+              <a:rPr lang="en-US" dirty="0"/>
+              <a:t> </a:t>
+            </a:r>
+            <a:r>
+              <a:rPr lang="en-US" dirty="0" err="1"/>
+              <a:t>ilmiah</a:t>
+            </a:r>
+            <a:r>
+              <a:rPr lang="en-US" dirty="0"/>
+              <a:t> </a:t>
+            </a:r>
+            <a:r>
+              <a:rPr lang="en-US" dirty="0" err="1"/>
+              <a:t>tersebut</a:t>
+            </a:r>
+            <a:r>
+              <a:rPr lang="en-US" dirty="0"/>
+              <a:t> </a:t>
+            </a:r>
+            <a:r>
+              <a:rPr lang="en-US" dirty="0" err="1"/>
+              <a:t>masih</a:t>
+            </a:r>
+            <a:r>
+              <a:rPr lang="en-US" dirty="0"/>
+              <a:t> </a:t>
+            </a:r>
+            <a:r>
+              <a:rPr lang="en-US" dirty="0" err="1"/>
+              <a:t>mengandalkan</a:t>
+            </a:r>
+            <a:r>
+              <a:rPr lang="en-US" dirty="0"/>
+              <a:t> </a:t>
+            </a:r>
+            <a:r>
+              <a:rPr lang="en-US" dirty="0" err="1"/>
+              <a:t>lembar</a:t>
+            </a:r>
+            <a:r>
+              <a:rPr lang="en-US" dirty="0"/>
+              <a:t> </a:t>
+            </a:r>
+            <a:r>
+              <a:rPr lang="en-US" dirty="0" err="1"/>
+              <a:t>catatan</a:t>
+            </a:r>
+            <a:r>
+              <a:rPr lang="en-US" dirty="0"/>
+              <a:t> </a:t>
+            </a:r>
+            <a:r>
+              <a:rPr lang="en-US" dirty="0" err="1"/>
+              <a:t>karya</a:t>
+            </a:r>
+            <a:r>
+              <a:rPr lang="en-US" dirty="0"/>
+              <a:t> </a:t>
+            </a:r>
+            <a:r>
+              <a:rPr lang="en-US" dirty="0" err="1"/>
+              <a:t>ilmiah</a:t>
+            </a:r>
+            <a:r>
+              <a:rPr lang="en-US" dirty="0"/>
+              <a:t> </a:t>
+            </a:r>
+            <a:r>
+              <a:rPr lang="en-US" dirty="0" err="1"/>
+              <a:t>dan</a:t>
+            </a:r>
+            <a:r>
+              <a:rPr lang="en-US" dirty="0"/>
+              <a:t> </a:t>
+            </a:r>
+            <a:r>
+              <a:rPr lang="en-US" dirty="0" err="1"/>
+              <a:t>disimpan</a:t>
+            </a:r>
+            <a:r>
+              <a:rPr lang="en-US" dirty="0"/>
+              <a:t> di </a:t>
+            </a:r>
+            <a:r>
+              <a:rPr lang="en-US" dirty="0" err="1"/>
+              <a:t>suatu</a:t>
+            </a:r>
+            <a:r>
+              <a:rPr lang="en-US" dirty="0"/>
+              <a:t> </a:t>
+            </a:r>
+            <a:r>
+              <a:rPr lang="en-US" dirty="0" err="1"/>
+              <a:t>rak</a:t>
+            </a:r>
+            <a:r>
+              <a:rPr lang="en-US" dirty="0"/>
+              <a:t>/</a:t>
+            </a:r>
+            <a:r>
+              <a:rPr lang="en-US" dirty="0" err="1"/>
+              <a:t>lemari</a:t>
+            </a:r>
+            <a:r>
+              <a:rPr lang="en-US" dirty="0"/>
+              <a:t>. Hal </a:t>
+            </a:r>
+            <a:r>
+              <a:rPr lang="en-US" dirty="0" err="1"/>
+              <a:t>ini</a:t>
+            </a:r>
+            <a:r>
+              <a:rPr lang="en-US" dirty="0"/>
+              <a:t> </a:t>
+            </a:r>
+            <a:r>
+              <a:rPr lang="en-US" dirty="0" err="1"/>
+              <a:t>berakibat</a:t>
+            </a:r>
+            <a:r>
+              <a:rPr lang="en-US" dirty="0"/>
+              <a:t> </a:t>
+            </a:r>
+            <a:r>
+              <a:rPr lang="en-US" dirty="0" err="1"/>
+              <a:t>pada</a:t>
+            </a:r>
+            <a:r>
+              <a:rPr lang="en-US" dirty="0"/>
+              <a:t> </a:t>
+            </a:r>
+            <a:r>
+              <a:rPr lang="en-US" dirty="0" err="1"/>
+              <a:t>sulitnya</a:t>
+            </a:r>
+            <a:r>
+              <a:rPr lang="en-US" dirty="0"/>
+              <a:t> </a:t>
+            </a:r>
+            <a:r>
+              <a:rPr lang="en-US" dirty="0" err="1"/>
+              <a:t>pencarian</a:t>
+            </a:r>
+            <a:r>
+              <a:rPr lang="en-US" dirty="0"/>
+              <a:t> data </a:t>
+            </a:r>
+            <a:r>
+              <a:rPr lang="en-US" dirty="0" err="1"/>
+              <a:t>berdasarkan</a:t>
+            </a:r>
+            <a:r>
+              <a:rPr lang="en-US" dirty="0"/>
+              <a:t> </a:t>
+            </a:r>
+            <a:r>
+              <a:rPr lang="en-US" dirty="0" err="1"/>
+              <a:t>tema</a:t>
+            </a:r>
+            <a:r>
+              <a:rPr lang="en-US" dirty="0"/>
+              <a:t> </a:t>
+            </a:r>
+            <a:r>
+              <a:rPr lang="en-US" dirty="0" err="1"/>
+              <a:t>karya</a:t>
+            </a:r>
+            <a:r>
+              <a:rPr lang="en-US" dirty="0"/>
+              <a:t> </a:t>
+            </a:r>
+            <a:r>
+              <a:rPr lang="en-US" dirty="0" err="1"/>
+              <a:t>ilmiah</a:t>
+            </a:r>
+            <a:r>
+              <a:rPr lang="en-US" dirty="0"/>
+              <a:t> yang </a:t>
+            </a:r>
+            <a:r>
+              <a:rPr lang="en-US" dirty="0" err="1"/>
+              <a:t>dibuat</a:t>
+            </a:r>
+            <a:r>
+              <a:rPr lang="en-US" dirty="0"/>
+              <a:t> </a:t>
+            </a:r>
+            <a:r>
+              <a:rPr lang="en-US" dirty="0" err="1"/>
+              <a:t>oleh</a:t>
+            </a:r>
+            <a:r>
+              <a:rPr lang="en-US" dirty="0"/>
+              <a:t> </a:t>
+            </a:r>
+            <a:r>
+              <a:rPr lang="en-US" dirty="0" err="1"/>
+              <a:t>mahasiswa</a:t>
+            </a:r>
+            <a:r>
+              <a:rPr lang="en-US" dirty="0"/>
+              <a:t> </a:t>
+            </a:r>
+            <a:r>
+              <a:rPr lang="en-US" dirty="0" err="1"/>
+              <a:t>sebelumnya</a:t>
+            </a:r>
+            <a:r>
+              <a:rPr lang="en-US" dirty="0"/>
+              <a:t>. </a:t>
+            </a:r>
+            <a:r>
+              <a:rPr lang="en-US" dirty="0" err="1"/>
+              <a:t>Sebagai</a:t>
+            </a:r>
+            <a:r>
+              <a:rPr lang="en-US" dirty="0"/>
+              <a:t> </a:t>
+            </a:r>
+            <a:r>
+              <a:rPr lang="en-US" dirty="0" err="1"/>
+              <a:t>alternatif</a:t>
+            </a:r>
+            <a:r>
+              <a:rPr lang="en-US" dirty="0"/>
+              <a:t> </a:t>
+            </a:r>
+            <a:r>
+              <a:rPr lang="en-US" dirty="0" err="1"/>
+              <a:t>dibuatlah</a:t>
+            </a:r>
+            <a:r>
+              <a:rPr lang="en-US" dirty="0"/>
+              <a:t> </a:t>
+            </a:r>
+            <a:r>
+              <a:rPr lang="en-US" dirty="0" err="1"/>
+              <a:t>suatu</a:t>
+            </a:r>
+            <a:r>
+              <a:rPr lang="en-US" dirty="0"/>
+              <a:t> </a:t>
+            </a:r>
+            <a:r>
+              <a:rPr lang="en-US" dirty="0" err="1"/>
+              <a:t>sistem</a:t>
+            </a:r>
+            <a:r>
+              <a:rPr lang="en-US" dirty="0"/>
+              <a:t> </a:t>
+            </a:r>
+            <a:r>
+              <a:rPr lang="en-US" dirty="0" err="1"/>
+              <a:t>pengolahan</a:t>
+            </a:r>
+            <a:r>
+              <a:rPr lang="en-US" dirty="0"/>
+              <a:t> data </a:t>
+            </a:r>
+            <a:r>
+              <a:rPr lang="en-US" dirty="0" err="1"/>
+              <a:t>karya</a:t>
+            </a:r>
+            <a:r>
+              <a:rPr lang="en-US" dirty="0"/>
+              <a:t> </a:t>
+            </a:r>
+            <a:r>
+              <a:rPr lang="en-US" dirty="0" err="1"/>
+              <a:t>ilmiah</a:t>
+            </a:r>
+            <a:r>
+              <a:rPr lang="en-US" dirty="0"/>
+              <a:t> </a:t>
+            </a:r>
+            <a:r>
+              <a:rPr lang="en-US" dirty="0" err="1"/>
+              <a:t>mahasiswa</a:t>
+            </a:r>
+            <a:r>
+              <a:rPr lang="en-US" dirty="0"/>
+              <a:t> yang </a:t>
+            </a:r>
+            <a:r>
+              <a:rPr lang="en-US" dirty="0" err="1"/>
+              <a:t>terkomputerisasi</a:t>
+            </a:r>
+            <a:r>
+              <a:rPr lang="en-US" dirty="0"/>
+              <a:t> </a:t>
+            </a:r>
+            <a:r>
+              <a:rPr lang="en-US" dirty="0" err="1"/>
+              <a:t>dan</a:t>
+            </a:r>
+            <a:r>
+              <a:rPr lang="en-US" dirty="0"/>
+              <a:t> </a:t>
+            </a:r>
+            <a:r>
+              <a:rPr lang="en-US" dirty="0" err="1"/>
+              <a:t>datanya</a:t>
+            </a:r>
+            <a:r>
+              <a:rPr lang="en-US" dirty="0"/>
+              <a:t> </a:t>
+            </a:r>
+            <a:r>
+              <a:rPr lang="en-US" dirty="0" err="1"/>
+              <a:t>disimpan</a:t>
+            </a:r>
+            <a:r>
+              <a:rPr lang="en-US" dirty="0"/>
+              <a:t> </a:t>
+            </a:r>
+            <a:r>
+              <a:rPr lang="en-US" dirty="0" err="1"/>
+              <a:t>menggunakan</a:t>
+            </a:r>
+            <a:r>
+              <a:rPr lang="en-US" dirty="0"/>
+              <a:t> database. </a:t>
+            </a:r>
+            <a:r>
+              <a:rPr lang="en-US" dirty="0" err="1"/>
+              <a:t>Pihak</a:t>
+            </a:r>
+            <a:r>
+              <a:rPr lang="en-US" dirty="0"/>
+              <a:t> yang </a:t>
+            </a:r>
+            <a:r>
+              <a:rPr lang="en-US" dirty="0" err="1"/>
+              <a:t>memiliki</a:t>
+            </a:r>
+            <a:r>
+              <a:rPr lang="en-US" dirty="0"/>
+              <a:t> </a:t>
+            </a:r>
+            <a:r>
+              <a:rPr lang="en-US" dirty="0" err="1"/>
+              <a:t>akses</a:t>
+            </a:r>
+            <a:r>
+              <a:rPr lang="en-US" dirty="0"/>
+              <a:t> </a:t>
+            </a:r>
+            <a:r>
+              <a:rPr lang="en-US" dirty="0" err="1"/>
+              <a:t>untuk</a:t>
+            </a:r>
+            <a:r>
+              <a:rPr lang="en-US" dirty="0"/>
+              <a:t> </a:t>
+            </a:r>
+            <a:r>
+              <a:rPr lang="en-US" dirty="0" err="1"/>
+              <a:t>menginputkan</a:t>
+            </a:r>
+            <a:r>
+              <a:rPr lang="en-US" dirty="0"/>
+              <a:t> data </a:t>
+            </a:r>
+            <a:r>
+              <a:rPr lang="en-US" dirty="0" err="1"/>
+              <a:t>karya</a:t>
+            </a:r>
+            <a:r>
+              <a:rPr lang="en-US" dirty="0"/>
+              <a:t> </a:t>
+            </a:r>
+            <a:r>
+              <a:rPr lang="en-US" dirty="0" err="1"/>
+              <a:t>ilmiah</a:t>
+            </a:r>
+            <a:r>
+              <a:rPr lang="en-US" dirty="0"/>
+              <a:t> </a:t>
+            </a:r>
+            <a:r>
+              <a:rPr lang="en-US" dirty="0" err="1"/>
+              <a:t>mahasiswa</a:t>
+            </a:r>
+            <a:r>
+              <a:rPr lang="en-US" dirty="0"/>
+              <a:t> </a:t>
+            </a:r>
+            <a:r>
+              <a:rPr lang="en-US" dirty="0" err="1"/>
+              <a:t>adalah</a:t>
+            </a:r>
+            <a:r>
+              <a:rPr lang="en-US" dirty="0"/>
+              <a:t> program </a:t>
+            </a:r>
+            <a:r>
+              <a:rPr lang="en-US" dirty="0" err="1"/>
+              <a:t>studi</a:t>
+            </a:r>
+            <a:r>
+              <a:rPr lang="en-US" dirty="0"/>
+              <a:t>. </a:t>
+            </a:r>
+          </a:p>
+        </p:txBody>
+      </p:sp>
+    </p:spTree>
+    <p:extLst>
+      <p:ext uri="{BB962C8B-B14F-4D97-AF65-F5344CB8AC3E}">
+        <p14:creationId xmlns:p14="http://schemas.microsoft.com/office/powerpoint/2010/main" val="3166207509"/>
+      </p:ext>
+    </p:extLst>
+  </p:cSld>
+  <p:clrMapOvr>
+    <a:masterClrMapping/>
+  </p:clrMapOvr>
+  <mc:AlternateContent xmlns:mc="http://schemas.openxmlformats.org/markup-compatibility/2006" xmlns:p14="http://schemas.microsoft.com/office/powerpoint/2010/main">
+    <mc:Choice Requires="p14">
+      <p:transition spd="med" p14:dur="700">
+        <p:fade/>
+      </p:transition>
+    </mc:Choice>
+    <mc:Fallback xmlns="">
+      <p:transition spd="med">
+        <p:fade/>
+      </p:transition>
+    </mc:Fallback>
+  </mc:AlternateContent>
+  <p:timing>
+    <p:tnLst>
+      <p:par>
+        <p:cTn id="1" dur="indefinite" restart="never" nodeType="tmRoot"/>
+      </p:par>
+    </p:tnLst>
+  </p:timing>
+</p:sld>
+</file>
+
+<file path=ppt/slides/slide20.xml><?xml version="1.0" encoding="utf-8"?>
+<p:sld xmlns:a="http://schemas.openxmlformats.org/drawingml/2006/main" xmlns:r="http://schemas.openxmlformats.org/officeDocument/2006/relationships" xmlns:p="http://schemas.openxmlformats.org/presentationml/2006/main">
+  <p:cSld>
+    <p:spTree>
+      <p:nvGrpSpPr>
+        <p:cNvPr id="1" name=""/>
+        <p:cNvGrpSpPr/>
+        <p:nvPr/>
+      </p:nvGrpSpPr>
+      <p:grpSpPr>
+        <a:xfrm>
+          <a:off x="0" y="0"/>
+          <a:ext cx="0" cy="0"/>
+          <a:chOff x="0" y="0"/>
+          <a:chExt cx="0" cy="0"/>
+        </a:xfrm>
+      </p:grpSpPr>
+      <p:sp>
+        <p:nvSpPr>
+          <p:cNvPr id="2" name="Title 1"/>
+          <p:cNvSpPr>
+            <a:spLocks noGrp="1"/>
+          </p:cNvSpPr>
+          <p:nvPr>
+            <p:ph type="title"/>
+          </p:nvPr>
+        </p:nvSpPr>
+        <p:spPr/>
+        <p:txBody>
+          <a:bodyPr/>
+          <a:lstStyle/>
+          <a:p>
+            <a:pPr algn="ctr"/>
+            <a:r>
+              <a:rPr lang="en-US" dirty="0" smtClean="0"/>
+              <a:t>Class diagram</a:t>
+            </a:r>
+            <a:endParaRPr lang="en-US" dirty="0"/>
+          </a:p>
+        </p:txBody>
+      </p:sp>
+      <p:pic>
+        <p:nvPicPr>
+          <p:cNvPr id="1026" name="Picture 2" descr="D:\File Hendro\File Kuliah\Semester 3\RPL 2\Github\kelompok3\DIAGRAM IMAGE\UML CLASS DIAGRAM.png"/>
+          <p:cNvPicPr>
+            <a:picLocks noGrp="1" noChangeAspect="1" noChangeArrowheads="1"/>
+          </p:cNvPicPr>
+          <p:nvPr>
+            <p:ph idx="1"/>
+          </p:nvPr>
+        </p:nvPicPr>
+        <p:blipFill>
+          <a:blip r:embed="rId2">
+            <a:extLst>
+              <a:ext uri="{28A0092B-C50C-407E-A947-70E740481C1C}">
+                <a14:useLocalDpi xmlns:a14="http://schemas.microsoft.com/office/drawing/2010/main" val="0"/>
+              </a:ext>
+            </a:extLst>
+          </a:blip>
+          <a:srcRect/>
+          <a:stretch>
+            <a:fillRect/>
+          </a:stretch>
+        </p:blipFill>
+        <p:spPr bwMode="auto">
+          <a:xfrm>
+            <a:off x="2362201" y="1340727"/>
+            <a:ext cx="4536892" cy="3440824"/>
+          </a:xfrm>
+          <a:prstGeom prst="rect">
+            <a:avLst/>
+          </a:prstGeom>
+          <a:noFill/>
+          <a:extLst>
+            <a:ext uri="{909E8E84-426E-40DD-AFC4-6F175D3DCCD1}">
+              <a14:hiddenFill xmlns:a14="http://schemas.microsoft.com/office/drawing/2010/main">
+                <a:solidFill>
+                  <a:srgbClr val="FFFFFF"/>
+                </a:solidFill>
+              </a14:hiddenFill>
+            </a:ext>
+          </a:extLst>
+        </p:spPr>
+      </p:pic>
+    </p:spTree>
+    <p:extLst>
+      <p:ext uri="{BB962C8B-B14F-4D97-AF65-F5344CB8AC3E}">
+        <p14:creationId xmlns:p14="http://schemas.microsoft.com/office/powerpoint/2010/main" val="2497414306"/>
+      </p:ext>
+    </p:extLst>
+  </p:cSld>
+  <p:clrMapOvr>
+    <a:masterClrMapping/>
+  </p:clrMapOvr>
+</p:sld>
+</file>
+
 <file path=ppt/slides/slide21.xml><?xml version="1.0" encoding="utf-8"?>
 <p:sld xmlns:a="http://schemas.openxmlformats.org/drawingml/2006/main" xmlns:r="http://schemas.openxmlformats.org/officeDocument/2006/relationships" xmlns:p="http://schemas.openxmlformats.org/presentationml/2006/main">
   <p:cSld>
@@ -15782,710 +15639,1049 @@
         </p:nvSpPr>
         <p:spPr>
           <a:xfrm>
-            <a:off x="856060" y="0"/>
+            <a:off x="856059" y="0"/>
             <a:ext cx="7429499" cy="1108928"/>
           </a:xfrm>
         </p:spPr>
         <p:txBody>
-          <a:bodyPr/>
+          <a:bodyPr>
+            <a:normAutofit/>
+          </a:bodyPr>
           <a:lstStyle/>
           <a:p>
             <a:pPr algn="ctr"/>
             <a:r>
-              <a:rPr lang="en-US" b="1" dirty="0" err="1"/>
+              <a:rPr lang="en-US" dirty="0" err="1" smtClean="0"/>
               <a:t>Manajemen</a:t>
             </a:r>
             <a:r>
-              <a:rPr lang="en-US" b="1" dirty="0"/>
-              <a:t> </a:t>
-            </a:r>
-            <a:r>
-              <a:rPr lang="en-US" b="1" dirty="0" err="1"/>
-              <a:t>Resiko</a:t>
+              <a:rPr lang="en-US" dirty="0" smtClean="0"/>
+              <a:t> </a:t>
+            </a:r>
+            <a:r>
+              <a:rPr lang="en-US" dirty="0" err="1" smtClean="0"/>
+              <a:t>resiko</a:t>
             </a:r>
             <a:endParaRPr lang="id-ID" dirty="0"/>
           </a:p>
         </p:txBody>
       </p:sp>
-      <p:sp>
-        <p:nvSpPr>
-          <p:cNvPr id="3" name="Content Placeholder 2"/>
-          <p:cNvSpPr>
-            <a:spLocks noGrp="1"/>
-          </p:cNvSpPr>
+      <p:graphicFrame>
+        <p:nvGraphicFramePr>
+          <p:cNvPr id="6" name="Content Placeholder 5"/>
+          <p:cNvGraphicFramePr>
+            <a:graphicFrameLocks noGrp="1"/>
+          </p:cNvGraphicFramePr>
           <p:nvPr>
             <p:ph idx="1"/>
+            <p:extLst>
+              <p:ext uri="{D42A27DB-BD31-4B8C-83A1-F6EECF244321}">
+                <p14:modId xmlns:p14="http://schemas.microsoft.com/office/powerpoint/2010/main" val="3417267571"/>
+              </p:ext>
+            </p:extLst>
           </p:nvPr>
-        </p:nvSpPr>
-        <p:spPr>
-          <a:xfrm>
-            <a:off x="856060" y="666750"/>
-            <a:ext cx="7906940" cy="4419600"/>
-          </a:xfrm>
-        </p:spPr>
-        <p:txBody>
-          <a:bodyPr>
-            <a:normAutofit fontScale="92500" lnSpcReduction="10000"/>
-          </a:bodyPr>
-          <a:lstStyle/>
-          <a:p>
-            <a:r>
-              <a:rPr lang="en-US" dirty="0" err="1"/>
-              <a:t>Pengukuran</a:t>
-            </a:r>
-            <a:r>
-              <a:rPr lang="en-US" dirty="0"/>
-              <a:t> </a:t>
-            </a:r>
-            <a:r>
-              <a:rPr lang="en-US" dirty="0" err="1"/>
-              <a:t>atau</a:t>
-            </a:r>
-            <a:r>
-              <a:rPr lang="en-US" dirty="0"/>
-              <a:t> </a:t>
-            </a:r>
-            <a:r>
-              <a:rPr lang="en-US" dirty="0" err="1"/>
-              <a:t>penilaian</a:t>
-            </a:r>
-            <a:r>
-              <a:rPr lang="en-US" dirty="0"/>
-              <a:t> </a:t>
-            </a:r>
-            <a:r>
-              <a:rPr lang="en-US" dirty="0" err="1"/>
-              <a:t>resiko</a:t>
-            </a:r>
-            <a:r>
-              <a:rPr lang="en-US" dirty="0"/>
-              <a:t> </a:t>
-            </a:r>
-            <a:r>
-              <a:rPr lang="en-US" dirty="0" err="1"/>
-              <a:t>serta</a:t>
-            </a:r>
-            <a:r>
-              <a:rPr lang="en-US" dirty="0"/>
-              <a:t> </a:t>
-            </a:r>
-            <a:r>
-              <a:rPr lang="en-US" dirty="0" err="1"/>
-              <a:t>pengembangan</a:t>
-            </a:r>
-            <a:r>
-              <a:rPr lang="en-US" dirty="0"/>
-              <a:t> </a:t>
-            </a:r>
-            <a:r>
-              <a:rPr lang="en-US" dirty="0" err="1" smtClean="0"/>
-              <a:t>strategi</a:t>
-            </a:r>
-            <a:r>
-              <a:rPr lang="en-US" dirty="0"/>
-              <a:t> </a:t>
-            </a:r>
-            <a:r>
-              <a:rPr lang="en-US" dirty="0" err="1"/>
-              <a:t>pengelolaannya</a:t>
-            </a:r>
-            <a:r>
-              <a:rPr lang="en-US" dirty="0"/>
-              <a:t>. Cara </a:t>
-            </a:r>
-            <a:r>
-              <a:rPr lang="en-US" dirty="0" err="1"/>
-              <a:t>penanganan</a:t>
-            </a:r>
-            <a:r>
-              <a:rPr lang="en-US" dirty="0"/>
-              <a:t> </a:t>
-            </a:r>
-            <a:r>
-              <a:rPr lang="en-US" dirty="0" err="1"/>
-              <a:t>pada</a:t>
-            </a:r>
-            <a:r>
-              <a:rPr lang="en-US" dirty="0"/>
-              <a:t> </a:t>
-            </a:r>
-            <a:r>
-              <a:rPr lang="en-US" dirty="0" err="1"/>
-              <a:t>aplikasi</a:t>
-            </a:r>
-            <a:r>
-              <a:rPr lang="en-US" dirty="0"/>
-              <a:t> </a:t>
-            </a:r>
-            <a:r>
-              <a:rPr lang="en-US" dirty="0" err="1"/>
-              <a:t>ini</a:t>
-            </a:r>
-            <a:r>
-              <a:rPr lang="en-US" dirty="0"/>
-              <a:t> </a:t>
-            </a:r>
-            <a:r>
-              <a:rPr lang="en-US" dirty="0" err="1"/>
-              <a:t>yaitu</a:t>
-            </a:r>
-            <a:r>
-              <a:rPr lang="en-US" dirty="0"/>
-              <a:t>, </a:t>
-            </a:r>
-            <a:r>
-              <a:rPr lang="en-US" dirty="0" err="1"/>
-              <a:t>menggunakan</a:t>
-            </a:r>
-            <a:r>
-              <a:rPr lang="en-US" dirty="0"/>
-              <a:t> </a:t>
-            </a:r>
-            <a:r>
-              <a:rPr lang="en-US" dirty="0" err="1"/>
-              <a:t>metodologi</a:t>
-            </a:r>
-            <a:r>
-              <a:rPr lang="en-US" dirty="0"/>
-              <a:t> Spiral Boehm. </a:t>
-            </a:r>
-            <a:endParaRPr lang="id-ID" dirty="0" smtClean="0"/>
-          </a:p>
-          <a:p>
-            <a:r>
-              <a:rPr lang="en-US" dirty="0" smtClean="0"/>
-              <a:t>Model </a:t>
-            </a:r>
-            <a:r>
-              <a:rPr lang="en-US" dirty="0" err="1"/>
-              <a:t>ini</a:t>
-            </a:r>
-            <a:r>
-              <a:rPr lang="en-US" dirty="0"/>
-              <a:t> </a:t>
-            </a:r>
-            <a:r>
-              <a:rPr lang="en-US" dirty="0" err="1"/>
-              <a:t>memiliki</a:t>
-            </a:r>
-            <a:r>
-              <a:rPr lang="en-US" dirty="0"/>
-              <a:t> </a:t>
-            </a:r>
-            <a:r>
-              <a:rPr lang="en-US" dirty="0" err="1"/>
-              <a:t>empat</a:t>
-            </a:r>
-            <a:r>
-              <a:rPr lang="en-US" dirty="0"/>
-              <a:t> </a:t>
-            </a:r>
-            <a:r>
-              <a:rPr lang="en-US" dirty="0" err="1"/>
-              <a:t>aktivitas</a:t>
-            </a:r>
-            <a:r>
-              <a:rPr lang="en-US" dirty="0"/>
-              <a:t> </a:t>
-            </a:r>
-            <a:r>
-              <a:rPr lang="en-US" dirty="0" err="1"/>
-              <a:t>yaitu</a:t>
-            </a:r>
-            <a:r>
-              <a:rPr lang="en-US" dirty="0"/>
-              <a:t> </a:t>
-            </a:r>
-            <a:r>
-              <a:rPr lang="en-US" dirty="0" smtClean="0"/>
-              <a:t>:</a:t>
-            </a:r>
-            <a:r>
-              <a:rPr lang="id-ID" dirty="0" smtClean="0"/>
-              <a:t/>
-            </a:r>
-            <a:br>
-              <a:rPr lang="id-ID" dirty="0" smtClean="0"/>
-            </a:br>
-            <a:r>
-              <a:rPr lang="id-ID" dirty="0" smtClean="0"/>
-              <a:t>1.</a:t>
-            </a:r>
-            <a:r>
-              <a:rPr lang="en-US" b="1" dirty="0"/>
-              <a:t> Determine objectives</a:t>
-            </a:r>
-            <a:r>
-              <a:rPr lang="en-US" dirty="0"/>
-              <a:t> : </a:t>
-            </a:r>
-            <a:r>
-              <a:rPr lang="en-US" dirty="0" err="1"/>
-              <a:t>penentuan</a:t>
-            </a:r>
-            <a:r>
-              <a:rPr lang="en-US" dirty="0"/>
-              <a:t> </a:t>
-            </a:r>
-            <a:r>
-              <a:rPr lang="en-US" dirty="0" err="1"/>
-              <a:t>tujuan</a:t>
-            </a:r>
-            <a:r>
-              <a:rPr lang="en-US" dirty="0"/>
-              <a:t>, alternative </a:t>
-            </a:r>
-            <a:r>
-              <a:rPr lang="en-US" dirty="0" err="1"/>
-              <a:t>dan</a:t>
-            </a:r>
-            <a:r>
-              <a:rPr lang="en-US" dirty="0"/>
-              <a:t> </a:t>
-            </a:r>
-            <a:r>
-              <a:rPr lang="en-US" dirty="0" err="1"/>
-              <a:t>batasan</a:t>
-            </a:r>
-            <a:r>
-              <a:rPr lang="en-US" dirty="0"/>
-              <a:t> </a:t>
-            </a:r>
-            <a:r>
-              <a:rPr lang="en-US" dirty="0" err="1"/>
-              <a:t>dalam</a:t>
-            </a:r>
-            <a:r>
-              <a:rPr lang="en-US" dirty="0"/>
-              <a:t> proses</a:t>
-            </a:r>
-            <a:r>
-              <a:rPr lang="en-US" dirty="0" smtClean="0"/>
-              <a:t>.</a:t>
-            </a:r>
-            <a:r>
-              <a:rPr lang="id-ID" dirty="0"/>
-              <a:t/>
-            </a:r>
-            <a:br>
-              <a:rPr lang="id-ID" dirty="0"/>
-            </a:br>
-            <a:r>
-              <a:rPr lang="id-ID" dirty="0" smtClean="0"/>
-              <a:t>2.</a:t>
-            </a:r>
-            <a:r>
-              <a:rPr lang="en-US" b="1" dirty="0"/>
-              <a:t> Risk Analysis</a:t>
-            </a:r>
-            <a:r>
-              <a:rPr lang="en-US" dirty="0"/>
-              <a:t> : </a:t>
-            </a:r>
-            <a:r>
-              <a:rPr lang="en-US" dirty="0" err="1"/>
-              <a:t>analisa</a:t>
-            </a:r>
-            <a:r>
-              <a:rPr lang="en-US" dirty="0"/>
-              <a:t> </a:t>
-            </a:r>
-            <a:r>
-              <a:rPr lang="en-US" dirty="0" err="1"/>
-              <a:t>alternatif</a:t>
-            </a:r>
-            <a:r>
-              <a:rPr lang="en-US" dirty="0"/>
-              <a:t> </a:t>
-            </a:r>
-            <a:r>
-              <a:rPr lang="en-US" dirty="0" err="1"/>
-              <a:t>terhadap</a:t>
-            </a:r>
-            <a:r>
-              <a:rPr lang="en-US" dirty="0"/>
-              <a:t> </a:t>
-            </a:r>
-            <a:r>
-              <a:rPr lang="en-US" dirty="0" err="1"/>
-              <a:t>resiko</a:t>
-            </a:r>
-            <a:r>
-              <a:rPr lang="en-US" dirty="0"/>
-              <a:t> yang </a:t>
-            </a:r>
-            <a:r>
-              <a:rPr lang="en-US" dirty="0" err="1"/>
-              <a:t>mungkin</a:t>
-            </a:r>
-            <a:r>
-              <a:rPr lang="en-US" dirty="0"/>
-              <a:t> </a:t>
-            </a:r>
-            <a:r>
-              <a:rPr lang="en-US" dirty="0" err="1" smtClean="0"/>
-              <a:t>terjadi</a:t>
-            </a:r>
-            <a:r>
-              <a:rPr lang="en-US" dirty="0"/>
-              <a:t> </a:t>
-            </a:r>
-            <a:endParaRPr lang="id-ID" dirty="0" smtClean="0"/>
-          </a:p>
-          <a:p>
-            <a:r>
-              <a:rPr lang="en-US" dirty="0" smtClean="0"/>
-              <a:t>Project </a:t>
-            </a:r>
-            <a:r>
-              <a:rPr lang="en-US" dirty="0"/>
-              <a:t>Risk : Hal-</a:t>
-            </a:r>
-            <a:r>
-              <a:rPr lang="en-US" dirty="0" err="1"/>
-              <a:t>hal</a:t>
-            </a:r>
-            <a:r>
-              <a:rPr lang="en-US" dirty="0"/>
-              <a:t> yang </a:t>
-            </a:r>
-            <a:r>
-              <a:rPr lang="en-US" dirty="0" err="1"/>
-              <a:t>mempengaruhi</a:t>
-            </a:r>
-            <a:r>
-              <a:rPr lang="en-US" dirty="0"/>
-              <a:t> </a:t>
-            </a:r>
-            <a:r>
-              <a:rPr lang="en-US" dirty="0" err="1"/>
-              <a:t>tahap</a:t>
-            </a:r>
-            <a:r>
-              <a:rPr lang="en-US" dirty="0"/>
-              <a:t> </a:t>
-            </a:r>
-            <a:r>
-              <a:rPr lang="en-US" dirty="0" err="1"/>
-              <a:t>proyek</a:t>
-            </a:r>
-            <a:r>
-              <a:rPr lang="en-US" dirty="0"/>
-              <a:t>, </a:t>
-            </a:r>
-            <a:r>
-              <a:rPr lang="en-US" dirty="0" err="1"/>
-              <a:t>contohnya</a:t>
-            </a:r>
-            <a:r>
-              <a:rPr lang="en-US" dirty="0"/>
-              <a:t> </a:t>
-            </a:r>
-            <a:r>
-              <a:rPr lang="en-US" dirty="0" err="1"/>
-              <a:t>kekurangan</a:t>
-            </a:r>
-            <a:r>
-              <a:rPr lang="en-US" dirty="0"/>
-              <a:t> </a:t>
-            </a:r>
-            <a:r>
-              <a:rPr lang="en-US" dirty="0" err="1"/>
-              <a:t>sumber</a:t>
-            </a:r>
-            <a:r>
-              <a:rPr lang="en-US" dirty="0"/>
-              <a:t> </a:t>
-            </a:r>
-            <a:r>
-              <a:rPr lang="en-US" dirty="0" err="1"/>
-              <a:t>daya</a:t>
-            </a:r>
-            <a:r>
-              <a:rPr lang="en-US" dirty="0"/>
-              <a:t>.</a:t>
-            </a:r>
-            <a:endParaRPr lang="id-ID" dirty="0"/>
-          </a:p>
-          <a:p>
-            <a:pPr lvl="0"/>
-            <a:r>
-              <a:rPr lang="en-US" dirty="0"/>
-              <a:t>Technical Risk : Hal-</a:t>
-            </a:r>
-            <a:r>
-              <a:rPr lang="en-US" dirty="0" err="1"/>
-              <a:t>hal</a:t>
-            </a:r>
-            <a:r>
-              <a:rPr lang="en-US" dirty="0"/>
-              <a:t> yang </a:t>
-            </a:r>
-            <a:r>
-              <a:rPr lang="en-US" dirty="0" err="1"/>
-              <a:t>mempengaruhi</a:t>
-            </a:r>
-            <a:r>
-              <a:rPr lang="en-US" dirty="0"/>
-              <a:t> </a:t>
-            </a:r>
-            <a:r>
-              <a:rPr lang="en-US" dirty="0" err="1"/>
-              <a:t>tahap</a:t>
-            </a:r>
-            <a:r>
-              <a:rPr lang="en-US" dirty="0"/>
-              <a:t> actual, </a:t>
-            </a:r>
-            <a:r>
-              <a:rPr lang="en-US" dirty="0" err="1"/>
-              <a:t>contohnya</a:t>
-            </a:r>
-            <a:r>
-              <a:rPr lang="en-US" dirty="0"/>
-              <a:t> </a:t>
-            </a:r>
-            <a:r>
-              <a:rPr lang="en-US" dirty="0" err="1"/>
-              <a:t>personil</a:t>
-            </a:r>
-            <a:r>
-              <a:rPr lang="en-US" dirty="0"/>
-              <a:t> </a:t>
-            </a:r>
-            <a:r>
-              <a:rPr lang="en-US" dirty="0" err="1"/>
-              <a:t>tidak</a:t>
-            </a:r>
-            <a:r>
-              <a:rPr lang="en-US" dirty="0"/>
-              <a:t> </a:t>
-            </a:r>
-            <a:r>
-              <a:rPr lang="en-US" dirty="0" err="1"/>
-              <a:t>terlatih</a:t>
-            </a:r>
-            <a:r>
-              <a:rPr lang="en-US" dirty="0"/>
-              <a:t> </a:t>
-            </a:r>
-            <a:r>
-              <a:rPr lang="en-US" dirty="0" err="1"/>
-              <a:t>ditahap</a:t>
-            </a:r>
-            <a:r>
-              <a:rPr lang="en-US" dirty="0"/>
-              <a:t> </a:t>
-            </a:r>
-            <a:r>
-              <a:rPr lang="en-US" dirty="0" err="1"/>
-              <a:t>tersebut</a:t>
-            </a:r>
-            <a:r>
-              <a:rPr lang="en-US" dirty="0"/>
-              <a:t>.</a:t>
-            </a:r>
-            <a:endParaRPr lang="id-ID" dirty="0"/>
-          </a:p>
-          <a:p>
-            <a:r>
-              <a:rPr lang="en-US" dirty="0" err="1"/>
-              <a:t>Bussiness</a:t>
-            </a:r>
-            <a:r>
-              <a:rPr lang="en-US" dirty="0"/>
-              <a:t> Risk : Hal-</a:t>
-            </a:r>
-            <a:r>
-              <a:rPr lang="en-US" dirty="0" err="1"/>
-              <a:t>hal</a:t>
-            </a:r>
-            <a:r>
-              <a:rPr lang="en-US" dirty="0"/>
-              <a:t> yang </a:t>
-            </a:r>
-            <a:r>
-              <a:rPr lang="en-US" dirty="0" err="1"/>
-              <a:t>mempengaruhi</a:t>
-            </a:r>
-            <a:r>
-              <a:rPr lang="en-US" dirty="0"/>
-              <a:t> </a:t>
-            </a:r>
-            <a:r>
-              <a:rPr lang="en-US" dirty="0" err="1"/>
-              <a:t>keinginan</a:t>
-            </a:r>
-            <a:r>
-              <a:rPr lang="en-US" dirty="0"/>
-              <a:t> </a:t>
-            </a:r>
-            <a:r>
-              <a:rPr lang="en-US" dirty="0" err="1"/>
-              <a:t>perusahaan</a:t>
-            </a:r>
-            <a:r>
-              <a:rPr lang="en-US" dirty="0"/>
-              <a:t> </a:t>
-            </a:r>
-            <a:r>
-              <a:rPr lang="en-US" dirty="0" err="1"/>
-              <a:t>untuk</a:t>
-            </a:r>
-            <a:r>
-              <a:rPr lang="en-US" dirty="0"/>
-              <a:t> </a:t>
-            </a:r>
-            <a:r>
-              <a:rPr lang="en-US" dirty="0" err="1"/>
-              <a:t>membuat</a:t>
-            </a:r>
-            <a:r>
-              <a:rPr lang="en-US" dirty="0"/>
-              <a:t> software, </a:t>
-            </a:r>
-            <a:r>
-              <a:rPr lang="en-US" dirty="0" err="1"/>
-              <a:t>contohnya</a:t>
-            </a:r>
-            <a:r>
-              <a:rPr lang="en-US" dirty="0"/>
-              <a:t> software </a:t>
-            </a:r>
-            <a:r>
-              <a:rPr lang="en-US" dirty="0" err="1"/>
-              <a:t>ternyata</a:t>
-            </a:r>
-            <a:r>
-              <a:rPr lang="en-US" dirty="0"/>
-              <a:t> </a:t>
-            </a:r>
-            <a:r>
-              <a:rPr lang="en-US" dirty="0" err="1"/>
-              <a:t>tidak</a:t>
-            </a:r>
-            <a:r>
-              <a:rPr lang="en-US" dirty="0"/>
-              <a:t> </a:t>
-            </a:r>
-            <a:r>
-              <a:rPr lang="en-US" dirty="0" err="1"/>
-              <a:t>dibutuhkan</a:t>
-            </a:r>
-            <a:r>
-              <a:rPr lang="en-US" dirty="0"/>
-              <a:t> </a:t>
-            </a:r>
-            <a:r>
-              <a:rPr lang="en-US" dirty="0" err="1"/>
-              <a:t>lagi</a:t>
-            </a:r>
-            <a:r>
-              <a:rPr lang="en-US" dirty="0" smtClean="0"/>
-              <a:t>.</a:t>
-            </a:r>
-            <a:r>
-              <a:rPr lang="id-ID" dirty="0"/>
-              <a:t/>
-            </a:r>
-            <a:br>
-              <a:rPr lang="id-ID" dirty="0"/>
-            </a:br>
-            <a:r>
-              <a:rPr lang="id-ID" dirty="0" smtClean="0"/>
-              <a:t>3.</a:t>
-            </a:r>
-            <a:r>
-              <a:rPr lang="en-US" b="1" dirty="0"/>
-              <a:t> Engineering/develop</a:t>
-            </a:r>
-            <a:r>
-              <a:rPr lang="en-US" dirty="0"/>
-              <a:t> : </a:t>
-            </a:r>
-            <a:r>
-              <a:rPr lang="en-US" dirty="0" err="1"/>
-              <a:t>pengembangan</a:t>
-            </a:r>
-            <a:r>
-              <a:rPr lang="en-US" dirty="0"/>
-              <a:t> </a:t>
-            </a:r>
-            <a:r>
-              <a:rPr lang="en-US" dirty="0" err="1" smtClean="0"/>
-              <a:t>produk</a:t>
-            </a:r>
-            <a:r>
-              <a:rPr lang="id-ID" dirty="0"/>
-              <a:t/>
-            </a:r>
-            <a:br>
-              <a:rPr lang="id-ID" dirty="0"/>
-            </a:br>
-            <a:r>
-              <a:rPr lang="id-ID" dirty="0" smtClean="0"/>
-              <a:t>4.</a:t>
-            </a:r>
-            <a:r>
-              <a:rPr lang="en-US" b="1" dirty="0"/>
-              <a:t> Plant next phase</a:t>
-            </a:r>
-            <a:r>
-              <a:rPr lang="en-US" dirty="0"/>
-              <a:t> : </a:t>
-            </a:r>
-            <a:r>
-              <a:rPr lang="en-US" dirty="0" err="1"/>
-              <a:t>penentuan</a:t>
-            </a:r>
-            <a:r>
-              <a:rPr lang="en-US" dirty="0"/>
-              <a:t> </a:t>
-            </a:r>
-            <a:r>
-              <a:rPr lang="en-US" dirty="0" err="1"/>
-              <a:t>rencana-rencana</a:t>
-            </a:r>
-            <a:r>
-              <a:rPr lang="en-US" dirty="0"/>
-              <a:t> </a:t>
-            </a:r>
-            <a:r>
-              <a:rPr lang="en-US" dirty="0" err="1"/>
-              <a:t>untuk</a:t>
-            </a:r>
-            <a:r>
-              <a:rPr lang="en-US" dirty="0"/>
-              <a:t> </a:t>
-            </a:r>
-            <a:r>
-              <a:rPr lang="en-US" dirty="0" err="1"/>
-              <a:t>tahap</a:t>
-            </a:r>
-            <a:r>
-              <a:rPr lang="en-US" dirty="0"/>
-              <a:t> </a:t>
-            </a:r>
-            <a:r>
-              <a:rPr lang="en-US" dirty="0" err="1"/>
-              <a:t>selanjutnya</a:t>
-            </a:r>
-            <a:r>
-              <a:rPr lang="en-US" dirty="0"/>
-              <a:t>.</a:t>
-            </a:r>
-            <a:endParaRPr lang="id-ID" dirty="0"/>
-          </a:p>
-          <a:p>
-            <a:pPr lvl="0"/>
-            <a:endParaRPr lang="id-ID" dirty="0"/>
-          </a:p>
-        </p:txBody>
-      </p:sp>
+        </p:nvGraphicFramePr>
+        <p:xfrm>
+          <a:off x="1142998" y="1123951"/>
+          <a:ext cx="7315201" cy="3434886"/>
+        </p:xfrm>
+        <a:graphic>
+          <a:graphicData uri="http://schemas.openxmlformats.org/drawingml/2006/table">
+            <a:tbl>
+              <a:tblPr firstRow="1" firstCol="1" bandRow="1">
+                <a:tableStyleId>{5C22544A-7EE6-4342-B048-85BDC9FD1C3A}</a:tableStyleId>
+              </a:tblPr>
+              <a:tblGrid>
+                <a:gridCol w="2057402"/>
+                <a:gridCol w="2860380"/>
+                <a:gridCol w="2397419"/>
+              </a:tblGrid>
+              <a:tr h="202553">
+                <a:tc>
+                  <a:txBody>
+                    <a:bodyPr/>
+                    <a:lstStyle/>
+                    <a:p>
+                      <a:pPr marL="0" marR="0" algn="ctr">
+                        <a:lnSpc>
+                          <a:spcPct val="115000"/>
+                        </a:lnSpc>
+                        <a:spcBef>
+                          <a:spcPts val="0"/>
+                        </a:spcBef>
+                        <a:spcAft>
+                          <a:spcPts val="0"/>
+                        </a:spcAft>
+                      </a:pPr>
+                      <a:r>
+                        <a:rPr lang="en-US" sz="1200" dirty="0" err="1">
+                          <a:effectLst/>
+                        </a:rPr>
+                        <a:t>Resiko</a:t>
+                      </a:r>
+                      <a:endParaRPr lang="en-US" sz="1200" dirty="0">
+                        <a:effectLst/>
+                        <a:latin typeface="Calibri"/>
+                        <a:ea typeface="Calibri"/>
+                        <a:cs typeface="SimSun"/>
+                      </a:endParaRPr>
+                    </a:p>
+                  </a:txBody>
+                  <a:tcPr marL="55809" marR="55809" marT="0" marB="0" anchor="ctr"/>
+                </a:tc>
+                <a:tc>
+                  <a:txBody>
+                    <a:bodyPr/>
+                    <a:lstStyle/>
+                    <a:p>
+                      <a:pPr marL="0" marR="0" algn="ctr">
+                        <a:lnSpc>
+                          <a:spcPct val="115000"/>
+                        </a:lnSpc>
+                        <a:spcBef>
+                          <a:spcPts val="0"/>
+                        </a:spcBef>
+                        <a:spcAft>
+                          <a:spcPts val="0"/>
+                        </a:spcAft>
+                      </a:pPr>
+                      <a:r>
+                        <a:rPr lang="en-US" sz="1200">
+                          <a:effectLst/>
+                        </a:rPr>
+                        <a:t>Kejadian</a:t>
+                      </a:r>
+                      <a:endParaRPr lang="en-US" sz="1200">
+                        <a:effectLst/>
+                        <a:latin typeface="Calibri"/>
+                        <a:ea typeface="Calibri"/>
+                        <a:cs typeface="SimSun"/>
+                      </a:endParaRPr>
+                    </a:p>
+                  </a:txBody>
+                  <a:tcPr marL="55809" marR="55809" marT="0" marB="0" anchor="ctr"/>
+                </a:tc>
+                <a:tc>
+                  <a:txBody>
+                    <a:bodyPr/>
+                    <a:lstStyle/>
+                    <a:p>
+                      <a:pPr marL="0" marR="0" algn="ctr">
+                        <a:lnSpc>
+                          <a:spcPct val="115000"/>
+                        </a:lnSpc>
+                        <a:spcBef>
+                          <a:spcPts val="0"/>
+                        </a:spcBef>
+                        <a:spcAft>
+                          <a:spcPts val="0"/>
+                        </a:spcAft>
+                      </a:pPr>
+                      <a:r>
+                        <a:rPr lang="en-US" sz="1200">
+                          <a:effectLst/>
+                        </a:rPr>
+                        <a:t>Teknik Mengurangi Resiko</a:t>
+                      </a:r>
+                      <a:endParaRPr lang="en-US" sz="1200">
+                        <a:effectLst/>
+                        <a:latin typeface="Calibri"/>
+                        <a:ea typeface="Calibri"/>
+                        <a:cs typeface="SimSun"/>
+                      </a:endParaRPr>
+                    </a:p>
+                  </a:txBody>
+                  <a:tcPr marL="55809" marR="55809" marT="0" marB="0" anchor="ctr"/>
+                </a:tc>
+              </a:tr>
+              <a:tr h="400304">
+                <a:tc rowSpan="4">
+                  <a:txBody>
+                    <a:bodyPr/>
+                    <a:lstStyle/>
+                    <a:p>
+                      <a:pPr marL="0" marR="0" algn="ctr">
+                        <a:lnSpc>
+                          <a:spcPct val="115000"/>
+                        </a:lnSpc>
+                        <a:spcBef>
+                          <a:spcPts val="0"/>
+                        </a:spcBef>
+                        <a:spcAft>
+                          <a:spcPts val="0"/>
+                        </a:spcAft>
+                      </a:pPr>
+                      <a:r>
+                        <a:rPr lang="en-US" sz="1200" b="1" dirty="0" err="1">
+                          <a:effectLst/>
+                        </a:rPr>
+                        <a:t>kegagalan</a:t>
+                      </a:r>
+                      <a:r>
+                        <a:rPr lang="en-US" sz="1200" b="1" dirty="0">
+                          <a:effectLst/>
+                        </a:rPr>
+                        <a:t> </a:t>
+                      </a:r>
+                      <a:r>
+                        <a:rPr lang="en-US" sz="1200" b="1" dirty="0" err="1">
+                          <a:effectLst/>
+                        </a:rPr>
+                        <a:t>personil</a:t>
+                      </a:r>
+                      <a:endParaRPr lang="en-US" sz="1200" b="1" dirty="0">
+                        <a:effectLst/>
+                        <a:latin typeface="Calibri"/>
+                        <a:ea typeface="Calibri"/>
+                        <a:cs typeface="SimSun"/>
+                      </a:endParaRPr>
+                    </a:p>
+                  </a:txBody>
+                  <a:tcPr marL="55809" marR="55809" marT="0" marB="0" anchor="ctr"/>
+                </a:tc>
+                <a:tc>
+                  <a:txBody>
+                    <a:bodyPr/>
+                    <a:lstStyle/>
+                    <a:p>
+                      <a:pPr marL="0" marR="0">
+                        <a:lnSpc>
+                          <a:spcPct val="115000"/>
+                        </a:lnSpc>
+                        <a:spcBef>
+                          <a:spcPts val="0"/>
+                        </a:spcBef>
+                        <a:spcAft>
+                          <a:spcPts val="0"/>
+                        </a:spcAft>
+                      </a:pPr>
+                      <a:r>
+                        <a:rPr lang="en-US" sz="1200">
+                          <a:effectLst/>
+                        </a:rPr>
+                        <a:t>Kesalahan dalam bidang coding</a:t>
+                      </a:r>
+                      <a:endParaRPr lang="en-US" sz="1200">
+                        <a:effectLst/>
+                        <a:latin typeface="Calibri"/>
+                        <a:ea typeface="Calibri"/>
+                        <a:cs typeface="SimSun"/>
+                      </a:endParaRPr>
+                    </a:p>
+                  </a:txBody>
+                  <a:tcPr marL="55809" marR="55809" marT="0" marB="0" anchor="ctr"/>
+                </a:tc>
+                <a:tc>
+                  <a:txBody>
+                    <a:bodyPr/>
+                    <a:lstStyle/>
+                    <a:p>
+                      <a:pPr marL="0" marR="0">
+                        <a:lnSpc>
+                          <a:spcPct val="115000"/>
+                        </a:lnSpc>
+                        <a:spcBef>
+                          <a:spcPts val="0"/>
+                        </a:spcBef>
+                        <a:spcAft>
+                          <a:spcPts val="0"/>
+                        </a:spcAft>
+                      </a:pPr>
+                      <a:r>
+                        <a:rPr lang="en-US" sz="1200">
+                          <a:effectLst/>
+                        </a:rPr>
+                        <a:t>memperkejakan staf yang handal</a:t>
+                      </a:r>
+                      <a:endParaRPr lang="en-US" sz="1200">
+                        <a:effectLst/>
+                        <a:latin typeface="Calibri"/>
+                        <a:ea typeface="Calibri"/>
+                        <a:cs typeface="SimSun"/>
+                      </a:endParaRPr>
+                    </a:p>
+                  </a:txBody>
+                  <a:tcPr marL="55809" marR="55809" marT="0" marB="0" anchor="ctr"/>
+                </a:tc>
+              </a:tr>
+              <a:tr h="400304">
+                <a:tc vMerge="1">
+                  <a:txBody>
+                    <a:bodyPr/>
+                    <a:lstStyle/>
+                    <a:p>
+                      <a:endParaRPr lang="en-US"/>
+                    </a:p>
+                  </a:txBody>
+                  <a:tcPr/>
+                </a:tc>
+                <a:tc>
+                  <a:txBody>
+                    <a:bodyPr/>
+                    <a:lstStyle/>
+                    <a:p>
+                      <a:pPr marL="0" marR="0">
+                        <a:lnSpc>
+                          <a:spcPct val="115000"/>
+                        </a:lnSpc>
+                        <a:spcBef>
+                          <a:spcPts val="0"/>
+                        </a:spcBef>
+                        <a:spcAft>
+                          <a:spcPts val="0"/>
+                        </a:spcAft>
+                      </a:pPr>
+                      <a:r>
+                        <a:rPr lang="en-US" sz="1200">
+                          <a:effectLst/>
+                        </a:rPr>
+                        <a:t>Tidak menguasai pada bidangnya</a:t>
+                      </a:r>
+                      <a:endParaRPr lang="en-US" sz="1200">
+                        <a:effectLst/>
+                        <a:latin typeface="Calibri"/>
+                        <a:ea typeface="Calibri"/>
+                        <a:cs typeface="SimSun"/>
+                      </a:endParaRPr>
+                    </a:p>
+                  </a:txBody>
+                  <a:tcPr marL="55809" marR="55809" marT="0" marB="0" anchor="ctr"/>
+                </a:tc>
+                <a:tc>
+                  <a:txBody>
+                    <a:bodyPr/>
+                    <a:lstStyle/>
+                    <a:p>
+                      <a:pPr marL="0" marR="0">
+                        <a:lnSpc>
+                          <a:spcPct val="115000"/>
+                        </a:lnSpc>
+                        <a:spcBef>
+                          <a:spcPts val="0"/>
+                        </a:spcBef>
+                        <a:spcAft>
+                          <a:spcPts val="0"/>
+                        </a:spcAft>
+                      </a:pPr>
+                      <a:r>
+                        <a:rPr lang="en-US" sz="1200">
+                          <a:effectLst/>
+                        </a:rPr>
+                        <a:t>membangun tim</a:t>
+                      </a:r>
+                      <a:endParaRPr lang="en-US" sz="1200">
+                        <a:effectLst/>
+                        <a:latin typeface="Calibri"/>
+                        <a:ea typeface="Calibri"/>
+                        <a:cs typeface="SimSun"/>
+                      </a:endParaRPr>
+                    </a:p>
+                  </a:txBody>
+                  <a:tcPr marL="55809" marR="55809" marT="0" marB="0" anchor="ctr"/>
+                </a:tc>
+              </a:tr>
+              <a:tr h="405107">
+                <a:tc vMerge="1">
+                  <a:txBody>
+                    <a:bodyPr/>
+                    <a:lstStyle/>
+                    <a:p>
+                      <a:endParaRPr lang="en-US"/>
+                    </a:p>
+                  </a:txBody>
+                  <a:tcPr/>
+                </a:tc>
+                <a:tc>
+                  <a:txBody>
+                    <a:bodyPr/>
+                    <a:lstStyle/>
+                    <a:p>
+                      <a:pPr marL="0" marR="0">
+                        <a:lnSpc>
+                          <a:spcPct val="115000"/>
+                        </a:lnSpc>
+                        <a:spcBef>
+                          <a:spcPts val="0"/>
+                        </a:spcBef>
+                        <a:spcAft>
+                          <a:spcPts val="0"/>
+                        </a:spcAft>
+                      </a:pPr>
+                      <a:r>
+                        <a:rPr lang="en-US" sz="1200">
+                          <a:effectLst/>
+                        </a:rPr>
+                        <a:t>terjadi ketidakkompakan tim</a:t>
+                      </a:r>
+                      <a:endParaRPr lang="en-US" sz="1200">
+                        <a:effectLst/>
+                        <a:latin typeface="Calibri"/>
+                        <a:ea typeface="Calibri"/>
+                        <a:cs typeface="SimSun"/>
+                      </a:endParaRPr>
+                    </a:p>
+                  </a:txBody>
+                  <a:tcPr marL="55809" marR="55809" marT="0" marB="0" anchor="ctr"/>
+                </a:tc>
+                <a:tc>
+                  <a:txBody>
+                    <a:bodyPr/>
+                    <a:lstStyle/>
+                    <a:p>
+                      <a:pPr marL="0" marR="0">
+                        <a:lnSpc>
+                          <a:spcPct val="115000"/>
+                        </a:lnSpc>
+                        <a:spcBef>
+                          <a:spcPts val="0"/>
+                        </a:spcBef>
+                        <a:spcAft>
+                          <a:spcPts val="0"/>
+                        </a:spcAft>
+                      </a:pPr>
+                      <a:r>
+                        <a:rPr lang="en-US" sz="1200">
+                          <a:effectLst/>
+                        </a:rPr>
+                        <a:t>mengadakan pelatihan dan peningkatan karir</a:t>
+                      </a:r>
+                      <a:endParaRPr lang="en-US" sz="1200">
+                        <a:effectLst/>
+                        <a:latin typeface="Calibri"/>
+                        <a:ea typeface="Calibri"/>
+                        <a:cs typeface="SimSun"/>
+                      </a:endParaRPr>
+                    </a:p>
+                  </a:txBody>
+                  <a:tcPr marL="55809" marR="55809" marT="0" marB="0" anchor="ctr"/>
+                </a:tc>
+              </a:tr>
+              <a:tr h="405107">
+                <a:tc vMerge="1">
+                  <a:txBody>
+                    <a:bodyPr/>
+                    <a:lstStyle/>
+                    <a:p>
+                      <a:endParaRPr lang="en-US"/>
+                    </a:p>
+                  </a:txBody>
+                  <a:tcPr/>
+                </a:tc>
+                <a:tc>
+                  <a:txBody>
+                    <a:bodyPr/>
+                    <a:lstStyle/>
+                    <a:p>
+                      <a:pPr marL="0" marR="0">
+                        <a:lnSpc>
+                          <a:spcPct val="115000"/>
+                        </a:lnSpc>
+                        <a:spcBef>
+                          <a:spcPts val="0"/>
+                        </a:spcBef>
+                        <a:spcAft>
+                          <a:spcPts val="0"/>
+                        </a:spcAft>
+                      </a:pPr>
+                      <a:r>
+                        <a:rPr lang="en-US" sz="1200">
+                          <a:effectLst/>
+                        </a:rPr>
+                        <a:t>jadwal yang rancu</a:t>
+                      </a:r>
+                      <a:endParaRPr lang="en-US" sz="1200">
+                        <a:effectLst/>
+                        <a:latin typeface="Calibri"/>
+                        <a:ea typeface="Calibri"/>
+                        <a:cs typeface="SimSun"/>
+                      </a:endParaRPr>
+                    </a:p>
+                  </a:txBody>
+                  <a:tcPr marL="55809" marR="55809" marT="0" marB="0" anchor="ctr"/>
+                </a:tc>
+                <a:tc>
+                  <a:txBody>
+                    <a:bodyPr/>
+                    <a:lstStyle/>
+                    <a:p>
+                      <a:pPr marL="0" marR="0">
+                        <a:lnSpc>
+                          <a:spcPct val="115000"/>
+                        </a:lnSpc>
+                        <a:spcBef>
+                          <a:spcPts val="0"/>
+                        </a:spcBef>
+                        <a:spcAft>
+                          <a:spcPts val="0"/>
+                        </a:spcAft>
+                      </a:pPr>
+                      <a:r>
+                        <a:rPr lang="en-US" sz="1200">
+                          <a:effectLst/>
+                        </a:rPr>
+                        <a:t>membuat jadwal lebih awal bagi personil utama</a:t>
+                      </a:r>
+                      <a:endParaRPr lang="en-US" sz="1200">
+                        <a:effectLst/>
+                        <a:latin typeface="Calibri"/>
+                        <a:ea typeface="Calibri"/>
+                        <a:cs typeface="SimSun"/>
+                      </a:endParaRPr>
+                    </a:p>
+                  </a:txBody>
+                  <a:tcPr marL="55809" marR="55809" marT="0" marB="0" anchor="ctr"/>
+                </a:tc>
+              </a:tr>
+              <a:tr h="400304">
+                <a:tc rowSpan="3">
+                  <a:txBody>
+                    <a:bodyPr/>
+                    <a:lstStyle/>
+                    <a:p>
+                      <a:pPr marL="0" marR="0" algn="ctr">
+                        <a:lnSpc>
+                          <a:spcPct val="115000"/>
+                        </a:lnSpc>
+                        <a:spcBef>
+                          <a:spcPts val="0"/>
+                        </a:spcBef>
+                        <a:spcAft>
+                          <a:spcPts val="0"/>
+                        </a:spcAft>
+                      </a:pPr>
+                      <a:r>
+                        <a:rPr lang="en-US" sz="1200" b="1" dirty="0" err="1">
+                          <a:effectLst/>
+                        </a:rPr>
+                        <a:t>Estimasi</a:t>
+                      </a:r>
+                      <a:r>
+                        <a:rPr lang="en-US" sz="1200" b="1" dirty="0">
+                          <a:effectLst/>
+                        </a:rPr>
+                        <a:t> </a:t>
+                      </a:r>
+                      <a:r>
+                        <a:rPr lang="en-US" sz="1200" b="1" dirty="0" err="1">
+                          <a:effectLst/>
+                        </a:rPr>
+                        <a:t>Biaya</a:t>
+                      </a:r>
+                      <a:endParaRPr lang="en-US" sz="1200" b="1" dirty="0">
+                        <a:effectLst/>
+                        <a:latin typeface="Calibri"/>
+                        <a:ea typeface="Calibri"/>
+                        <a:cs typeface="SimSun"/>
+                      </a:endParaRPr>
+                    </a:p>
+                  </a:txBody>
+                  <a:tcPr marL="55809" marR="55809" marT="0" marB="0" anchor="ctr"/>
+                </a:tc>
+                <a:tc>
+                  <a:txBody>
+                    <a:bodyPr/>
+                    <a:lstStyle/>
+                    <a:p>
+                      <a:pPr marL="0" marR="0">
+                        <a:lnSpc>
+                          <a:spcPct val="115000"/>
+                        </a:lnSpc>
+                        <a:spcBef>
+                          <a:spcPts val="0"/>
+                        </a:spcBef>
+                        <a:spcAft>
+                          <a:spcPts val="0"/>
+                        </a:spcAft>
+                      </a:pPr>
+                      <a:r>
+                        <a:rPr lang="en-US" sz="1200">
+                          <a:effectLst/>
+                        </a:rPr>
+                        <a:t>biaya yang berlebihan</a:t>
+                      </a:r>
+                      <a:endParaRPr lang="en-US" sz="1200">
+                        <a:effectLst/>
+                        <a:latin typeface="Calibri"/>
+                        <a:ea typeface="Calibri"/>
+                        <a:cs typeface="SimSun"/>
+                      </a:endParaRPr>
+                    </a:p>
+                  </a:txBody>
+                  <a:tcPr marL="55809" marR="55809" marT="0" marB="0" anchor="ctr"/>
+                </a:tc>
+                <a:tc>
+                  <a:txBody>
+                    <a:bodyPr/>
+                    <a:lstStyle/>
+                    <a:p>
+                      <a:pPr marL="0" marR="0">
+                        <a:lnSpc>
+                          <a:spcPct val="115000"/>
+                        </a:lnSpc>
+                        <a:spcBef>
+                          <a:spcPts val="0"/>
+                        </a:spcBef>
+                        <a:spcAft>
+                          <a:spcPts val="0"/>
+                        </a:spcAft>
+                      </a:pPr>
+                      <a:r>
+                        <a:rPr lang="en-US" sz="1200">
+                          <a:effectLst/>
+                        </a:rPr>
+                        <a:t>membuat beberapa estimasi</a:t>
+                      </a:r>
+                      <a:endParaRPr lang="en-US" sz="1200">
+                        <a:effectLst/>
+                        <a:latin typeface="Calibri"/>
+                        <a:ea typeface="Calibri"/>
+                        <a:cs typeface="SimSun"/>
+                      </a:endParaRPr>
+                    </a:p>
+                  </a:txBody>
+                  <a:tcPr marL="55809" marR="55809" marT="0" marB="0" anchor="ctr"/>
+                </a:tc>
+              </a:tr>
+              <a:tr h="202553">
+                <a:tc vMerge="1">
+                  <a:txBody>
+                    <a:bodyPr/>
+                    <a:lstStyle/>
+                    <a:p>
+                      <a:endParaRPr lang="en-US"/>
+                    </a:p>
+                  </a:txBody>
+                  <a:tcPr/>
+                </a:tc>
+                <a:tc>
+                  <a:txBody>
+                    <a:bodyPr/>
+                    <a:lstStyle/>
+                    <a:p>
+                      <a:pPr marL="0" marR="0">
+                        <a:lnSpc>
+                          <a:spcPct val="115000"/>
+                        </a:lnSpc>
+                        <a:spcBef>
+                          <a:spcPts val="0"/>
+                        </a:spcBef>
+                        <a:spcAft>
+                          <a:spcPts val="0"/>
+                        </a:spcAft>
+                      </a:pPr>
+                      <a:r>
+                        <a:rPr lang="en-US" sz="1200">
+                          <a:effectLst/>
+                        </a:rPr>
+                        <a:t>kekurangan biaya</a:t>
+                      </a:r>
+                      <a:endParaRPr lang="en-US" sz="1200">
+                        <a:effectLst/>
+                        <a:latin typeface="Calibri"/>
+                        <a:ea typeface="Calibri"/>
+                        <a:cs typeface="SimSun"/>
+                      </a:endParaRPr>
+                    </a:p>
+                  </a:txBody>
+                  <a:tcPr marL="55809" marR="55809" marT="0" marB="0" anchor="ctr"/>
+                </a:tc>
+                <a:tc>
+                  <a:txBody>
+                    <a:bodyPr/>
+                    <a:lstStyle/>
+                    <a:p>
+                      <a:pPr marL="0" marR="0">
+                        <a:lnSpc>
+                          <a:spcPct val="115000"/>
+                        </a:lnSpc>
+                        <a:spcBef>
+                          <a:spcPts val="0"/>
+                        </a:spcBef>
+                        <a:spcAft>
+                          <a:spcPts val="0"/>
+                        </a:spcAft>
+                      </a:pPr>
+                      <a:r>
+                        <a:rPr lang="en-US" sz="1200">
+                          <a:effectLst/>
+                        </a:rPr>
+                        <a:t>desain untuk biaya</a:t>
+                      </a:r>
+                      <a:endParaRPr lang="en-US" sz="1200">
+                        <a:effectLst/>
+                        <a:latin typeface="Calibri"/>
+                        <a:ea typeface="Calibri"/>
+                        <a:cs typeface="SimSun"/>
+                      </a:endParaRPr>
+                    </a:p>
+                  </a:txBody>
+                  <a:tcPr marL="55809" marR="55809" marT="0" marB="0" anchor="ctr"/>
+                </a:tc>
+              </a:tr>
+              <a:tr h="202553">
+                <a:tc vMerge="1">
+                  <a:txBody>
+                    <a:bodyPr/>
+                    <a:lstStyle/>
+                    <a:p>
+                      <a:endParaRPr lang="en-US"/>
+                    </a:p>
+                  </a:txBody>
+                  <a:tcPr/>
+                </a:tc>
+                <a:tc>
+                  <a:txBody>
+                    <a:bodyPr/>
+                    <a:lstStyle/>
+                    <a:p>
+                      <a:pPr marL="0" marR="0">
+                        <a:lnSpc>
+                          <a:spcPct val="115000"/>
+                        </a:lnSpc>
+                        <a:spcBef>
+                          <a:spcPts val="0"/>
+                        </a:spcBef>
+                        <a:spcAft>
+                          <a:spcPts val="0"/>
+                        </a:spcAft>
+                      </a:pPr>
+                      <a:r>
+                        <a:rPr lang="en-US" sz="1200">
+                          <a:effectLst/>
+                        </a:rPr>
+                        <a:t>kesalahan perhitungan</a:t>
+                      </a:r>
+                      <a:endParaRPr lang="en-US" sz="1200">
+                        <a:effectLst/>
+                        <a:latin typeface="Calibri"/>
+                        <a:ea typeface="Calibri"/>
+                        <a:cs typeface="SimSun"/>
+                      </a:endParaRPr>
+                    </a:p>
+                  </a:txBody>
+                  <a:tcPr marL="55809" marR="55809" marT="0" marB="0" anchor="ctr"/>
+                </a:tc>
+                <a:tc>
+                  <a:txBody>
+                    <a:bodyPr/>
+                    <a:lstStyle/>
+                    <a:p>
+                      <a:pPr marL="0" marR="0">
+                        <a:lnSpc>
+                          <a:spcPct val="115000"/>
+                        </a:lnSpc>
+                        <a:spcBef>
+                          <a:spcPts val="0"/>
+                        </a:spcBef>
+                        <a:spcAft>
+                          <a:spcPts val="0"/>
+                        </a:spcAft>
+                      </a:pPr>
+                      <a:r>
+                        <a:rPr lang="en-US" sz="1200">
+                          <a:effectLst/>
+                        </a:rPr>
+                        <a:t>standarisasi metode</a:t>
+                      </a:r>
+                      <a:endParaRPr lang="en-US" sz="1200">
+                        <a:effectLst/>
+                        <a:latin typeface="Calibri"/>
+                        <a:ea typeface="Calibri"/>
+                        <a:cs typeface="SimSun"/>
+                      </a:endParaRPr>
+                    </a:p>
+                  </a:txBody>
+                  <a:tcPr marL="55809" marR="55809" marT="0" marB="0" anchor="ctr"/>
+                </a:tc>
+              </a:tr>
+              <a:tr h="202553">
+                <a:tc rowSpan="3">
+                  <a:txBody>
+                    <a:bodyPr/>
+                    <a:lstStyle/>
+                    <a:p>
+                      <a:pPr marL="0" marR="0" algn="ctr">
+                        <a:lnSpc>
+                          <a:spcPct val="115000"/>
+                        </a:lnSpc>
+                        <a:spcBef>
+                          <a:spcPts val="0"/>
+                        </a:spcBef>
+                        <a:spcAft>
+                          <a:spcPts val="0"/>
+                        </a:spcAft>
+                      </a:pPr>
+                      <a:r>
+                        <a:rPr lang="en-US" sz="1200" b="1" dirty="0" err="1">
+                          <a:effectLst/>
+                        </a:rPr>
+                        <a:t>mengembangkan</a:t>
+                      </a:r>
+                      <a:r>
+                        <a:rPr lang="en-US" sz="1200" b="1" dirty="0">
+                          <a:effectLst/>
+                        </a:rPr>
+                        <a:t> </a:t>
+                      </a:r>
+                      <a:r>
+                        <a:rPr lang="en-US" sz="1200" b="1" dirty="0" err="1">
+                          <a:effectLst/>
+                        </a:rPr>
+                        <a:t>fungsi</a:t>
+                      </a:r>
+                      <a:r>
+                        <a:rPr lang="en-US" sz="1200" b="1" dirty="0">
+                          <a:effectLst/>
+                        </a:rPr>
+                        <a:t> software yang </a:t>
+                      </a:r>
+                      <a:r>
+                        <a:rPr lang="en-US" sz="1200" b="1" dirty="0" err="1">
+                          <a:effectLst/>
+                        </a:rPr>
+                        <a:t>salah</a:t>
+                      </a:r>
+                      <a:endParaRPr lang="en-US" sz="1200" b="1" dirty="0">
+                        <a:effectLst/>
+                        <a:latin typeface="Calibri"/>
+                        <a:ea typeface="Calibri"/>
+                        <a:cs typeface="SimSun"/>
+                      </a:endParaRPr>
+                    </a:p>
+                  </a:txBody>
+                  <a:tcPr marL="55809" marR="55809" marT="0" marB="0" anchor="ctr"/>
+                </a:tc>
+                <a:tc>
+                  <a:txBody>
+                    <a:bodyPr/>
+                    <a:lstStyle/>
+                    <a:p>
+                      <a:pPr marL="0" marR="0">
+                        <a:lnSpc>
+                          <a:spcPct val="115000"/>
+                        </a:lnSpc>
+                        <a:spcBef>
+                          <a:spcPts val="0"/>
+                        </a:spcBef>
+                        <a:spcAft>
+                          <a:spcPts val="0"/>
+                        </a:spcAft>
+                      </a:pPr>
+                      <a:r>
+                        <a:rPr lang="en-US" sz="1200">
+                          <a:effectLst/>
+                        </a:rPr>
+                        <a:t>kesalah pemrograman</a:t>
+                      </a:r>
+                      <a:endParaRPr lang="en-US" sz="1200">
+                        <a:effectLst/>
+                        <a:latin typeface="Calibri"/>
+                        <a:ea typeface="Calibri"/>
+                        <a:cs typeface="SimSun"/>
+                      </a:endParaRPr>
+                    </a:p>
+                  </a:txBody>
+                  <a:tcPr marL="55809" marR="55809" marT="0" marB="0" anchor="ctr"/>
+                </a:tc>
+                <a:tc>
+                  <a:txBody>
+                    <a:bodyPr/>
+                    <a:lstStyle/>
+                    <a:p>
+                      <a:pPr marL="0" marR="0">
+                        <a:lnSpc>
+                          <a:spcPct val="115000"/>
+                        </a:lnSpc>
+                        <a:spcBef>
+                          <a:spcPts val="0"/>
+                        </a:spcBef>
+                        <a:spcAft>
+                          <a:spcPts val="0"/>
+                        </a:spcAft>
+                      </a:pPr>
+                      <a:r>
+                        <a:rPr lang="en-US" sz="1200">
+                          <a:effectLst/>
+                        </a:rPr>
+                        <a:t>eveluasi ditingkatkan</a:t>
+                      </a:r>
+                      <a:endParaRPr lang="en-US" sz="1200">
+                        <a:effectLst/>
+                        <a:latin typeface="Calibri"/>
+                        <a:ea typeface="Calibri"/>
+                        <a:cs typeface="SimSun"/>
+                      </a:endParaRPr>
+                    </a:p>
+                  </a:txBody>
+                  <a:tcPr marL="55809" marR="55809" marT="0" marB="0" anchor="ctr"/>
+                </a:tc>
+              </a:tr>
+              <a:tr h="202553">
+                <a:tc vMerge="1">
+                  <a:txBody>
+                    <a:bodyPr/>
+                    <a:lstStyle/>
+                    <a:p>
+                      <a:endParaRPr lang="en-US"/>
+                    </a:p>
+                  </a:txBody>
+                  <a:tcPr/>
+                </a:tc>
+                <a:tc>
+                  <a:txBody>
+                    <a:bodyPr/>
+                    <a:lstStyle/>
+                    <a:p>
+                      <a:pPr marL="0" marR="0">
+                        <a:lnSpc>
+                          <a:spcPct val="115000"/>
+                        </a:lnSpc>
+                        <a:spcBef>
+                          <a:spcPts val="0"/>
+                        </a:spcBef>
+                        <a:spcAft>
+                          <a:spcPts val="0"/>
+                        </a:spcAft>
+                      </a:pPr>
+                      <a:r>
+                        <a:rPr lang="en-US" sz="1200">
+                          <a:effectLst/>
+                        </a:rPr>
+                        <a:t>kesalahan desain</a:t>
+                      </a:r>
+                      <a:endParaRPr lang="en-US" sz="1200">
+                        <a:effectLst/>
+                        <a:latin typeface="Calibri"/>
+                        <a:ea typeface="Calibri"/>
+                        <a:cs typeface="SimSun"/>
+                      </a:endParaRPr>
+                    </a:p>
+                  </a:txBody>
+                  <a:tcPr marL="55809" marR="55809" marT="0" marB="0" anchor="ctr"/>
+                </a:tc>
+                <a:tc>
+                  <a:txBody>
+                    <a:bodyPr/>
+                    <a:lstStyle/>
+                    <a:p>
+                      <a:pPr marL="0" marR="0">
+                        <a:lnSpc>
+                          <a:spcPct val="115000"/>
+                        </a:lnSpc>
+                        <a:spcBef>
+                          <a:spcPts val="0"/>
+                        </a:spcBef>
+                        <a:spcAft>
+                          <a:spcPts val="0"/>
+                        </a:spcAft>
+                      </a:pPr>
+                      <a:r>
+                        <a:rPr lang="en-US" sz="1200">
+                          <a:effectLst/>
+                        </a:rPr>
+                        <a:t>survey pengguna</a:t>
+                      </a:r>
+                      <a:endParaRPr lang="en-US" sz="1200">
+                        <a:effectLst/>
+                        <a:latin typeface="Calibri"/>
+                        <a:ea typeface="Calibri"/>
+                        <a:cs typeface="SimSun"/>
+                      </a:endParaRPr>
+                    </a:p>
+                  </a:txBody>
+                  <a:tcPr marL="55809" marR="55809" marT="0" marB="0" anchor="ctr"/>
+                </a:tc>
+              </a:tr>
+              <a:tr h="405107">
+                <a:tc vMerge="1">
+                  <a:txBody>
+                    <a:bodyPr/>
+                    <a:lstStyle/>
+                    <a:p>
+                      <a:endParaRPr lang="en-US"/>
+                    </a:p>
+                  </a:txBody>
+                  <a:tcPr/>
+                </a:tc>
+                <a:tc>
+                  <a:txBody>
+                    <a:bodyPr/>
+                    <a:lstStyle/>
+                    <a:p>
+                      <a:pPr marL="0" marR="0">
+                        <a:lnSpc>
+                          <a:spcPct val="115000"/>
+                        </a:lnSpc>
+                        <a:spcBef>
+                          <a:spcPts val="0"/>
+                        </a:spcBef>
+                        <a:spcAft>
+                          <a:spcPts val="0"/>
+                        </a:spcAft>
+                      </a:pPr>
+                      <a:r>
+                        <a:rPr lang="en-US" sz="1200">
+                          <a:effectLst/>
+                        </a:rPr>
+                        <a:t>analisa kebutuhan yang tidak sesuai</a:t>
+                      </a:r>
+                      <a:endParaRPr lang="en-US" sz="1200">
+                        <a:effectLst/>
+                        <a:latin typeface="Calibri"/>
+                        <a:ea typeface="Calibri"/>
+                        <a:cs typeface="SimSun"/>
+                      </a:endParaRPr>
+                    </a:p>
+                  </a:txBody>
+                  <a:tcPr marL="55809" marR="55809" marT="0" marB="0" anchor="ctr"/>
+                </a:tc>
+                <a:tc>
+                  <a:txBody>
+                    <a:bodyPr/>
+                    <a:lstStyle/>
+                    <a:p>
+                      <a:pPr marL="0" marR="0">
+                        <a:lnSpc>
+                          <a:spcPct val="115000"/>
+                        </a:lnSpc>
+                        <a:spcBef>
+                          <a:spcPts val="0"/>
+                        </a:spcBef>
+                        <a:spcAft>
+                          <a:spcPts val="0"/>
+                        </a:spcAft>
+                      </a:pPr>
+                      <a:r>
+                        <a:rPr lang="en-US" sz="1200" dirty="0" err="1">
+                          <a:effectLst/>
+                        </a:rPr>
+                        <a:t>buat</a:t>
+                      </a:r>
+                      <a:r>
+                        <a:rPr lang="en-US" sz="1200" dirty="0">
+                          <a:effectLst/>
+                        </a:rPr>
+                        <a:t> prototype</a:t>
+                      </a:r>
+                      <a:endParaRPr lang="en-US" sz="1200" dirty="0">
+                        <a:effectLst/>
+                        <a:latin typeface="Calibri"/>
+                        <a:ea typeface="Calibri"/>
+                        <a:cs typeface="SimSun"/>
+                      </a:endParaRPr>
+                    </a:p>
+                  </a:txBody>
+                  <a:tcPr marL="55809" marR="55809" marT="0" marB="0" anchor="ctr"/>
+                </a:tc>
+              </a:tr>
+            </a:tbl>
+          </a:graphicData>
+        </a:graphic>
+      </p:graphicFrame>
     </p:spTree>
     <p:extLst>
       <p:ext uri="{BB962C8B-B14F-4D97-AF65-F5344CB8AC3E}">
-        <p14:creationId xmlns:p14="http://schemas.microsoft.com/office/powerpoint/2010/main" val="3500916002"/>
+        <p14:creationId xmlns:p14="http://schemas.microsoft.com/office/powerpoint/2010/main" val="1616448398"/>
       </p:ext>
     </p:extLst>
   </p:cSld>
@@ -16494,12 +16690,12 @@
   </p:clrMapOvr>
   <mc:AlternateContent xmlns:mc="http://schemas.openxmlformats.org/markup-compatibility/2006" xmlns:p14="http://schemas.microsoft.com/office/powerpoint/2010/main">
     <mc:Choice Requires="p14">
-      <p:transition spd="slow" p14:dur="1400">
-        <p14:ripple/>
+      <p:transition spd="med" p14:dur="700">
+        <p:fade/>
       </p:transition>
     </mc:Choice>
     <mc:Fallback xmlns="">
-      <p:transition spd="slow">
+      <p:transition spd="med">
         <p:fade/>
       </p:transition>
     </mc:Fallback>
@@ -16543,581 +16739,1557 @@
         </p:nvSpPr>
         <p:spPr>
           <a:xfrm>
-            <a:off x="856059" y="0"/>
+            <a:off x="856059" y="361950"/>
             <a:ext cx="7429499" cy="1108928"/>
           </a:xfrm>
         </p:spPr>
         <p:txBody>
-          <a:bodyPr>
-            <a:normAutofit/>
-          </a:bodyPr>
+          <a:bodyPr/>
           <a:lstStyle/>
           <a:p>
             <a:pPr algn="ctr"/>
             <a:r>
-              <a:rPr lang="en-US" dirty="0" err="1" smtClean="0"/>
-              <a:t>Prioritas</a:t>
-            </a:r>
-            <a:r>
-              <a:rPr lang="en-US" dirty="0" smtClean="0"/>
-              <a:t> </a:t>
-            </a:r>
-            <a:r>
-              <a:rPr lang="en-US" dirty="0" err="1" smtClean="0"/>
-              <a:t>resiko</a:t>
-            </a:r>
-            <a:r>
-              <a:rPr lang="en-US" dirty="0" smtClean="0"/>
-              <a:t> </a:t>
-            </a:r>
-            <a:r>
-              <a:rPr lang="en-US" dirty="0" err="1" smtClean="0"/>
-              <a:t>dapat</a:t>
-            </a:r>
-            <a:r>
-              <a:rPr lang="en-US" dirty="0" smtClean="0"/>
-              <a:t> </a:t>
-            </a:r>
-            <a:r>
-              <a:rPr lang="en-US" dirty="0" err="1" smtClean="0"/>
-              <a:t>dikategorikan</a:t>
-            </a:r>
-            <a:r>
-              <a:rPr lang="en-US" dirty="0" smtClean="0"/>
-              <a:t> </a:t>
-            </a:r>
-            <a:r>
-              <a:rPr lang="en-US" dirty="0" err="1" smtClean="0"/>
-              <a:t>sebagai</a:t>
-            </a:r>
-            <a:r>
-              <a:rPr lang="en-US" dirty="0" smtClean="0"/>
-              <a:t> </a:t>
-            </a:r>
-            <a:r>
-              <a:rPr lang="en-US" dirty="0" err="1" smtClean="0"/>
-              <a:t>berikut</a:t>
+              <a:rPr lang="en-US" b="1" dirty="0" err="1" smtClean="0"/>
+              <a:t>Perencanaan</a:t>
+            </a:r>
+            <a:r>
+              <a:rPr lang="en-US" b="1" dirty="0" smtClean="0"/>
+              <a:t> </a:t>
+            </a:r>
+            <a:r>
+              <a:rPr lang="en-US" b="1" dirty="0" err="1"/>
+              <a:t>Jadwal</a:t>
+            </a:r>
+            <a:r>
+              <a:rPr lang="en-US" b="1" dirty="0"/>
+              <a:t> (schedule)</a:t>
             </a:r>
             <a:endParaRPr lang="id-ID" dirty="0"/>
           </a:p>
         </p:txBody>
       </p:sp>
-      <p:pic>
-        <p:nvPicPr>
-          <p:cNvPr id="4" name="Image1"/>
-          <p:cNvPicPr>
-            <a:picLocks noGrp="1"/>
-          </p:cNvPicPr>
+      <p:graphicFrame>
+        <p:nvGraphicFramePr>
+          <p:cNvPr id="5" name="Content Placeholder 4"/>
+          <p:cNvGraphicFramePr>
+            <a:graphicFrameLocks noGrp="1"/>
+          </p:cNvGraphicFramePr>
           <p:nvPr>
             <p:ph idx="1"/>
+            <p:extLst>
+              <p:ext uri="{D42A27DB-BD31-4B8C-83A1-F6EECF244321}">
+                <p14:modId xmlns:p14="http://schemas.microsoft.com/office/powerpoint/2010/main" val="1536830828"/>
+              </p:ext>
+            </p:extLst>
           </p:nvPr>
-        </p:nvPicPr>
-        <p:blipFill>
-          <a:blip r:embed="rId2" cstate="print">
-            <a:extLst>
-              <a:ext uri="{28A0092B-C50C-407E-A947-70E740481C1C}">
-                <a14:useLocalDpi xmlns:a14="http://schemas.microsoft.com/office/drawing/2010/main" val="0"/>
-              </a:ext>
-            </a:extLst>
-          </a:blip>
-          <a:srcRect/>
-          <a:stretch/>
-        </p:blipFill>
-        <p:spPr>
-          <a:xfrm>
-            <a:off x="1342429" y="2530420"/>
-            <a:ext cx="6456758" cy="2589536"/>
-          </a:xfrm>
-          <a:prstGeom prst="rect">
-            <a:avLst/>
-          </a:prstGeom>
-        </p:spPr>
-      </p:pic>
-      <p:sp>
-        <p:nvSpPr>
-          <p:cNvPr id="5" name="Content Placeholder 2"/>
-          <p:cNvSpPr txBox="1">
-            <a:spLocks/>
-          </p:cNvSpPr>
-          <p:nvPr/>
-        </p:nvSpPr>
-        <p:spPr>
-          <a:xfrm>
-            <a:off x="1075829" y="940708"/>
-            <a:ext cx="7218291" cy="1600200"/>
-          </a:xfrm>
-          <a:prstGeom prst="rect">
-            <a:avLst/>
-          </a:prstGeom>
-        </p:spPr>
-        <p:txBody>
-          <a:bodyPr vert="horz" lIns="91440" tIns="45720" rIns="91440" bIns="45720" rtlCol="0">
-            <a:normAutofit fontScale="85000" lnSpcReduction="20000"/>
-          </a:bodyPr>
-          <a:lstStyle>
-            <a:lvl1pPr marL="171450" indent="-171450" algn="l" defTabSz="685800" rtl="0" eaLnBrk="1" latinLnBrk="0" hangingPunct="1">
-              <a:lnSpc>
-                <a:spcPct val="120000"/>
-              </a:lnSpc>
-              <a:spcBef>
-                <a:spcPts val="750"/>
-              </a:spcBef>
-              <a:buSzPct val="125000"/>
-              <a:buFont typeface="Arial" panose="020B0604020202020204" pitchFamily="34" charset="0"/>
-              <a:buChar char="•"/>
-              <a:defRPr sz="1800" kern="1200">
-                <a:solidFill>
-                  <a:schemeClr val="tx1"/>
-                </a:solidFill>
-                <a:latin typeface="+mn-lt"/>
-                <a:ea typeface="+mn-ea"/>
-                <a:cs typeface="+mn-cs"/>
-              </a:defRPr>
-            </a:lvl1pPr>
-            <a:lvl2pPr marL="514350" indent="-171450" algn="l" defTabSz="685800" rtl="0" eaLnBrk="1" latinLnBrk="0" hangingPunct="1">
-              <a:lnSpc>
-                <a:spcPct val="120000"/>
-              </a:lnSpc>
-              <a:spcBef>
-                <a:spcPts val="375"/>
-              </a:spcBef>
-              <a:buSzPct val="125000"/>
-              <a:buFont typeface="Arial" panose="020B0604020202020204" pitchFamily="34" charset="0"/>
-              <a:buChar char="•"/>
-              <a:defRPr sz="1500" kern="1200">
-                <a:solidFill>
-                  <a:schemeClr val="tx1"/>
-                </a:solidFill>
-                <a:latin typeface="+mn-lt"/>
-                <a:ea typeface="+mn-ea"/>
-                <a:cs typeface="+mn-cs"/>
-              </a:defRPr>
-            </a:lvl2pPr>
-            <a:lvl3pPr marL="857250" indent="-171450" algn="l" defTabSz="685800" rtl="0" eaLnBrk="1" latinLnBrk="0" hangingPunct="1">
-              <a:lnSpc>
-                <a:spcPct val="120000"/>
-              </a:lnSpc>
-              <a:spcBef>
-                <a:spcPts val="375"/>
-              </a:spcBef>
-              <a:buSzPct val="125000"/>
-              <a:buFont typeface="Arial" panose="020B0604020202020204" pitchFamily="34" charset="0"/>
-              <a:buChar char="•"/>
-              <a:defRPr sz="1350" kern="1200">
-                <a:solidFill>
-                  <a:schemeClr val="tx1"/>
-                </a:solidFill>
-                <a:latin typeface="+mn-lt"/>
-                <a:ea typeface="+mn-ea"/>
-                <a:cs typeface="+mn-cs"/>
-              </a:defRPr>
-            </a:lvl3pPr>
-            <a:lvl4pPr marL="1200150" indent="-171450" algn="l" defTabSz="685800" rtl="0" eaLnBrk="1" latinLnBrk="0" hangingPunct="1">
-              <a:lnSpc>
-                <a:spcPct val="120000"/>
-              </a:lnSpc>
-              <a:spcBef>
-                <a:spcPts val="375"/>
-              </a:spcBef>
-              <a:buSzPct val="125000"/>
-              <a:buFont typeface="Arial" panose="020B0604020202020204" pitchFamily="34" charset="0"/>
-              <a:buChar char="•"/>
-              <a:defRPr sz="1200" kern="1200">
-                <a:solidFill>
-                  <a:schemeClr val="tx1"/>
-                </a:solidFill>
-                <a:latin typeface="+mn-lt"/>
-                <a:ea typeface="+mn-ea"/>
-                <a:cs typeface="+mn-cs"/>
-              </a:defRPr>
-            </a:lvl4pPr>
-            <a:lvl5pPr marL="1543050" indent="-171450" algn="l" defTabSz="685800" rtl="0" eaLnBrk="1" latinLnBrk="0" hangingPunct="1">
-              <a:lnSpc>
-                <a:spcPct val="120000"/>
-              </a:lnSpc>
-              <a:spcBef>
-                <a:spcPts val="375"/>
-              </a:spcBef>
-              <a:buSzPct val="125000"/>
-              <a:buFont typeface="Arial" panose="020B0604020202020204" pitchFamily="34" charset="0"/>
-              <a:buChar char="•"/>
-              <a:defRPr sz="1200" kern="1200">
-                <a:solidFill>
-                  <a:schemeClr val="tx1"/>
-                </a:solidFill>
-                <a:latin typeface="+mn-lt"/>
-                <a:ea typeface="+mn-ea"/>
-                <a:cs typeface="+mn-cs"/>
-              </a:defRPr>
-            </a:lvl5pPr>
-            <a:lvl6pPr marL="1885950" indent="-171450" algn="l" defTabSz="685800" rtl="0" eaLnBrk="1" latinLnBrk="0" hangingPunct="1">
-              <a:lnSpc>
-                <a:spcPct val="120000"/>
-              </a:lnSpc>
-              <a:spcBef>
-                <a:spcPts val="375"/>
-              </a:spcBef>
-              <a:buSzPct val="125000"/>
-              <a:buFont typeface="Arial" panose="020B0604020202020204" pitchFamily="34" charset="0"/>
-              <a:buChar char="•"/>
-              <a:defRPr sz="1050" kern="1200">
-                <a:solidFill>
-                  <a:schemeClr val="tx1"/>
-                </a:solidFill>
-                <a:latin typeface="+mn-lt"/>
-                <a:ea typeface="+mn-ea"/>
-                <a:cs typeface="+mn-cs"/>
-              </a:defRPr>
-            </a:lvl6pPr>
-            <a:lvl7pPr marL="2228850" indent="-171450" algn="l" defTabSz="685800" rtl="0" eaLnBrk="1" latinLnBrk="0" hangingPunct="1">
-              <a:lnSpc>
-                <a:spcPct val="120000"/>
-              </a:lnSpc>
-              <a:spcBef>
-                <a:spcPts val="375"/>
-              </a:spcBef>
-              <a:buSzPct val="125000"/>
-              <a:buFont typeface="Arial" panose="020B0604020202020204" pitchFamily="34" charset="0"/>
-              <a:buChar char="•"/>
-              <a:defRPr sz="1050" kern="1200">
-                <a:solidFill>
-                  <a:schemeClr val="tx1"/>
-                </a:solidFill>
-                <a:latin typeface="+mn-lt"/>
-                <a:ea typeface="+mn-ea"/>
-                <a:cs typeface="+mn-cs"/>
-              </a:defRPr>
-            </a:lvl7pPr>
-            <a:lvl8pPr marL="2571750" indent="-171450" algn="l" defTabSz="685800" rtl="0" eaLnBrk="1" latinLnBrk="0" hangingPunct="1">
-              <a:lnSpc>
-                <a:spcPct val="120000"/>
-              </a:lnSpc>
-              <a:spcBef>
-                <a:spcPts val="375"/>
-              </a:spcBef>
-              <a:buSzPct val="125000"/>
-              <a:buFont typeface="Arial" panose="020B0604020202020204" pitchFamily="34" charset="0"/>
-              <a:buChar char="•"/>
-              <a:defRPr sz="1050" kern="1200">
-                <a:solidFill>
-                  <a:schemeClr val="tx1"/>
-                </a:solidFill>
-                <a:latin typeface="+mn-lt"/>
-                <a:ea typeface="+mn-ea"/>
-                <a:cs typeface="+mn-cs"/>
-              </a:defRPr>
-            </a:lvl8pPr>
-            <a:lvl9pPr marL="2914650" indent="-171450" algn="l" defTabSz="685800" rtl="0" eaLnBrk="1" latinLnBrk="0" hangingPunct="1">
-              <a:lnSpc>
-                <a:spcPct val="120000"/>
-              </a:lnSpc>
-              <a:spcBef>
-                <a:spcPts val="375"/>
-              </a:spcBef>
-              <a:buSzPct val="125000"/>
-              <a:buFont typeface="Arial" panose="020B0604020202020204" pitchFamily="34" charset="0"/>
-              <a:buChar char="•"/>
-              <a:defRPr sz="1050" kern="1200">
-                <a:solidFill>
-                  <a:schemeClr val="tx1"/>
-                </a:solidFill>
-                <a:latin typeface="+mn-lt"/>
-                <a:ea typeface="+mn-ea"/>
-                <a:cs typeface="+mn-cs"/>
-              </a:defRPr>
-            </a:lvl9pPr>
-          </a:lstStyle>
-          <a:p>
-            <a:pPr lvl="0"/>
-            <a:r>
-              <a:rPr lang="en-US" b="1" dirty="0"/>
-              <a:t>Catastrophic (</a:t>
-            </a:r>
-            <a:r>
-              <a:rPr lang="en-US" b="1" dirty="0" err="1"/>
-              <a:t>luar</a:t>
-            </a:r>
-            <a:r>
-              <a:rPr lang="en-US" b="1" dirty="0"/>
-              <a:t> </a:t>
-            </a:r>
-            <a:r>
-              <a:rPr lang="en-US" b="1" dirty="0" err="1"/>
-              <a:t>biasa</a:t>
-            </a:r>
-            <a:r>
-              <a:rPr lang="en-US" b="1" dirty="0"/>
-              <a:t>), </a:t>
-            </a:r>
-            <a:r>
-              <a:rPr lang="en-US" b="1" dirty="0" err="1"/>
-              <a:t>contoh</a:t>
-            </a:r>
-            <a:r>
-              <a:rPr lang="en-US" b="1" dirty="0"/>
-              <a:t> : </a:t>
-            </a:r>
-            <a:r>
-              <a:rPr lang="en-US" dirty="0" err="1"/>
-              <a:t>penurunan</a:t>
-            </a:r>
-            <a:r>
-              <a:rPr lang="en-US" dirty="0"/>
-              <a:t> </a:t>
-            </a:r>
-            <a:r>
-              <a:rPr lang="en-US" dirty="0" err="1"/>
-              <a:t>kualitas</a:t>
-            </a:r>
-            <a:r>
-              <a:rPr lang="en-US" dirty="0"/>
-              <a:t> yang </a:t>
-            </a:r>
-            <a:r>
-              <a:rPr lang="en-US" dirty="0" err="1"/>
-              <a:t>luar</a:t>
-            </a:r>
-            <a:r>
-              <a:rPr lang="en-US" dirty="0"/>
-              <a:t> </a:t>
-            </a:r>
-            <a:r>
-              <a:rPr lang="en-US" dirty="0" err="1"/>
-              <a:t>biasa</a:t>
-            </a:r>
-            <a:r>
-              <a:rPr lang="en-US" dirty="0"/>
-              <a:t>, </a:t>
-            </a:r>
-            <a:r>
-              <a:rPr lang="en-US" dirty="0" err="1"/>
-              <a:t>biaya</a:t>
-            </a:r>
-            <a:r>
-              <a:rPr lang="en-US" dirty="0"/>
-              <a:t> yang </a:t>
-            </a:r>
-            <a:r>
-              <a:rPr lang="en-US" dirty="0" err="1"/>
-              <a:t>tidak</a:t>
-            </a:r>
-            <a:r>
-              <a:rPr lang="en-US" dirty="0"/>
-              <a:t> </a:t>
-            </a:r>
-            <a:r>
-              <a:rPr lang="en-US" dirty="0" err="1"/>
-              <a:t>terkontrol</a:t>
-            </a:r>
-            <a:r>
-              <a:rPr lang="en-US" dirty="0"/>
-              <a:t>.</a:t>
-            </a:r>
-            <a:endParaRPr lang="id-ID" dirty="0"/>
-          </a:p>
-          <a:p>
-            <a:pPr lvl="0"/>
-            <a:r>
-              <a:rPr lang="en-US" b="1" dirty="0"/>
-              <a:t>Critical (</a:t>
-            </a:r>
-            <a:r>
-              <a:rPr lang="en-US" b="1" dirty="0" err="1"/>
-              <a:t>kritis</a:t>
-            </a:r>
-            <a:r>
-              <a:rPr lang="en-US" b="1" dirty="0"/>
-              <a:t>), </a:t>
-            </a:r>
-            <a:r>
-              <a:rPr lang="en-US" b="1" dirty="0" err="1"/>
-              <a:t>contoh</a:t>
-            </a:r>
-            <a:r>
-              <a:rPr lang="en-US" b="1" dirty="0"/>
-              <a:t> : </a:t>
-            </a:r>
-            <a:r>
-              <a:rPr lang="en-US" dirty="0" err="1"/>
-              <a:t>tidak</a:t>
-            </a:r>
-            <a:r>
-              <a:rPr lang="en-US" dirty="0"/>
-              <a:t> </a:t>
-            </a:r>
-            <a:r>
-              <a:rPr lang="en-US" dirty="0" err="1"/>
-              <a:t>tepat</a:t>
-            </a:r>
-            <a:r>
-              <a:rPr lang="en-US" dirty="0"/>
-              <a:t> </a:t>
-            </a:r>
-            <a:r>
-              <a:rPr lang="en-US" dirty="0" err="1"/>
-              <a:t>waktu</a:t>
-            </a:r>
-            <a:r>
-              <a:rPr lang="en-US" dirty="0"/>
-              <a:t>, </a:t>
-            </a:r>
-            <a:r>
-              <a:rPr lang="en-US" dirty="0" err="1"/>
-              <a:t>biaya</a:t>
-            </a:r>
-            <a:r>
-              <a:rPr lang="en-US" dirty="0"/>
-              <a:t> </a:t>
-            </a:r>
-            <a:r>
-              <a:rPr lang="en-US" dirty="0" err="1"/>
-              <a:t>diluar</a:t>
-            </a:r>
-            <a:r>
-              <a:rPr lang="en-US" dirty="0"/>
-              <a:t> </a:t>
-            </a:r>
-            <a:r>
-              <a:rPr lang="en-US" dirty="0" err="1"/>
-              <a:t>perkiraan</a:t>
-            </a:r>
-            <a:r>
-              <a:rPr lang="en-US" dirty="0"/>
-              <a:t>.</a:t>
-            </a:r>
-            <a:endParaRPr lang="id-ID" dirty="0"/>
-          </a:p>
-          <a:p>
-            <a:pPr lvl="0"/>
-            <a:r>
-              <a:rPr lang="en-US" b="1" dirty="0"/>
-              <a:t>Marginal (</a:t>
-            </a:r>
-            <a:r>
-              <a:rPr lang="en-US" b="1" dirty="0" err="1"/>
-              <a:t>ringan</a:t>
-            </a:r>
-            <a:r>
-              <a:rPr lang="en-US" b="1" dirty="0"/>
-              <a:t>), </a:t>
-            </a:r>
-            <a:r>
-              <a:rPr lang="en-US" b="1" dirty="0" err="1"/>
-              <a:t>contoh</a:t>
-            </a:r>
-            <a:r>
-              <a:rPr lang="en-US" b="1" dirty="0"/>
-              <a:t> : </a:t>
-            </a:r>
-            <a:r>
-              <a:rPr lang="en-US" dirty="0" err="1"/>
-              <a:t>penjadwalan</a:t>
-            </a:r>
-            <a:r>
-              <a:rPr lang="en-US" dirty="0"/>
-              <a:t> yang </a:t>
-            </a:r>
-            <a:r>
-              <a:rPr lang="en-US" dirty="0" err="1"/>
-              <a:t>terlambat</a:t>
-            </a:r>
-            <a:endParaRPr lang="id-ID" dirty="0"/>
-          </a:p>
-          <a:p>
-            <a:pPr lvl="0"/>
-            <a:r>
-              <a:rPr lang="en-US" b="1" dirty="0"/>
-              <a:t>Negligible (</a:t>
-            </a:r>
-            <a:r>
-              <a:rPr lang="en-US" b="1" dirty="0" err="1"/>
-              <a:t>tidak</a:t>
-            </a:r>
-            <a:r>
-              <a:rPr lang="en-US" b="1" dirty="0"/>
-              <a:t> </a:t>
-            </a:r>
-            <a:r>
-              <a:rPr lang="en-US" b="1" dirty="0" err="1"/>
-              <a:t>berarti</a:t>
-            </a:r>
-            <a:r>
-              <a:rPr lang="en-US" b="1" dirty="0"/>
-              <a:t>), </a:t>
-            </a:r>
-            <a:r>
-              <a:rPr lang="en-US" b="1" dirty="0" err="1"/>
-              <a:t>contoh</a:t>
-            </a:r>
-            <a:r>
-              <a:rPr lang="en-US" b="1" dirty="0"/>
-              <a:t> : </a:t>
-            </a:r>
-            <a:r>
-              <a:rPr lang="en-US" dirty="0"/>
-              <a:t> </a:t>
-            </a:r>
-            <a:r>
-              <a:rPr lang="en-US" dirty="0" err="1"/>
-              <a:t>penggunaan</a:t>
-            </a:r>
-            <a:r>
-              <a:rPr lang="en-US" dirty="0"/>
-              <a:t> </a:t>
-            </a:r>
-            <a:r>
-              <a:rPr lang="en-US" dirty="0" err="1"/>
-              <a:t>waktu</a:t>
-            </a:r>
-            <a:r>
-              <a:rPr lang="en-US" dirty="0"/>
-              <a:t> </a:t>
-            </a:r>
-            <a:r>
-              <a:rPr lang="en-US" dirty="0" err="1"/>
-              <a:t>proyek</a:t>
-            </a:r>
-            <a:r>
-              <a:rPr lang="en-US" dirty="0"/>
-              <a:t> yang </a:t>
-            </a:r>
-            <a:r>
-              <a:rPr lang="en-US" dirty="0" err="1"/>
-              <a:t>tidak</a:t>
-            </a:r>
-            <a:r>
-              <a:rPr lang="en-US" dirty="0"/>
-              <a:t> optimal.</a:t>
-            </a:r>
-            <a:endParaRPr lang="id-ID" dirty="0"/>
-          </a:p>
-          <a:p>
-            <a:endParaRPr lang="id-ID" b="1" dirty="0" smtClean="0"/>
-          </a:p>
-        </p:txBody>
-      </p:sp>
+        </p:nvGraphicFramePr>
+        <p:xfrm>
+          <a:off x="1219201" y="1119609"/>
+          <a:ext cx="6400800" cy="3970692"/>
+        </p:xfrm>
+        <a:graphic>
+          <a:graphicData uri="http://schemas.openxmlformats.org/drawingml/2006/table">
+            <a:tbl>
+              <a:tblPr firstRow="1" firstCol="1" bandRow="1">
+                <a:tableStyleId>{5C22544A-7EE6-4342-B048-85BDC9FD1C3A}</a:tableStyleId>
+              </a:tblPr>
+              <a:tblGrid>
+                <a:gridCol w="457199"/>
+                <a:gridCol w="1371600"/>
+                <a:gridCol w="3200401"/>
+                <a:gridCol w="1371600"/>
+              </a:tblGrid>
+              <a:tr h="381366">
+                <a:tc gridSpan="3">
+                  <a:txBody>
+                    <a:bodyPr/>
+                    <a:lstStyle/>
+                    <a:p>
+                      <a:pPr marL="0" marR="0" algn="ctr">
+                        <a:lnSpc>
+                          <a:spcPct val="115000"/>
+                        </a:lnSpc>
+                        <a:spcBef>
+                          <a:spcPts val="0"/>
+                        </a:spcBef>
+                        <a:spcAft>
+                          <a:spcPts val="0"/>
+                        </a:spcAft>
+                      </a:pPr>
+                      <a:r>
+                        <a:rPr lang="en-US" sz="1200" dirty="0">
+                          <a:effectLst/>
+                        </a:rPr>
+                        <a:t>DAFTAR AKTIVITAS YANG HARUS DILAKUKAN</a:t>
+                      </a:r>
+                      <a:endParaRPr lang="en-US" sz="1200" dirty="0">
+                        <a:effectLst/>
+                        <a:latin typeface="Calibri"/>
+                        <a:ea typeface="Calibri"/>
+                        <a:cs typeface="SimSun"/>
+                      </a:endParaRPr>
+                    </a:p>
+                  </a:txBody>
+                  <a:tcPr marL="19468" marR="19468" marT="0" marB="0" anchor="b"/>
+                </a:tc>
+                <a:tc hMerge="1">
+                  <a:txBody>
+                    <a:bodyPr/>
+                    <a:lstStyle/>
+                    <a:p>
+                      <a:endParaRPr lang="en-US"/>
+                    </a:p>
+                  </a:txBody>
+                  <a:tcPr/>
+                </a:tc>
+                <a:tc hMerge="1">
+                  <a:txBody>
+                    <a:bodyPr/>
+                    <a:lstStyle/>
+                    <a:p>
+                      <a:endParaRPr lang="en-US"/>
+                    </a:p>
+                  </a:txBody>
+                  <a:tcPr/>
+                </a:tc>
+                <a:tc>
+                  <a:txBody>
+                    <a:bodyPr/>
+                    <a:lstStyle/>
+                    <a:p>
+                      <a:pPr marL="0" marR="0" algn="ctr">
+                        <a:lnSpc>
+                          <a:spcPct val="115000"/>
+                        </a:lnSpc>
+                        <a:spcBef>
+                          <a:spcPts val="0"/>
+                        </a:spcBef>
+                        <a:spcAft>
+                          <a:spcPts val="0"/>
+                        </a:spcAft>
+                      </a:pPr>
+                      <a:r>
+                        <a:rPr lang="en-US" sz="1200" dirty="0" err="1">
+                          <a:effectLst/>
+                        </a:rPr>
+                        <a:t>Durasi</a:t>
+                      </a:r>
+                      <a:r>
+                        <a:rPr lang="en-US" sz="1200" dirty="0">
+                          <a:effectLst/>
+                        </a:rPr>
+                        <a:t>(Hari)</a:t>
+                      </a:r>
+                      <a:endParaRPr lang="en-US" sz="1200" dirty="0">
+                        <a:effectLst/>
+                        <a:latin typeface="Calibri"/>
+                        <a:ea typeface="Calibri"/>
+                        <a:cs typeface="SimSun"/>
+                      </a:endParaRPr>
+                    </a:p>
+                  </a:txBody>
+                  <a:tcPr marL="19468" marR="19468" marT="0" marB="0" anchor="b"/>
+                </a:tc>
+              </a:tr>
+              <a:tr h="381366">
+                <a:tc rowSpan="4">
+                  <a:txBody>
+                    <a:bodyPr/>
+                    <a:lstStyle/>
+                    <a:p>
+                      <a:pPr marL="0" marR="0" algn="ctr">
+                        <a:lnSpc>
+                          <a:spcPct val="115000"/>
+                        </a:lnSpc>
+                        <a:spcBef>
+                          <a:spcPts val="0"/>
+                        </a:spcBef>
+                        <a:spcAft>
+                          <a:spcPts val="0"/>
+                        </a:spcAft>
+                      </a:pPr>
+                      <a:r>
+                        <a:rPr lang="en-US" sz="1200">
+                          <a:effectLst/>
+                        </a:rPr>
+                        <a:t>1</a:t>
+                      </a:r>
+                      <a:endParaRPr lang="en-US" sz="1200">
+                        <a:effectLst/>
+                        <a:latin typeface="Calibri"/>
+                        <a:ea typeface="Calibri"/>
+                        <a:cs typeface="SimSun"/>
+                      </a:endParaRPr>
+                    </a:p>
+                  </a:txBody>
+                  <a:tcPr marL="19468" marR="19468" marT="0" marB="0" anchor="ctr"/>
+                </a:tc>
+                <a:tc rowSpan="4">
+                  <a:txBody>
+                    <a:bodyPr/>
+                    <a:lstStyle/>
+                    <a:p>
+                      <a:pPr marL="0" marR="0" algn="ctr">
+                        <a:lnSpc>
+                          <a:spcPct val="115000"/>
+                        </a:lnSpc>
+                        <a:spcBef>
+                          <a:spcPts val="0"/>
+                        </a:spcBef>
+                        <a:spcAft>
+                          <a:spcPts val="0"/>
+                        </a:spcAft>
+                      </a:pPr>
+                      <a:r>
+                        <a:rPr lang="en-US" sz="1200">
+                          <a:effectLst/>
+                        </a:rPr>
+                        <a:t>Analisis Sistem</a:t>
+                      </a:r>
+                      <a:endParaRPr lang="en-US" sz="1200">
+                        <a:effectLst/>
+                        <a:latin typeface="Calibri"/>
+                        <a:ea typeface="Calibri"/>
+                        <a:cs typeface="SimSun"/>
+                      </a:endParaRPr>
+                    </a:p>
+                  </a:txBody>
+                  <a:tcPr marL="19468" marR="19468" marT="0" marB="0" anchor="ctr"/>
+                </a:tc>
+                <a:tc>
+                  <a:txBody>
+                    <a:bodyPr/>
+                    <a:lstStyle/>
+                    <a:p>
+                      <a:pPr marL="0" marR="0">
+                        <a:lnSpc>
+                          <a:spcPct val="115000"/>
+                        </a:lnSpc>
+                        <a:spcBef>
+                          <a:spcPts val="0"/>
+                        </a:spcBef>
+                        <a:spcAft>
+                          <a:spcPts val="0"/>
+                        </a:spcAft>
+                      </a:pPr>
+                      <a:r>
+                        <a:rPr lang="en-US" sz="1200">
+                          <a:effectLst/>
+                        </a:rPr>
+                        <a:t>Melakukan wawancara kebutuhan ke pihak client</a:t>
+                      </a:r>
+                      <a:endParaRPr lang="en-US" sz="1200">
+                        <a:effectLst/>
+                        <a:latin typeface="Calibri"/>
+                        <a:ea typeface="Calibri"/>
+                        <a:cs typeface="SimSun"/>
+                      </a:endParaRPr>
+                    </a:p>
+                  </a:txBody>
+                  <a:tcPr marL="19468" marR="19468" marT="0" marB="0" anchor="b"/>
+                </a:tc>
+                <a:tc>
+                  <a:txBody>
+                    <a:bodyPr/>
+                    <a:lstStyle/>
+                    <a:p>
+                      <a:pPr marL="0" marR="0" algn="ctr">
+                        <a:lnSpc>
+                          <a:spcPct val="115000"/>
+                        </a:lnSpc>
+                        <a:spcBef>
+                          <a:spcPts val="0"/>
+                        </a:spcBef>
+                        <a:spcAft>
+                          <a:spcPts val="0"/>
+                        </a:spcAft>
+                      </a:pPr>
+                      <a:r>
+                        <a:rPr lang="en-US" sz="1200">
+                          <a:effectLst/>
+                        </a:rPr>
+                        <a:t>2</a:t>
+                      </a:r>
+                      <a:endParaRPr lang="en-US" sz="1200">
+                        <a:effectLst/>
+                        <a:latin typeface="Calibri"/>
+                        <a:ea typeface="Calibri"/>
+                        <a:cs typeface="SimSun"/>
+                      </a:endParaRPr>
+                    </a:p>
+                  </a:txBody>
+                  <a:tcPr marL="19468" marR="19468" marT="0" marB="0" anchor="ctr"/>
+                </a:tc>
+              </a:tr>
+              <a:tr h="190683">
+                <a:tc vMerge="1">
+                  <a:txBody>
+                    <a:bodyPr/>
+                    <a:lstStyle/>
+                    <a:p>
+                      <a:endParaRPr lang="en-US"/>
+                    </a:p>
+                  </a:txBody>
+                  <a:tcPr/>
+                </a:tc>
+                <a:tc vMerge="1">
+                  <a:txBody>
+                    <a:bodyPr/>
+                    <a:lstStyle/>
+                    <a:p>
+                      <a:endParaRPr lang="en-US"/>
+                    </a:p>
+                  </a:txBody>
+                  <a:tcPr/>
+                </a:tc>
+                <a:tc>
+                  <a:txBody>
+                    <a:bodyPr/>
+                    <a:lstStyle/>
+                    <a:p>
+                      <a:pPr marL="0" marR="0">
+                        <a:lnSpc>
+                          <a:spcPct val="115000"/>
+                        </a:lnSpc>
+                        <a:spcBef>
+                          <a:spcPts val="0"/>
+                        </a:spcBef>
+                        <a:spcAft>
+                          <a:spcPts val="0"/>
+                        </a:spcAft>
+                      </a:pPr>
+                      <a:r>
+                        <a:rPr lang="en-US" sz="1200">
+                          <a:effectLst/>
+                        </a:rPr>
+                        <a:t>Membuat diagram</a:t>
+                      </a:r>
+                      <a:endParaRPr lang="en-US" sz="1200">
+                        <a:effectLst/>
+                        <a:latin typeface="Calibri"/>
+                        <a:ea typeface="Calibri"/>
+                        <a:cs typeface="SimSun"/>
+                      </a:endParaRPr>
+                    </a:p>
+                  </a:txBody>
+                  <a:tcPr marL="19468" marR="19468" marT="0" marB="0" anchor="b"/>
+                </a:tc>
+                <a:tc>
+                  <a:txBody>
+                    <a:bodyPr/>
+                    <a:lstStyle/>
+                    <a:p>
+                      <a:pPr marL="0" marR="0" algn="ctr">
+                        <a:lnSpc>
+                          <a:spcPct val="115000"/>
+                        </a:lnSpc>
+                        <a:spcBef>
+                          <a:spcPts val="0"/>
+                        </a:spcBef>
+                        <a:spcAft>
+                          <a:spcPts val="0"/>
+                        </a:spcAft>
+                      </a:pPr>
+                      <a:r>
+                        <a:rPr lang="en-US" sz="1200">
+                          <a:effectLst/>
+                        </a:rPr>
+                        <a:t>3</a:t>
+                      </a:r>
+                      <a:endParaRPr lang="en-US" sz="1200">
+                        <a:effectLst/>
+                        <a:latin typeface="Calibri"/>
+                        <a:ea typeface="Calibri"/>
+                        <a:cs typeface="SimSun"/>
+                      </a:endParaRPr>
+                    </a:p>
+                  </a:txBody>
+                  <a:tcPr marL="19468" marR="19468" marT="0" marB="0" anchor="ctr"/>
+                </a:tc>
+              </a:tr>
+              <a:tr h="190683">
+                <a:tc vMerge="1">
+                  <a:txBody>
+                    <a:bodyPr/>
+                    <a:lstStyle/>
+                    <a:p>
+                      <a:endParaRPr lang="en-US"/>
+                    </a:p>
+                  </a:txBody>
+                  <a:tcPr/>
+                </a:tc>
+                <a:tc vMerge="1">
+                  <a:txBody>
+                    <a:bodyPr/>
+                    <a:lstStyle/>
+                    <a:p>
+                      <a:endParaRPr lang="en-US"/>
+                    </a:p>
+                  </a:txBody>
+                  <a:tcPr/>
+                </a:tc>
+                <a:tc>
+                  <a:txBody>
+                    <a:bodyPr/>
+                    <a:lstStyle/>
+                    <a:p>
+                      <a:pPr marL="0" marR="0">
+                        <a:lnSpc>
+                          <a:spcPct val="115000"/>
+                        </a:lnSpc>
+                        <a:spcBef>
+                          <a:spcPts val="0"/>
+                        </a:spcBef>
+                        <a:spcAft>
+                          <a:spcPts val="0"/>
+                        </a:spcAft>
+                      </a:pPr>
+                      <a:r>
+                        <a:rPr lang="en-US" sz="1200">
+                          <a:effectLst/>
+                        </a:rPr>
+                        <a:t>Membuat desain database</a:t>
+                      </a:r>
+                      <a:endParaRPr lang="en-US" sz="1200">
+                        <a:effectLst/>
+                        <a:latin typeface="Calibri"/>
+                        <a:ea typeface="Calibri"/>
+                        <a:cs typeface="SimSun"/>
+                      </a:endParaRPr>
+                    </a:p>
+                  </a:txBody>
+                  <a:tcPr marL="19468" marR="19468" marT="0" marB="0" anchor="b"/>
+                </a:tc>
+                <a:tc>
+                  <a:txBody>
+                    <a:bodyPr/>
+                    <a:lstStyle/>
+                    <a:p>
+                      <a:pPr marL="0" marR="0" algn="ctr">
+                        <a:lnSpc>
+                          <a:spcPct val="115000"/>
+                        </a:lnSpc>
+                        <a:spcBef>
+                          <a:spcPts val="0"/>
+                        </a:spcBef>
+                        <a:spcAft>
+                          <a:spcPts val="0"/>
+                        </a:spcAft>
+                      </a:pPr>
+                      <a:r>
+                        <a:rPr lang="en-US" sz="1200">
+                          <a:effectLst/>
+                        </a:rPr>
+                        <a:t>5</a:t>
+                      </a:r>
+                      <a:endParaRPr lang="en-US" sz="1200">
+                        <a:effectLst/>
+                        <a:latin typeface="Calibri"/>
+                        <a:ea typeface="Calibri"/>
+                        <a:cs typeface="SimSun"/>
+                      </a:endParaRPr>
+                    </a:p>
+                  </a:txBody>
+                  <a:tcPr marL="19468" marR="19468" marT="0" marB="0" anchor="ctr"/>
+                </a:tc>
+              </a:tr>
+              <a:tr h="381366">
+                <a:tc vMerge="1">
+                  <a:txBody>
+                    <a:bodyPr/>
+                    <a:lstStyle/>
+                    <a:p>
+                      <a:endParaRPr lang="en-US"/>
+                    </a:p>
+                  </a:txBody>
+                  <a:tcPr/>
+                </a:tc>
+                <a:tc vMerge="1">
+                  <a:txBody>
+                    <a:bodyPr/>
+                    <a:lstStyle/>
+                    <a:p>
+                      <a:endParaRPr lang="en-US"/>
+                    </a:p>
+                  </a:txBody>
+                  <a:tcPr/>
+                </a:tc>
+                <a:tc>
+                  <a:txBody>
+                    <a:bodyPr/>
+                    <a:lstStyle/>
+                    <a:p>
+                      <a:pPr marL="0" marR="0">
+                        <a:lnSpc>
+                          <a:spcPct val="115000"/>
+                        </a:lnSpc>
+                        <a:spcBef>
+                          <a:spcPts val="0"/>
+                        </a:spcBef>
+                        <a:spcAft>
+                          <a:spcPts val="0"/>
+                        </a:spcAft>
+                      </a:pPr>
+                      <a:r>
+                        <a:rPr lang="en-US" sz="1200">
+                          <a:effectLst/>
+                        </a:rPr>
+                        <a:t>Dokumentasi kebutuhan dan desain sistem</a:t>
+                      </a:r>
+                      <a:endParaRPr lang="en-US" sz="1200">
+                        <a:effectLst/>
+                        <a:latin typeface="Calibri"/>
+                        <a:ea typeface="Calibri"/>
+                        <a:cs typeface="SimSun"/>
+                      </a:endParaRPr>
+                    </a:p>
+                  </a:txBody>
+                  <a:tcPr marL="19468" marR="19468" marT="0" marB="0" anchor="b"/>
+                </a:tc>
+                <a:tc>
+                  <a:txBody>
+                    <a:bodyPr/>
+                    <a:lstStyle/>
+                    <a:p>
+                      <a:pPr marL="0" marR="0" algn="ctr">
+                        <a:lnSpc>
+                          <a:spcPct val="115000"/>
+                        </a:lnSpc>
+                        <a:spcBef>
+                          <a:spcPts val="0"/>
+                        </a:spcBef>
+                        <a:spcAft>
+                          <a:spcPts val="0"/>
+                        </a:spcAft>
+                      </a:pPr>
+                      <a:r>
+                        <a:rPr lang="en-US" sz="1200">
+                          <a:effectLst/>
+                        </a:rPr>
+                        <a:t>2</a:t>
+                      </a:r>
+                      <a:endParaRPr lang="en-US" sz="1200">
+                        <a:effectLst/>
+                        <a:latin typeface="Calibri"/>
+                        <a:ea typeface="Calibri"/>
+                        <a:cs typeface="SimSun"/>
+                      </a:endParaRPr>
+                    </a:p>
+                  </a:txBody>
+                  <a:tcPr marL="19468" marR="19468" marT="0" marB="0" anchor="ctr"/>
+                </a:tc>
+              </a:tr>
+              <a:tr h="190683">
+                <a:tc rowSpan="2">
+                  <a:txBody>
+                    <a:bodyPr/>
+                    <a:lstStyle/>
+                    <a:p>
+                      <a:pPr marL="0" marR="0" algn="ctr">
+                        <a:lnSpc>
+                          <a:spcPct val="115000"/>
+                        </a:lnSpc>
+                        <a:spcBef>
+                          <a:spcPts val="0"/>
+                        </a:spcBef>
+                        <a:spcAft>
+                          <a:spcPts val="0"/>
+                        </a:spcAft>
+                      </a:pPr>
+                      <a:r>
+                        <a:rPr lang="en-US" sz="1200">
+                          <a:effectLst/>
+                        </a:rPr>
+                        <a:t>2</a:t>
+                      </a:r>
+                      <a:endParaRPr lang="en-US" sz="1200">
+                        <a:effectLst/>
+                        <a:latin typeface="Calibri"/>
+                        <a:ea typeface="Calibri"/>
+                        <a:cs typeface="SimSun"/>
+                      </a:endParaRPr>
+                    </a:p>
+                  </a:txBody>
+                  <a:tcPr marL="19468" marR="19468" marT="0" marB="0" anchor="ctr"/>
+                </a:tc>
+                <a:tc rowSpan="2">
+                  <a:txBody>
+                    <a:bodyPr/>
+                    <a:lstStyle/>
+                    <a:p>
+                      <a:pPr marL="0" marR="0" algn="ctr">
+                        <a:lnSpc>
+                          <a:spcPct val="115000"/>
+                        </a:lnSpc>
+                        <a:spcBef>
+                          <a:spcPts val="0"/>
+                        </a:spcBef>
+                        <a:spcAft>
+                          <a:spcPts val="0"/>
+                        </a:spcAft>
+                      </a:pPr>
+                      <a:r>
+                        <a:rPr lang="en-US" sz="1200">
+                          <a:effectLst/>
+                        </a:rPr>
+                        <a:t>Desain Aplikasi</a:t>
+                      </a:r>
+                      <a:endParaRPr lang="en-US" sz="1200">
+                        <a:effectLst/>
+                        <a:latin typeface="Calibri"/>
+                        <a:ea typeface="Calibri"/>
+                        <a:cs typeface="SimSun"/>
+                      </a:endParaRPr>
+                    </a:p>
+                  </a:txBody>
+                  <a:tcPr marL="19468" marR="19468" marT="0" marB="0" anchor="ctr"/>
+                </a:tc>
+                <a:tc>
+                  <a:txBody>
+                    <a:bodyPr/>
+                    <a:lstStyle/>
+                    <a:p>
+                      <a:pPr marL="0" marR="0">
+                        <a:lnSpc>
+                          <a:spcPct val="115000"/>
+                        </a:lnSpc>
+                        <a:spcBef>
+                          <a:spcPts val="0"/>
+                        </a:spcBef>
+                        <a:spcAft>
+                          <a:spcPts val="0"/>
+                        </a:spcAft>
+                      </a:pPr>
+                      <a:r>
+                        <a:rPr lang="en-US" sz="1200">
+                          <a:effectLst/>
+                        </a:rPr>
+                        <a:t>Membuat Desain Aplikasi</a:t>
+                      </a:r>
+                      <a:endParaRPr lang="en-US" sz="1200">
+                        <a:effectLst/>
+                        <a:latin typeface="Calibri"/>
+                        <a:ea typeface="Calibri"/>
+                        <a:cs typeface="SimSun"/>
+                      </a:endParaRPr>
+                    </a:p>
+                  </a:txBody>
+                  <a:tcPr marL="19468" marR="19468" marT="0" marB="0" anchor="b"/>
+                </a:tc>
+                <a:tc>
+                  <a:txBody>
+                    <a:bodyPr/>
+                    <a:lstStyle/>
+                    <a:p>
+                      <a:pPr marL="0" marR="0" algn="ctr">
+                        <a:lnSpc>
+                          <a:spcPct val="115000"/>
+                        </a:lnSpc>
+                        <a:spcBef>
+                          <a:spcPts val="0"/>
+                        </a:spcBef>
+                        <a:spcAft>
+                          <a:spcPts val="0"/>
+                        </a:spcAft>
+                      </a:pPr>
+                      <a:r>
+                        <a:rPr lang="en-US" sz="1200">
+                          <a:effectLst/>
+                        </a:rPr>
+                        <a:t>10</a:t>
+                      </a:r>
+                      <a:endParaRPr lang="en-US" sz="1200">
+                        <a:effectLst/>
+                        <a:latin typeface="Calibri"/>
+                        <a:ea typeface="Calibri"/>
+                        <a:cs typeface="SimSun"/>
+                      </a:endParaRPr>
+                    </a:p>
+                  </a:txBody>
+                  <a:tcPr marL="19468" marR="19468" marT="0" marB="0" anchor="ctr"/>
+                </a:tc>
+              </a:tr>
+              <a:tr h="190683">
+                <a:tc vMerge="1">
+                  <a:txBody>
+                    <a:bodyPr/>
+                    <a:lstStyle/>
+                    <a:p>
+                      <a:endParaRPr lang="en-US"/>
+                    </a:p>
+                  </a:txBody>
+                  <a:tcPr/>
+                </a:tc>
+                <a:tc vMerge="1">
+                  <a:txBody>
+                    <a:bodyPr/>
+                    <a:lstStyle/>
+                    <a:p>
+                      <a:endParaRPr lang="en-US"/>
+                    </a:p>
+                  </a:txBody>
+                  <a:tcPr/>
+                </a:tc>
+                <a:tc>
+                  <a:txBody>
+                    <a:bodyPr/>
+                    <a:lstStyle/>
+                    <a:p>
+                      <a:pPr marL="0" marR="0">
+                        <a:lnSpc>
+                          <a:spcPct val="115000"/>
+                        </a:lnSpc>
+                        <a:spcBef>
+                          <a:spcPts val="0"/>
+                        </a:spcBef>
+                        <a:spcAft>
+                          <a:spcPts val="0"/>
+                        </a:spcAft>
+                      </a:pPr>
+                      <a:r>
+                        <a:rPr lang="en-US" sz="1200">
+                          <a:effectLst/>
+                        </a:rPr>
+                        <a:t>Dokumentasi Desain Aplikasi</a:t>
+                      </a:r>
+                      <a:endParaRPr lang="en-US" sz="1200">
+                        <a:effectLst/>
+                        <a:latin typeface="Calibri"/>
+                        <a:ea typeface="Calibri"/>
+                        <a:cs typeface="SimSun"/>
+                      </a:endParaRPr>
+                    </a:p>
+                  </a:txBody>
+                  <a:tcPr marL="19468" marR="19468" marT="0" marB="0" anchor="b"/>
+                </a:tc>
+                <a:tc>
+                  <a:txBody>
+                    <a:bodyPr/>
+                    <a:lstStyle/>
+                    <a:p>
+                      <a:pPr marL="0" marR="0" algn="ctr">
+                        <a:lnSpc>
+                          <a:spcPct val="115000"/>
+                        </a:lnSpc>
+                        <a:spcBef>
+                          <a:spcPts val="0"/>
+                        </a:spcBef>
+                        <a:spcAft>
+                          <a:spcPts val="0"/>
+                        </a:spcAft>
+                      </a:pPr>
+                      <a:r>
+                        <a:rPr lang="en-US" sz="1200">
+                          <a:effectLst/>
+                        </a:rPr>
+                        <a:t>2</a:t>
+                      </a:r>
+                      <a:endParaRPr lang="en-US" sz="1200">
+                        <a:effectLst/>
+                        <a:latin typeface="Calibri"/>
+                        <a:ea typeface="Calibri"/>
+                        <a:cs typeface="SimSun"/>
+                      </a:endParaRPr>
+                    </a:p>
+                  </a:txBody>
+                  <a:tcPr marL="19468" marR="19468" marT="0" marB="0" anchor="ctr"/>
+                </a:tc>
+              </a:tr>
+              <a:tr h="190683">
+                <a:tc rowSpan="2">
+                  <a:txBody>
+                    <a:bodyPr/>
+                    <a:lstStyle/>
+                    <a:p>
+                      <a:pPr marL="0" marR="0" algn="ctr">
+                        <a:lnSpc>
+                          <a:spcPct val="115000"/>
+                        </a:lnSpc>
+                        <a:spcBef>
+                          <a:spcPts val="0"/>
+                        </a:spcBef>
+                        <a:spcAft>
+                          <a:spcPts val="0"/>
+                        </a:spcAft>
+                      </a:pPr>
+                      <a:r>
+                        <a:rPr lang="en-US" sz="1200">
+                          <a:effectLst/>
+                        </a:rPr>
+                        <a:t>3</a:t>
+                      </a:r>
+                      <a:endParaRPr lang="en-US" sz="1200">
+                        <a:effectLst/>
+                        <a:latin typeface="Calibri"/>
+                        <a:ea typeface="Calibri"/>
+                        <a:cs typeface="SimSun"/>
+                      </a:endParaRPr>
+                    </a:p>
+                  </a:txBody>
+                  <a:tcPr marL="19468" marR="19468" marT="0" marB="0" anchor="ctr"/>
+                </a:tc>
+                <a:tc rowSpan="2">
+                  <a:txBody>
+                    <a:bodyPr/>
+                    <a:lstStyle/>
+                    <a:p>
+                      <a:pPr marL="0" marR="0" algn="ctr">
+                        <a:lnSpc>
+                          <a:spcPct val="115000"/>
+                        </a:lnSpc>
+                        <a:spcBef>
+                          <a:spcPts val="0"/>
+                        </a:spcBef>
+                        <a:spcAft>
+                          <a:spcPts val="0"/>
+                        </a:spcAft>
+                      </a:pPr>
+                      <a:r>
+                        <a:rPr lang="en-US" sz="1200">
+                          <a:effectLst/>
+                        </a:rPr>
+                        <a:t>Implementasi</a:t>
+                      </a:r>
+                      <a:endParaRPr lang="en-US" sz="1200">
+                        <a:effectLst/>
+                        <a:latin typeface="Calibri"/>
+                        <a:ea typeface="Calibri"/>
+                        <a:cs typeface="SimSun"/>
+                      </a:endParaRPr>
+                    </a:p>
+                  </a:txBody>
+                  <a:tcPr marL="19468" marR="19468" marT="0" marB="0" anchor="ctr"/>
+                </a:tc>
+                <a:tc>
+                  <a:txBody>
+                    <a:bodyPr/>
+                    <a:lstStyle/>
+                    <a:p>
+                      <a:pPr marL="0" marR="0">
+                        <a:lnSpc>
+                          <a:spcPct val="115000"/>
+                        </a:lnSpc>
+                        <a:spcBef>
+                          <a:spcPts val="0"/>
+                        </a:spcBef>
+                        <a:spcAft>
+                          <a:spcPts val="0"/>
+                        </a:spcAft>
+                      </a:pPr>
+                      <a:r>
+                        <a:rPr lang="en-US" sz="1200">
+                          <a:effectLst/>
+                        </a:rPr>
+                        <a:t>Membuat Program Aplikasi</a:t>
+                      </a:r>
+                      <a:endParaRPr lang="en-US" sz="1200">
+                        <a:effectLst/>
+                        <a:latin typeface="Calibri"/>
+                        <a:ea typeface="Calibri"/>
+                        <a:cs typeface="SimSun"/>
+                      </a:endParaRPr>
+                    </a:p>
+                  </a:txBody>
+                  <a:tcPr marL="19468" marR="19468" marT="0" marB="0" anchor="b"/>
+                </a:tc>
+                <a:tc>
+                  <a:txBody>
+                    <a:bodyPr/>
+                    <a:lstStyle/>
+                    <a:p>
+                      <a:pPr marL="0" marR="0" algn="ctr">
+                        <a:lnSpc>
+                          <a:spcPct val="115000"/>
+                        </a:lnSpc>
+                        <a:spcBef>
+                          <a:spcPts val="0"/>
+                        </a:spcBef>
+                        <a:spcAft>
+                          <a:spcPts val="0"/>
+                        </a:spcAft>
+                      </a:pPr>
+                      <a:r>
+                        <a:rPr lang="en-US" sz="1200" dirty="0" smtClean="0">
+                          <a:effectLst/>
+                        </a:rPr>
+                        <a:t>15</a:t>
+                      </a:r>
+                      <a:endParaRPr lang="en-US" sz="1200" dirty="0">
+                        <a:effectLst/>
+                        <a:latin typeface="Calibri"/>
+                        <a:ea typeface="Calibri"/>
+                        <a:cs typeface="SimSun"/>
+                      </a:endParaRPr>
+                    </a:p>
+                  </a:txBody>
+                  <a:tcPr marL="19468" marR="19468" marT="0" marB="0" anchor="ctr"/>
+                </a:tc>
+              </a:tr>
+              <a:tr h="190683">
+                <a:tc vMerge="1">
+                  <a:txBody>
+                    <a:bodyPr/>
+                    <a:lstStyle/>
+                    <a:p>
+                      <a:endParaRPr lang="en-US"/>
+                    </a:p>
+                  </a:txBody>
+                  <a:tcPr/>
+                </a:tc>
+                <a:tc vMerge="1">
+                  <a:txBody>
+                    <a:bodyPr/>
+                    <a:lstStyle/>
+                    <a:p>
+                      <a:endParaRPr lang="en-US"/>
+                    </a:p>
+                  </a:txBody>
+                  <a:tcPr/>
+                </a:tc>
+                <a:tc>
+                  <a:txBody>
+                    <a:bodyPr/>
+                    <a:lstStyle/>
+                    <a:p>
+                      <a:pPr marL="0" marR="0">
+                        <a:lnSpc>
+                          <a:spcPct val="115000"/>
+                        </a:lnSpc>
+                        <a:spcBef>
+                          <a:spcPts val="0"/>
+                        </a:spcBef>
+                        <a:spcAft>
+                          <a:spcPts val="0"/>
+                        </a:spcAft>
+                      </a:pPr>
+                      <a:r>
+                        <a:rPr lang="en-US" sz="1200">
+                          <a:effectLst/>
+                        </a:rPr>
+                        <a:t>Dokumentasi Program Aplikasi</a:t>
+                      </a:r>
+                      <a:endParaRPr lang="en-US" sz="1200">
+                        <a:effectLst/>
+                        <a:latin typeface="Calibri"/>
+                        <a:ea typeface="Calibri"/>
+                        <a:cs typeface="SimSun"/>
+                      </a:endParaRPr>
+                    </a:p>
+                  </a:txBody>
+                  <a:tcPr marL="19468" marR="19468" marT="0" marB="0" anchor="b"/>
+                </a:tc>
+                <a:tc>
+                  <a:txBody>
+                    <a:bodyPr/>
+                    <a:lstStyle/>
+                    <a:p>
+                      <a:pPr marL="0" marR="0" algn="ctr">
+                        <a:lnSpc>
+                          <a:spcPct val="115000"/>
+                        </a:lnSpc>
+                        <a:spcBef>
+                          <a:spcPts val="0"/>
+                        </a:spcBef>
+                        <a:spcAft>
+                          <a:spcPts val="0"/>
+                        </a:spcAft>
+                      </a:pPr>
+                      <a:r>
+                        <a:rPr lang="en-US" sz="1200">
+                          <a:effectLst/>
+                        </a:rPr>
+                        <a:t>2</a:t>
+                      </a:r>
+                      <a:endParaRPr lang="en-US" sz="1200">
+                        <a:effectLst/>
+                        <a:latin typeface="Calibri"/>
+                        <a:ea typeface="Calibri"/>
+                        <a:cs typeface="SimSun"/>
+                      </a:endParaRPr>
+                    </a:p>
+                  </a:txBody>
+                  <a:tcPr marL="19468" marR="19468" marT="0" marB="0" anchor="ctr"/>
+                </a:tc>
+              </a:tr>
+              <a:tr h="381366">
+                <a:tc rowSpan="2">
+                  <a:txBody>
+                    <a:bodyPr/>
+                    <a:lstStyle/>
+                    <a:p>
+                      <a:pPr marL="0" marR="0" algn="ctr">
+                        <a:lnSpc>
+                          <a:spcPct val="115000"/>
+                        </a:lnSpc>
+                        <a:spcBef>
+                          <a:spcPts val="0"/>
+                        </a:spcBef>
+                        <a:spcAft>
+                          <a:spcPts val="0"/>
+                        </a:spcAft>
+                      </a:pPr>
+                      <a:r>
+                        <a:rPr lang="en-US" sz="1200">
+                          <a:effectLst/>
+                        </a:rPr>
+                        <a:t>4</a:t>
+                      </a:r>
+                      <a:endParaRPr lang="en-US" sz="1200">
+                        <a:effectLst/>
+                        <a:latin typeface="Calibri"/>
+                        <a:ea typeface="Calibri"/>
+                        <a:cs typeface="SimSun"/>
+                      </a:endParaRPr>
+                    </a:p>
+                  </a:txBody>
+                  <a:tcPr marL="19468" marR="19468" marT="0" marB="0" anchor="ctr"/>
+                </a:tc>
+                <a:tc rowSpan="2">
+                  <a:txBody>
+                    <a:bodyPr/>
+                    <a:lstStyle/>
+                    <a:p>
+                      <a:pPr marL="0" marR="0" algn="ctr">
+                        <a:lnSpc>
+                          <a:spcPct val="115000"/>
+                        </a:lnSpc>
+                        <a:spcBef>
+                          <a:spcPts val="0"/>
+                        </a:spcBef>
+                        <a:spcAft>
+                          <a:spcPts val="0"/>
+                        </a:spcAft>
+                      </a:pPr>
+                      <a:r>
+                        <a:rPr lang="en-US" sz="1200">
+                          <a:effectLst/>
+                        </a:rPr>
+                        <a:t>Testing</a:t>
+                      </a:r>
+                      <a:endParaRPr lang="en-US" sz="1200">
+                        <a:effectLst/>
+                        <a:latin typeface="Calibri"/>
+                        <a:ea typeface="Calibri"/>
+                        <a:cs typeface="SimSun"/>
+                      </a:endParaRPr>
+                    </a:p>
+                  </a:txBody>
+                  <a:tcPr marL="19468" marR="19468" marT="0" marB="0" anchor="ctr"/>
+                </a:tc>
+                <a:tc>
+                  <a:txBody>
+                    <a:bodyPr/>
+                    <a:lstStyle/>
+                    <a:p>
+                      <a:pPr marL="0" marR="0">
+                        <a:lnSpc>
+                          <a:spcPct val="115000"/>
+                        </a:lnSpc>
+                        <a:spcBef>
+                          <a:spcPts val="0"/>
+                        </a:spcBef>
+                        <a:spcAft>
+                          <a:spcPts val="0"/>
+                        </a:spcAft>
+                      </a:pPr>
+                      <a:r>
+                        <a:rPr lang="en-US" sz="1200">
+                          <a:effectLst/>
+                        </a:rPr>
+                        <a:t>Membuat List Testing Program &amp; melakukan testing</a:t>
+                      </a:r>
+                      <a:endParaRPr lang="en-US" sz="1200">
+                        <a:effectLst/>
+                        <a:latin typeface="Calibri"/>
+                        <a:ea typeface="Calibri"/>
+                        <a:cs typeface="SimSun"/>
+                      </a:endParaRPr>
+                    </a:p>
+                  </a:txBody>
+                  <a:tcPr marL="19468" marR="19468" marT="0" marB="0" anchor="b"/>
+                </a:tc>
+                <a:tc>
+                  <a:txBody>
+                    <a:bodyPr/>
+                    <a:lstStyle/>
+                    <a:p>
+                      <a:pPr marL="0" marR="0" algn="ctr">
+                        <a:lnSpc>
+                          <a:spcPct val="115000"/>
+                        </a:lnSpc>
+                        <a:spcBef>
+                          <a:spcPts val="0"/>
+                        </a:spcBef>
+                        <a:spcAft>
+                          <a:spcPts val="0"/>
+                        </a:spcAft>
+                      </a:pPr>
+                      <a:r>
+                        <a:rPr lang="en-US" sz="1200">
+                          <a:effectLst/>
+                        </a:rPr>
+                        <a:t>5</a:t>
+                      </a:r>
+                      <a:endParaRPr lang="en-US" sz="1200">
+                        <a:effectLst/>
+                        <a:latin typeface="Calibri"/>
+                        <a:ea typeface="Calibri"/>
+                        <a:cs typeface="SimSun"/>
+                      </a:endParaRPr>
+                    </a:p>
+                  </a:txBody>
+                  <a:tcPr marL="19468" marR="19468" marT="0" marB="0" anchor="ctr"/>
+                </a:tc>
+              </a:tr>
+              <a:tr h="381366">
+                <a:tc vMerge="1">
+                  <a:txBody>
+                    <a:bodyPr/>
+                    <a:lstStyle/>
+                    <a:p>
+                      <a:endParaRPr lang="en-US"/>
+                    </a:p>
+                  </a:txBody>
+                  <a:tcPr/>
+                </a:tc>
+                <a:tc vMerge="1">
+                  <a:txBody>
+                    <a:bodyPr/>
+                    <a:lstStyle/>
+                    <a:p>
+                      <a:endParaRPr lang="en-US"/>
+                    </a:p>
+                  </a:txBody>
+                  <a:tcPr/>
+                </a:tc>
+                <a:tc>
+                  <a:txBody>
+                    <a:bodyPr/>
+                    <a:lstStyle/>
+                    <a:p>
+                      <a:pPr marL="0" marR="0">
+                        <a:lnSpc>
+                          <a:spcPct val="115000"/>
+                        </a:lnSpc>
+                        <a:spcBef>
+                          <a:spcPts val="0"/>
+                        </a:spcBef>
+                        <a:spcAft>
+                          <a:spcPts val="0"/>
+                        </a:spcAft>
+                      </a:pPr>
+                      <a:r>
+                        <a:rPr lang="en-US" sz="1200">
+                          <a:effectLst/>
+                        </a:rPr>
+                        <a:t>Dokumentasi Testing Program &amp; Catatan Perbaikan</a:t>
+                      </a:r>
+                      <a:endParaRPr lang="en-US" sz="1200">
+                        <a:effectLst/>
+                        <a:latin typeface="Calibri"/>
+                        <a:ea typeface="Calibri"/>
+                        <a:cs typeface="SimSun"/>
+                      </a:endParaRPr>
+                    </a:p>
+                  </a:txBody>
+                  <a:tcPr marL="19468" marR="19468" marT="0" marB="0" anchor="b"/>
+                </a:tc>
+                <a:tc>
+                  <a:txBody>
+                    <a:bodyPr/>
+                    <a:lstStyle/>
+                    <a:p>
+                      <a:pPr marL="0" marR="0" algn="ctr">
+                        <a:lnSpc>
+                          <a:spcPct val="115000"/>
+                        </a:lnSpc>
+                        <a:spcBef>
+                          <a:spcPts val="0"/>
+                        </a:spcBef>
+                        <a:spcAft>
+                          <a:spcPts val="0"/>
+                        </a:spcAft>
+                      </a:pPr>
+                      <a:r>
+                        <a:rPr lang="en-US" sz="1200">
+                          <a:effectLst/>
+                        </a:rPr>
+                        <a:t>2</a:t>
+                      </a:r>
+                      <a:endParaRPr lang="en-US" sz="1200">
+                        <a:effectLst/>
+                        <a:latin typeface="Calibri"/>
+                        <a:ea typeface="Calibri"/>
+                        <a:cs typeface="SimSun"/>
+                      </a:endParaRPr>
+                    </a:p>
+                  </a:txBody>
+                  <a:tcPr marL="19468" marR="19468" marT="0" marB="0" anchor="ctr"/>
+                </a:tc>
+              </a:tr>
+              <a:tr h="190683">
+                <a:tc rowSpan="2">
+                  <a:txBody>
+                    <a:bodyPr/>
+                    <a:lstStyle/>
+                    <a:p>
+                      <a:pPr marL="0" marR="0" algn="ctr">
+                        <a:lnSpc>
+                          <a:spcPct val="115000"/>
+                        </a:lnSpc>
+                        <a:spcBef>
+                          <a:spcPts val="0"/>
+                        </a:spcBef>
+                        <a:spcAft>
+                          <a:spcPts val="0"/>
+                        </a:spcAft>
+                      </a:pPr>
+                      <a:r>
+                        <a:rPr lang="en-US" sz="1200">
+                          <a:effectLst/>
+                        </a:rPr>
+                        <a:t>5</a:t>
+                      </a:r>
+                      <a:endParaRPr lang="en-US" sz="1200">
+                        <a:effectLst/>
+                        <a:latin typeface="Calibri"/>
+                        <a:ea typeface="Calibri"/>
+                        <a:cs typeface="SimSun"/>
+                      </a:endParaRPr>
+                    </a:p>
+                  </a:txBody>
+                  <a:tcPr marL="19468" marR="19468" marT="0" marB="0" anchor="ctr"/>
+                </a:tc>
+                <a:tc rowSpan="2">
+                  <a:txBody>
+                    <a:bodyPr/>
+                    <a:lstStyle/>
+                    <a:p>
+                      <a:pPr marL="0" marR="0" algn="ctr">
+                        <a:lnSpc>
+                          <a:spcPct val="115000"/>
+                        </a:lnSpc>
+                        <a:spcBef>
+                          <a:spcPts val="0"/>
+                        </a:spcBef>
+                        <a:spcAft>
+                          <a:spcPts val="0"/>
+                        </a:spcAft>
+                      </a:pPr>
+                      <a:r>
+                        <a:rPr lang="en-US" sz="1200">
+                          <a:effectLst/>
+                        </a:rPr>
+                        <a:t>Instalasi</a:t>
+                      </a:r>
+                      <a:endParaRPr lang="en-US" sz="1200">
+                        <a:effectLst/>
+                        <a:latin typeface="Calibri"/>
+                        <a:ea typeface="Calibri"/>
+                        <a:cs typeface="SimSun"/>
+                      </a:endParaRPr>
+                    </a:p>
+                  </a:txBody>
+                  <a:tcPr marL="19468" marR="19468" marT="0" marB="0" anchor="ctr"/>
+                </a:tc>
+                <a:tc>
+                  <a:txBody>
+                    <a:bodyPr/>
+                    <a:lstStyle/>
+                    <a:p>
+                      <a:pPr marL="0" marR="0">
+                        <a:lnSpc>
+                          <a:spcPct val="115000"/>
+                        </a:lnSpc>
+                        <a:spcBef>
+                          <a:spcPts val="0"/>
+                        </a:spcBef>
+                        <a:spcAft>
+                          <a:spcPts val="0"/>
+                        </a:spcAft>
+                      </a:pPr>
+                      <a:r>
+                        <a:rPr lang="en-US" sz="1200">
+                          <a:effectLst/>
+                        </a:rPr>
+                        <a:t>Instalasi Program Aplikasi</a:t>
+                      </a:r>
+                      <a:endParaRPr lang="en-US" sz="1200">
+                        <a:effectLst/>
+                        <a:latin typeface="Calibri"/>
+                        <a:ea typeface="Calibri"/>
+                        <a:cs typeface="SimSun"/>
+                      </a:endParaRPr>
+                    </a:p>
+                  </a:txBody>
+                  <a:tcPr marL="19468" marR="19468" marT="0" marB="0" anchor="b"/>
+                </a:tc>
+                <a:tc>
+                  <a:txBody>
+                    <a:bodyPr/>
+                    <a:lstStyle/>
+                    <a:p>
+                      <a:pPr marL="0" marR="0" algn="ctr">
+                        <a:lnSpc>
+                          <a:spcPct val="115000"/>
+                        </a:lnSpc>
+                        <a:spcBef>
+                          <a:spcPts val="0"/>
+                        </a:spcBef>
+                        <a:spcAft>
+                          <a:spcPts val="0"/>
+                        </a:spcAft>
+                      </a:pPr>
+                      <a:r>
+                        <a:rPr lang="en-US" sz="1200">
+                          <a:effectLst/>
+                        </a:rPr>
+                        <a:t>2</a:t>
+                      </a:r>
+                      <a:endParaRPr lang="en-US" sz="1200">
+                        <a:effectLst/>
+                        <a:latin typeface="Calibri"/>
+                        <a:ea typeface="Calibri"/>
+                        <a:cs typeface="SimSun"/>
+                      </a:endParaRPr>
+                    </a:p>
+                  </a:txBody>
+                  <a:tcPr marL="19468" marR="19468" marT="0" marB="0" anchor="ctr"/>
+                </a:tc>
+              </a:tr>
+              <a:tr h="381366">
+                <a:tc vMerge="1">
+                  <a:txBody>
+                    <a:bodyPr/>
+                    <a:lstStyle/>
+                    <a:p>
+                      <a:endParaRPr lang="en-US"/>
+                    </a:p>
+                  </a:txBody>
+                  <a:tcPr/>
+                </a:tc>
+                <a:tc vMerge="1">
+                  <a:txBody>
+                    <a:bodyPr/>
+                    <a:lstStyle/>
+                    <a:p>
+                      <a:endParaRPr lang="en-US"/>
+                    </a:p>
+                  </a:txBody>
+                  <a:tcPr/>
+                </a:tc>
+                <a:tc>
+                  <a:txBody>
+                    <a:bodyPr/>
+                    <a:lstStyle/>
+                    <a:p>
+                      <a:pPr marL="0" marR="0">
+                        <a:lnSpc>
+                          <a:spcPct val="115000"/>
+                        </a:lnSpc>
+                        <a:spcBef>
+                          <a:spcPts val="0"/>
+                        </a:spcBef>
+                        <a:spcAft>
+                          <a:spcPts val="0"/>
+                        </a:spcAft>
+                      </a:pPr>
+                      <a:r>
+                        <a:rPr lang="en-US" sz="1200">
+                          <a:effectLst/>
+                        </a:rPr>
+                        <a:t>Membuat Dokumentasi User Guide</a:t>
+                      </a:r>
+                      <a:endParaRPr lang="en-US" sz="1200">
+                        <a:effectLst/>
+                        <a:latin typeface="Calibri"/>
+                        <a:ea typeface="Calibri"/>
+                        <a:cs typeface="SimSun"/>
+                      </a:endParaRPr>
+                    </a:p>
+                  </a:txBody>
+                  <a:tcPr marL="19468" marR="19468" marT="0" marB="0" anchor="b"/>
+                </a:tc>
+                <a:tc>
+                  <a:txBody>
+                    <a:bodyPr/>
+                    <a:lstStyle/>
+                    <a:p>
+                      <a:pPr marL="0" marR="0" algn="ctr">
+                        <a:lnSpc>
+                          <a:spcPct val="115000"/>
+                        </a:lnSpc>
+                        <a:spcBef>
+                          <a:spcPts val="0"/>
+                        </a:spcBef>
+                        <a:spcAft>
+                          <a:spcPts val="0"/>
+                        </a:spcAft>
+                      </a:pPr>
+                      <a:r>
+                        <a:rPr lang="en-US" sz="1200">
+                          <a:effectLst/>
+                        </a:rPr>
+                        <a:t>2</a:t>
+                      </a:r>
+                      <a:endParaRPr lang="en-US" sz="1200">
+                        <a:effectLst/>
+                        <a:latin typeface="Calibri"/>
+                        <a:ea typeface="Calibri"/>
+                        <a:cs typeface="SimSun"/>
+                      </a:endParaRPr>
+                    </a:p>
+                  </a:txBody>
+                  <a:tcPr marL="19468" marR="19468" marT="0" marB="0" anchor="ctr"/>
+                </a:tc>
+              </a:tr>
+              <a:tr h="190683">
+                <a:tc>
+                  <a:txBody>
+                    <a:bodyPr/>
+                    <a:lstStyle/>
+                    <a:p>
+                      <a:pPr marL="0" marR="0" algn="ctr">
+                        <a:lnSpc>
+                          <a:spcPct val="115000"/>
+                        </a:lnSpc>
+                        <a:spcBef>
+                          <a:spcPts val="0"/>
+                        </a:spcBef>
+                        <a:spcAft>
+                          <a:spcPts val="0"/>
+                        </a:spcAft>
+                      </a:pPr>
+                      <a:r>
+                        <a:rPr lang="en-US" sz="1200">
+                          <a:effectLst/>
+                        </a:rPr>
+                        <a:t>6</a:t>
+                      </a:r>
+                      <a:endParaRPr lang="en-US" sz="1200">
+                        <a:effectLst/>
+                        <a:latin typeface="Calibri"/>
+                        <a:ea typeface="Calibri"/>
+                        <a:cs typeface="SimSun"/>
+                      </a:endParaRPr>
+                    </a:p>
+                  </a:txBody>
+                  <a:tcPr marL="19468" marR="19468" marT="0" marB="0" anchor="ctr"/>
+                </a:tc>
+                <a:tc>
+                  <a:txBody>
+                    <a:bodyPr/>
+                    <a:lstStyle/>
+                    <a:p>
+                      <a:pPr marL="0" marR="0" algn="ctr">
+                        <a:lnSpc>
+                          <a:spcPct val="115000"/>
+                        </a:lnSpc>
+                        <a:spcBef>
+                          <a:spcPts val="0"/>
+                        </a:spcBef>
+                        <a:spcAft>
+                          <a:spcPts val="0"/>
+                        </a:spcAft>
+                      </a:pPr>
+                      <a:r>
+                        <a:rPr lang="en-US" sz="1200">
+                          <a:effectLst/>
+                        </a:rPr>
+                        <a:t>Maintenance</a:t>
+                      </a:r>
+                      <a:endParaRPr lang="en-US" sz="1200">
+                        <a:effectLst/>
+                        <a:latin typeface="Calibri"/>
+                        <a:ea typeface="Calibri"/>
+                        <a:cs typeface="SimSun"/>
+                      </a:endParaRPr>
+                    </a:p>
+                  </a:txBody>
+                  <a:tcPr marL="19468" marR="19468" marT="0" marB="0" anchor="ctr"/>
+                </a:tc>
+                <a:tc>
+                  <a:txBody>
+                    <a:bodyPr/>
+                    <a:lstStyle/>
+                    <a:p>
+                      <a:pPr marL="0" marR="0">
+                        <a:lnSpc>
+                          <a:spcPct val="115000"/>
+                        </a:lnSpc>
+                        <a:spcBef>
+                          <a:spcPts val="0"/>
+                        </a:spcBef>
+                        <a:spcAft>
+                          <a:spcPts val="0"/>
+                        </a:spcAft>
+                      </a:pPr>
+                      <a:r>
+                        <a:rPr lang="en-US" sz="1200">
+                          <a:effectLst/>
+                        </a:rPr>
+                        <a:t>Pemeliharaan Aplikasi</a:t>
+                      </a:r>
+                      <a:endParaRPr lang="en-US" sz="1200">
+                        <a:effectLst/>
+                        <a:latin typeface="Calibri"/>
+                        <a:ea typeface="Calibri"/>
+                        <a:cs typeface="SimSun"/>
+                      </a:endParaRPr>
+                    </a:p>
+                  </a:txBody>
+                  <a:tcPr marL="19468" marR="19468" marT="0" marB="0" anchor="b"/>
+                </a:tc>
+                <a:tc>
+                  <a:txBody>
+                    <a:bodyPr/>
+                    <a:lstStyle/>
+                    <a:p>
+                      <a:pPr marL="0" marR="0" algn="ctr">
+                        <a:lnSpc>
+                          <a:spcPct val="115000"/>
+                        </a:lnSpc>
+                        <a:spcBef>
+                          <a:spcPts val="0"/>
+                        </a:spcBef>
+                        <a:spcAft>
+                          <a:spcPts val="0"/>
+                        </a:spcAft>
+                      </a:pPr>
+                      <a:r>
+                        <a:rPr lang="en-US" sz="1200" dirty="0">
+                          <a:effectLst/>
+                        </a:rPr>
+                        <a:t>2</a:t>
+                      </a:r>
+                      <a:endParaRPr lang="en-US" sz="1200" dirty="0">
+                        <a:effectLst/>
+                        <a:latin typeface="Calibri"/>
+                        <a:ea typeface="Calibri"/>
+                        <a:cs typeface="SimSun"/>
+                      </a:endParaRPr>
+                    </a:p>
+                  </a:txBody>
+                  <a:tcPr marL="19468" marR="19468" marT="0" marB="0" anchor="ctr"/>
+                </a:tc>
+              </a:tr>
+            </a:tbl>
+          </a:graphicData>
+        </a:graphic>
+      </p:graphicFrame>
     </p:spTree>
     <p:extLst>
       <p:ext uri="{BB962C8B-B14F-4D97-AF65-F5344CB8AC3E}">
-        <p14:creationId xmlns:p14="http://schemas.microsoft.com/office/powerpoint/2010/main" val="1616448398"/>
+        <p14:creationId xmlns:p14="http://schemas.microsoft.com/office/powerpoint/2010/main" val="1347032653"/>
       </p:ext>
     </p:extLst>
   </p:cSld>
   <p:clrMapOvr>
     <a:masterClrMapping/>
   </p:clrMapOvr>
-  <mc:AlternateContent xmlns:mc="http://schemas.openxmlformats.org/markup-compatibility/2006" xmlns:p14="http://schemas.microsoft.com/office/powerpoint/2010/main">
-    <mc:Choice Requires="p14">
-      <p:transition spd="med" p14:dur="700">
-        <p:fade/>
-      </p:transition>
-    </mc:Choice>
-    <mc:Fallback xmlns="">
-      <p:transition spd="med">
-        <p:fade/>
-      </p:transition>
-    </mc:Fallback>
-  </mc:AlternateContent>
+  <p:transition spd="slow">
+    <p:fade/>
+  </p:transition>
   <p:timing>
     <p:tnLst>
       <p:par>
@@ -17155,72 +18327,1318 @@
             <p:ph type="title"/>
           </p:nvPr>
         </p:nvSpPr>
-        <p:spPr>
-          <a:xfrm>
-            <a:off x="856059" y="361950"/>
-            <a:ext cx="7429499" cy="1108928"/>
-          </a:xfrm>
-        </p:spPr>
+        <p:spPr/>
         <p:txBody>
           <a:bodyPr/>
           <a:lstStyle/>
           <a:p>
             <a:pPr algn="ctr"/>
             <a:r>
-              <a:rPr lang="en-US" b="1" dirty="0" err="1" smtClean="0"/>
-              <a:t>Perencanaan</a:t>
-            </a:r>
-            <a:r>
-              <a:rPr lang="en-US" b="1" dirty="0" smtClean="0"/>
-              <a:t> </a:t>
-            </a:r>
-            <a:r>
               <a:rPr lang="en-US" b="1" dirty="0" err="1"/>
-              <a:t>Jadwal</a:t>
+              <a:t>Biaya</a:t>
             </a:r>
             <a:r>
               <a:rPr lang="en-US" b="1" dirty="0"/>
-              <a:t> (schedule)</a:t>
+              <a:t> </a:t>
+            </a:r>
+            <a:r>
+              <a:rPr lang="en-US" b="1" dirty="0" err="1"/>
+              <a:t>Proyek</a:t>
             </a:r>
             <a:endParaRPr lang="id-ID" dirty="0"/>
           </a:p>
         </p:txBody>
       </p:sp>
-      <p:pic>
-        <p:nvPicPr>
-          <p:cNvPr id="4" name="Image1"/>
-          <p:cNvPicPr>
-            <a:picLocks noGrp="1"/>
-          </p:cNvPicPr>
+      <p:graphicFrame>
+        <p:nvGraphicFramePr>
+          <p:cNvPr id="5" name="Content Placeholder 4"/>
+          <p:cNvGraphicFramePr>
+            <a:graphicFrameLocks noGrp="1"/>
+          </p:cNvGraphicFramePr>
           <p:nvPr>
             <p:ph idx="1"/>
+            <p:extLst>
+              <p:ext uri="{D42A27DB-BD31-4B8C-83A1-F6EECF244321}">
+                <p14:modId xmlns:p14="http://schemas.microsoft.com/office/powerpoint/2010/main" val="695390607"/>
+              </p:ext>
+            </p:extLst>
           </p:nvPr>
-        </p:nvPicPr>
-        <p:blipFill>
-          <a:blip r:embed="rId2" cstate="print">
-            <a:extLst>
-              <a:ext uri="{28A0092B-C50C-407E-A947-70E740481C1C}">
-                <a14:useLocalDpi xmlns:a14="http://schemas.microsoft.com/office/drawing/2010/main" val="0"/>
-              </a:ext>
-            </a:extLst>
-          </a:blip>
-          <a:srcRect/>
-          <a:stretch/>
-        </p:blipFill>
-        <p:spPr>
-          <a:xfrm>
-            <a:off x="2970609" y="1276350"/>
-            <a:ext cx="3200400" cy="3673930"/>
-          </a:xfrm>
-          <a:prstGeom prst="rect">
-            <a:avLst/>
-          </a:prstGeom>
-        </p:spPr>
-      </p:pic>
+        </p:nvGraphicFramePr>
+        <p:xfrm>
+          <a:off x="914400" y="1504950"/>
+          <a:ext cx="7239002" cy="2181113"/>
+        </p:xfrm>
+        <a:graphic>
+          <a:graphicData uri="http://schemas.openxmlformats.org/drawingml/2006/table">
+            <a:tbl>
+              <a:tblPr firstRow="1" firstCol="1" bandRow="1">
+                <a:tableStyleId>{5C22544A-7EE6-4342-B048-85BDC9FD1C3A}</a:tableStyleId>
+              </a:tblPr>
+              <a:tblGrid>
+                <a:gridCol w="2165689"/>
+                <a:gridCol w="885018"/>
+                <a:gridCol w="759295"/>
+                <a:gridCol w="1679189"/>
+                <a:gridCol w="1749811"/>
+              </a:tblGrid>
+              <a:tr h="404649">
+                <a:tc>
+                  <a:txBody>
+                    <a:bodyPr/>
+                    <a:lstStyle/>
+                    <a:p>
+                      <a:pPr marL="0" marR="0" algn="ctr">
+                        <a:lnSpc>
+                          <a:spcPct val="115000"/>
+                        </a:lnSpc>
+                        <a:spcBef>
+                          <a:spcPts val="0"/>
+                        </a:spcBef>
+                        <a:spcAft>
+                          <a:spcPts val="1000"/>
+                        </a:spcAft>
+                      </a:pPr>
+                      <a:r>
+                        <a:rPr lang="en-US" sz="1200" dirty="0" err="1">
+                          <a:effectLst/>
+                        </a:rPr>
+                        <a:t>Keterangan</a:t>
+                      </a:r>
+                      <a:endParaRPr lang="en-US" sz="1200" dirty="0">
+                        <a:effectLst/>
+                        <a:latin typeface="Calibri"/>
+                        <a:ea typeface="Calibri"/>
+                        <a:cs typeface="SimSun"/>
+                      </a:endParaRPr>
+                    </a:p>
+                  </a:txBody>
+                  <a:tcPr marL="46976" marR="46976" marT="0" marB="0" anchor="ctr"/>
+                </a:tc>
+                <a:tc>
+                  <a:txBody>
+                    <a:bodyPr/>
+                    <a:lstStyle/>
+                    <a:p>
+                      <a:pPr marL="0" marR="0" algn="ctr">
+                        <a:lnSpc>
+                          <a:spcPct val="115000"/>
+                        </a:lnSpc>
+                        <a:spcBef>
+                          <a:spcPts val="0"/>
+                        </a:spcBef>
+                        <a:spcAft>
+                          <a:spcPts val="1000"/>
+                        </a:spcAft>
+                      </a:pPr>
+                      <a:r>
+                        <a:rPr lang="en-US" sz="1200" dirty="0">
+                          <a:effectLst/>
+                        </a:rPr>
+                        <a:t>Orang</a:t>
+                      </a:r>
+                      <a:endParaRPr lang="en-US" sz="1200" dirty="0">
+                        <a:effectLst/>
+                        <a:latin typeface="Calibri"/>
+                        <a:ea typeface="Calibri"/>
+                        <a:cs typeface="SimSun"/>
+                      </a:endParaRPr>
+                    </a:p>
+                  </a:txBody>
+                  <a:tcPr marL="46976" marR="46976" marT="0" marB="0" anchor="ctr"/>
+                </a:tc>
+                <a:tc>
+                  <a:txBody>
+                    <a:bodyPr/>
+                    <a:lstStyle/>
+                    <a:p>
+                      <a:pPr marL="0" marR="0" algn="ctr">
+                        <a:lnSpc>
+                          <a:spcPct val="115000"/>
+                        </a:lnSpc>
+                        <a:spcBef>
+                          <a:spcPts val="0"/>
+                        </a:spcBef>
+                        <a:spcAft>
+                          <a:spcPts val="1000"/>
+                        </a:spcAft>
+                      </a:pPr>
+                      <a:r>
+                        <a:rPr lang="en-US" sz="1200" dirty="0" err="1">
+                          <a:effectLst/>
+                        </a:rPr>
+                        <a:t>hari</a:t>
+                      </a:r>
+                      <a:endParaRPr lang="en-US" sz="1200" dirty="0">
+                        <a:effectLst/>
+                        <a:latin typeface="Calibri"/>
+                        <a:ea typeface="Calibri"/>
+                        <a:cs typeface="SimSun"/>
+                      </a:endParaRPr>
+                    </a:p>
+                  </a:txBody>
+                  <a:tcPr marL="46976" marR="46976" marT="0" marB="0" anchor="ctr"/>
+                </a:tc>
+                <a:tc>
+                  <a:txBody>
+                    <a:bodyPr/>
+                    <a:lstStyle/>
+                    <a:p>
+                      <a:pPr marL="0" marR="0" algn="ctr">
+                        <a:lnSpc>
+                          <a:spcPct val="115000"/>
+                        </a:lnSpc>
+                        <a:spcBef>
+                          <a:spcPts val="0"/>
+                        </a:spcBef>
+                        <a:spcAft>
+                          <a:spcPts val="1000"/>
+                        </a:spcAft>
+                      </a:pPr>
+                      <a:r>
+                        <a:rPr lang="en-US" sz="1200" dirty="0" err="1">
+                          <a:effectLst/>
+                        </a:rPr>
+                        <a:t>Harga</a:t>
+                      </a:r>
+                      <a:r>
+                        <a:rPr lang="en-US" sz="1200" dirty="0">
+                          <a:effectLst/>
+                        </a:rPr>
+                        <a:t>/</a:t>
+                      </a:r>
+                      <a:r>
+                        <a:rPr lang="en-US" sz="1200" dirty="0" err="1">
+                          <a:effectLst/>
+                        </a:rPr>
+                        <a:t>hari</a:t>
+                      </a:r>
+                      <a:endParaRPr lang="en-US" sz="1200" dirty="0">
+                        <a:effectLst/>
+                        <a:latin typeface="Calibri"/>
+                        <a:ea typeface="Calibri"/>
+                        <a:cs typeface="SimSun"/>
+                      </a:endParaRPr>
+                    </a:p>
+                  </a:txBody>
+                  <a:tcPr marL="46976" marR="46976" marT="0" marB="0" anchor="ctr"/>
+                </a:tc>
+                <a:tc>
+                  <a:txBody>
+                    <a:bodyPr/>
+                    <a:lstStyle/>
+                    <a:p>
+                      <a:pPr marL="0" marR="0" algn="ctr">
+                        <a:lnSpc>
+                          <a:spcPct val="115000"/>
+                        </a:lnSpc>
+                        <a:spcBef>
+                          <a:spcPts val="0"/>
+                        </a:spcBef>
+                        <a:spcAft>
+                          <a:spcPts val="1000"/>
+                        </a:spcAft>
+                      </a:pPr>
+                      <a:r>
+                        <a:rPr lang="en-US" sz="1200" dirty="0" err="1">
+                          <a:effectLst/>
+                        </a:rPr>
+                        <a:t>Jumlah</a:t>
+                      </a:r>
+                      <a:endParaRPr lang="en-US" sz="1200" dirty="0">
+                        <a:effectLst/>
+                        <a:latin typeface="Calibri"/>
+                        <a:ea typeface="Calibri"/>
+                        <a:cs typeface="SimSun"/>
+                      </a:endParaRPr>
+                    </a:p>
+                  </a:txBody>
+                  <a:tcPr marL="46976" marR="46976" marT="0" marB="0" anchor="ctr"/>
+                </a:tc>
+              </a:tr>
+              <a:tr h="325445">
+                <a:tc gridSpan="5">
+                  <a:txBody>
+                    <a:bodyPr/>
+                    <a:lstStyle/>
+                    <a:p>
+                      <a:pPr marL="0" marR="0" algn="ctr">
+                        <a:lnSpc>
+                          <a:spcPct val="115000"/>
+                        </a:lnSpc>
+                        <a:spcBef>
+                          <a:spcPts val="0"/>
+                        </a:spcBef>
+                        <a:spcAft>
+                          <a:spcPts val="1000"/>
+                        </a:spcAft>
+                      </a:pPr>
+                      <a:r>
+                        <a:rPr lang="en-US" sz="1200" dirty="0">
+                          <a:effectLst/>
+                        </a:rPr>
+                        <a:t>1. </a:t>
+                      </a:r>
+                      <a:r>
+                        <a:rPr lang="en-US" sz="1200" dirty="0" err="1">
+                          <a:effectLst/>
+                        </a:rPr>
+                        <a:t>Implementasi</a:t>
+                      </a:r>
+                      <a:endParaRPr lang="en-US" sz="1200" dirty="0">
+                        <a:effectLst/>
+                        <a:latin typeface="Calibri"/>
+                        <a:ea typeface="Calibri"/>
+                        <a:cs typeface="SimSun"/>
+                      </a:endParaRPr>
+                    </a:p>
+                  </a:txBody>
+                  <a:tcPr marL="46976" marR="46976" marT="0" marB="0" anchor="b"/>
+                </a:tc>
+                <a:tc hMerge="1">
+                  <a:txBody>
+                    <a:bodyPr/>
+                    <a:lstStyle/>
+                    <a:p>
+                      <a:endParaRPr lang="en-US"/>
+                    </a:p>
+                  </a:txBody>
+                  <a:tcPr/>
+                </a:tc>
+                <a:tc hMerge="1">
+                  <a:txBody>
+                    <a:bodyPr/>
+                    <a:lstStyle/>
+                    <a:p>
+                      <a:endParaRPr lang="en-US"/>
+                    </a:p>
+                  </a:txBody>
+                  <a:tcPr/>
+                </a:tc>
+                <a:tc hMerge="1">
+                  <a:txBody>
+                    <a:bodyPr/>
+                    <a:lstStyle/>
+                    <a:p>
+                      <a:endParaRPr lang="en-US"/>
+                    </a:p>
+                  </a:txBody>
+                  <a:tcPr/>
+                </a:tc>
+                <a:tc hMerge="1">
+                  <a:txBody>
+                    <a:bodyPr/>
+                    <a:lstStyle/>
+                    <a:p>
+                      <a:endParaRPr lang="en-US"/>
+                    </a:p>
+                  </a:txBody>
+                  <a:tcPr/>
+                </a:tc>
+              </a:tr>
+              <a:tr h="160717">
+                <a:tc>
+                  <a:txBody>
+                    <a:bodyPr/>
+                    <a:lstStyle/>
+                    <a:p>
+                      <a:pPr marL="0" marR="0" indent="114300">
+                        <a:lnSpc>
+                          <a:spcPct val="115000"/>
+                        </a:lnSpc>
+                        <a:spcBef>
+                          <a:spcPts val="0"/>
+                        </a:spcBef>
+                        <a:spcAft>
+                          <a:spcPts val="1000"/>
+                        </a:spcAft>
+                      </a:pPr>
+                      <a:r>
+                        <a:rPr lang="en-US" sz="1200">
+                          <a:effectLst/>
+                        </a:rPr>
+                        <a:t>1.1 Biaya Personil</a:t>
+                      </a:r>
+                      <a:endParaRPr lang="en-US" sz="1200">
+                        <a:effectLst/>
+                        <a:latin typeface="Calibri"/>
+                        <a:ea typeface="Calibri"/>
+                        <a:cs typeface="SimSun"/>
+                      </a:endParaRPr>
+                    </a:p>
+                  </a:txBody>
+                  <a:tcPr marL="46976" marR="46976" marT="0" marB="0" anchor="b"/>
+                </a:tc>
+                <a:tc>
+                  <a:txBody>
+                    <a:bodyPr/>
+                    <a:lstStyle/>
+                    <a:p>
+                      <a:pPr marL="0" marR="0">
+                        <a:lnSpc>
+                          <a:spcPct val="115000"/>
+                        </a:lnSpc>
+                        <a:spcBef>
+                          <a:spcPts val="0"/>
+                        </a:spcBef>
+                        <a:spcAft>
+                          <a:spcPts val="1000"/>
+                        </a:spcAft>
+                      </a:pPr>
+                      <a:r>
+                        <a:rPr lang="en-US" sz="1200">
+                          <a:effectLst/>
+                        </a:rPr>
+                        <a:t> </a:t>
+                      </a:r>
+                      <a:endParaRPr lang="en-US" sz="1200">
+                        <a:effectLst/>
+                        <a:latin typeface="Calibri"/>
+                        <a:ea typeface="Calibri"/>
+                        <a:cs typeface="SimSun"/>
+                      </a:endParaRPr>
+                    </a:p>
+                  </a:txBody>
+                  <a:tcPr marL="46976" marR="46976" marT="0" marB="0" anchor="ctr"/>
+                </a:tc>
+                <a:tc>
+                  <a:txBody>
+                    <a:bodyPr/>
+                    <a:lstStyle/>
+                    <a:p>
+                      <a:pPr marL="0" marR="0">
+                        <a:lnSpc>
+                          <a:spcPct val="115000"/>
+                        </a:lnSpc>
+                        <a:spcBef>
+                          <a:spcPts val="0"/>
+                        </a:spcBef>
+                        <a:spcAft>
+                          <a:spcPts val="1000"/>
+                        </a:spcAft>
+                      </a:pPr>
+                      <a:r>
+                        <a:rPr lang="en-US" sz="1200">
+                          <a:effectLst/>
+                        </a:rPr>
+                        <a:t> </a:t>
+                      </a:r>
+                      <a:endParaRPr lang="en-US" sz="1200">
+                        <a:effectLst/>
+                        <a:latin typeface="Calibri"/>
+                        <a:ea typeface="Calibri"/>
+                        <a:cs typeface="SimSun"/>
+                      </a:endParaRPr>
+                    </a:p>
+                  </a:txBody>
+                  <a:tcPr marL="46976" marR="46976" marT="0" marB="0" anchor="ctr"/>
+                </a:tc>
+                <a:tc>
+                  <a:txBody>
+                    <a:bodyPr/>
+                    <a:lstStyle/>
+                    <a:p>
+                      <a:pPr marL="0" marR="0">
+                        <a:lnSpc>
+                          <a:spcPct val="115000"/>
+                        </a:lnSpc>
+                        <a:spcBef>
+                          <a:spcPts val="0"/>
+                        </a:spcBef>
+                        <a:spcAft>
+                          <a:spcPts val="1000"/>
+                        </a:spcAft>
+                      </a:pPr>
+                      <a:r>
+                        <a:rPr lang="en-US" sz="1200" dirty="0">
+                          <a:effectLst/>
+                        </a:rPr>
+                        <a:t> </a:t>
+                      </a:r>
+                      <a:endParaRPr lang="en-US" sz="1200" dirty="0">
+                        <a:effectLst/>
+                        <a:latin typeface="Calibri"/>
+                        <a:ea typeface="Calibri"/>
+                        <a:cs typeface="SimSun"/>
+                      </a:endParaRPr>
+                    </a:p>
+                  </a:txBody>
+                  <a:tcPr marL="46976" marR="46976" marT="0" marB="0" anchor="ctr"/>
+                </a:tc>
+                <a:tc>
+                  <a:txBody>
+                    <a:bodyPr/>
+                    <a:lstStyle/>
+                    <a:p>
+                      <a:pPr marL="0" marR="0">
+                        <a:lnSpc>
+                          <a:spcPct val="115000"/>
+                        </a:lnSpc>
+                        <a:spcBef>
+                          <a:spcPts val="0"/>
+                        </a:spcBef>
+                        <a:spcAft>
+                          <a:spcPts val="1000"/>
+                        </a:spcAft>
+                      </a:pPr>
+                      <a:r>
+                        <a:rPr lang="en-US" sz="1200">
+                          <a:effectLst/>
+                        </a:rPr>
+                        <a:t> </a:t>
+                      </a:r>
+                      <a:endParaRPr lang="en-US" sz="1200">
+                        <a:effectLst/>
+                        <a:latin typeface="Calibri"/>
+                        <a:ea typeface="Calibri"/>
+                        <a:cs typeface="SimSun"/>
+                      </a:endParaRPr>
+                    </a:p>
+                  </a:txBody>
+                  <a:tcPr marL="46976" marR="46976" marT="0" marB="0" anchor="ctr"/>
+                </a:tc>
+              </a:tr>
+              <a:tr h="260742">
+                <a:tc>
+                  <a:txBody>
+                    <a:bodyPr/>
+                    <a:lstStyle/>
+                    <a:p>
+                      <a:pPr marL="0" marR="0" indent="228600">
+                        <a:lnSpc>
+                          <a:spcPct val="115000"/>
+                        </a:lnSpc>
+                        <a:spcBef>
+                          <a:spcPts val="0"/>
+                        </a:spcBef>
+                        <a:spcAft>
+                          <a:spcPts val="1000"/>
+                        </a:spcAft>
+                      </a:pPr>
+                      <a:r>
+                        <a:rPr lang="en-US" sz="1200">
+                          <a:effectLst/>
+                        </a:rPr>
+                        <a:t>- Project Manager</a:t>
+                      </a:r>
+                      <a:endParaRPr lang="en-US" sz="1200">
+                        <a:effectLst/>
+                        <a:latin typeface="Calibri"/>
+                        <a:ea typeface="Calibri"/>
+                        <a:cs typeface="SimSun"/>
+                      </a:endParaRPr>
+                    </a:p>
+                  </a:txBody>
+                  <a:tcPr marL="46976" marR="46976" marT="0" marB="0" anchor="ctr"/>
+                </a:tc>
+                <a:tc>
+                  <a:txBody>
+                    <a:bodyPr/>
+                    <a:lstStyle/>
+                    <a:p>
+                      <a:pPr marL="0" marR="0" algn="ctr">
+                        <a:lnSpc>
+                          <a:spcPct val="115000"/>
+                        </a:lnSpc>
+                        <a:spcBef>
+                          <a:spcPts val="0"/>
+                        </a:spcBef>
+                        <a:spcAft>
+                          <a:spcPts val="1000"/>
+                        </a:spcAft>
+                      </a:pPr>
+                      <a:r>
+                        <a:rPr lang="en-US" sz="1200">
+                          <a:effectLst/>
+                        </a:rPr>
+                        <a:t>1 Orang</a:t>
+                      </a:r>
+                      <a:endParaRPr lang="en-US" sz="1200">
+                        <a:effectLst/>
+                        <a:latin typeface="Calibri"/>
+                        <a:ea typeface="Calibri"/>
+                        <a:cs typeface="SimSun"/>
+                      </a:endParaRPr>
+                    </a:p>
+                  </a:txBody>
+                  <a:tcPr marL="46976" marR="46976" marT="0" marB="0" anchor="ctr"/>
+                </a:tc>
+                <a:tc>
+                  <a:txBody>
+                    <a:bodyPr/>
+                    <a:lstStyle/>
+                    <a:p>
+                      <a:pPr marL="0" marR="0" algn="ctr">
+                        <a:lnSpc>
+                          <a:spcPct val="115000"/>
+                        </a:lnSpc>
+                        <a:spcBef>
+                          <a:spcPts val="0"/>
+                        </a:spcBef>
+                        <a:spcAft>
+                          <a:spcPts val="1000"/>
+                        </a:spcAft>
+                      </a:pPr>
+                      <a:r>
+                        <a:rPr lang="en-US" sz="1200">
+                          <a:effectLst/>
+                        </a:rPr>
+                        <a:t>30</a:t>
+                      </a:r>
+                      <a:endParaRPr lang="en-US" sz="1200">
+                        <a:effectLst/>
+                        <a:latin typeface="Calibri"/>
+                        <a:ea typeface="Calibri"/>
+                        <a:cs typeface="SimSun"/>
+                      </a:endParaRPr>
+                    </a:p>
+                  </a:txBody>
+                  <a:tcPr marL="46976" marR="46976" marT="0" marB="0" anchor="ctr"/>
+                </a:tc>
+                <a:tc>
+                  <a:txBody>
+                    <a:bodyPr/>
+                    <a:lstStyle/>
+                    <a:p>
+                      <a:pPr marL="0" marR="0" algn="ctr">
+                        <a:lnSpc>
+                          <a:spcPct val="115000"/>
+                        </a:lnSpc>
+                        <a:spcBef>
+                          <a:spcPts val="0"/>
+                        </a:spcBef>
+                        <a:spcAft>
+                          <a:spcPts val="1000"/>
+                        </a:spcAft>
+                      </a:pPr>
+                      <a:r>
+                        <a:rPr lang="en-US" sz="1200">
+                          <a:effectLst/>
+                        </a:rPr>
+                        <a:t>400.000</a:t>
+                      </a:r>
+                      <a:endParaRPr lang="en-US" sz="1200">
+                        <a:effectLst/>
+                        <a:latin typeface="Calibri"/>
+                        <a:ea typeface="Calibri"/>
+                        <a:cs typeface="SimSun"/>
+                      </a:endParaRPr>
+                    </a:p>
+                  </a:txBody>
+                  <a:tcPr marL="46976" marR="46976" marT="0" marB="0" anchor="ctr"/>
+                </a:tc>
+                <a:tc>
+                  <a:txBody>
+                    <a:bodyPr/>
+                    <a:lstStyle/>
+                    <a:p>
+                      <a:pPr marL="0" marR="0">
+                        <a:lnSpc>
+                          <a:spcPct val="115000"/>
+                        </a:lnSpc>
+                        <a:spcBef>
+                          <a:spcPts val="0"/>
+                        </a:spcBef>
+                        <a:spcAft>
+                          <a:spcPts val="1000"/>
+                        </a:spcAft>
+                      </a:pPr>
+                      <a:r>
+                        <a:rPr lang="en-US" sz="1200">
+                          <a:effectLst/>
+                        </a:rPr>
+                        <a:t> Rp          12.000.000,00 </a:t>
+                      </a:r>
+                      <a:endParaRPr lang="en-US" sz="1200">
+                        <a:effectLst/>
+                        <a:latin typeface="Calibri"/>
+                        <a:ea typeface="Calibri"/>
+                        <a:cs typeface="SimSun"/>
+                      </a:endParaRPr>
+                    </a:p>
+                  </a:txBody>
+                  <a:tcPr marL="46976" marR="46976" marT="0" marB="0" anchor="b"/>
+                </a:tc>
+              </a:tr>
+              <a:tr h="260742">
+                <a:tc>
+                  <a:txBody>
+                    <a:bodyPr/>
+                    <a:lstStyle/>
+                    <a:p>
+                      <a:pPr marL="0" marR="0" indent="228600">
+                        <a:lnSpc>
+                          <a:spcPct val="115000"/>
+                        </a:lnSpc>
+                        <a:spcBef>
+                          <a:spcPts val="0"/>
+                        </a:spcBef>
+                        <a:spcAft>
+                          <a:spcPts val="1000"/>
+                        </a:spcAft>
+                      </a:pPr>
+                      <a:r>
+                        <a:rPr lang="en-US" sz="1200">
+                          <a:effectLst/>
+                        </a:rPr>
+                        <a:t>- System Analyst</a:t>
+                      </a:r>
+                      <a:endParaRPr lang="en-US" sz="1200">
+                        <a:effectLst/>
+                        <a:latin typeface="Calibri"/>
+                        <a:ea typeface="Calibri"/>
+                        <a:cs typeface="SimSun"/>
+                      </a:endParaRPr>
+                    </a:p>
+                  </a:txBody>
+                  <a:tcPr marL="46976" marR="46976" marT="0" marB="0" anchor="ctr"/>
+                </a:tc>
+                <a:tc>
+                  <a:txBody>
+                    <a:bodyPr/>
+                    <a:lstStyle/>
+                    <a:p>
+                      <a:pPr marL="0" marR="0" algn="ctr">
+                        <a:lnSpc>
+                          <a:spcPct val="115000"/>
+                        </a:lnSpc>
+                        <a:spcBef>
+                          <a:spcPts val="0"/>
+                        </a:spcBef>
+                        <a:spcAft>
+                          <a:spcPts val="1000"/>
+                        </a:spcAft>
+                      </a:pPr>
+                      <a:r>
+                        <a:rPr lang="en-US" sz="1200">
+                          <a:effectLst/>
+                        </a:rPr>
+                        <a:t>1 Orang</a:t>
+                      </a:r>
+                      <a:endParaRPr lang="en-US" sz="1200">
+                        <a:effectLst/>
+                        <a:latin typeface="Calibri"/>
+                        <a:ea typeface="Calibri"/>
+                        <a:cs typeface="SimSun"/>
+                      </a:endParaRPr>
+                    </a:p>
+                  </a:txBody>
+                  <a:tcPr marL="46976" marR="46976" marT="0" marB="0" anchor="ctr"/>
+                </a:tc>
+                <a:tc>
+                  <a:txBody>
+                    <a:bodyPr/>
+                    <a:lstStyle/>
+                    <a:p>
+                      <a:pPr marL="0" marR="0" algn="ctr">
+                        <a:lnSpc>
+                          <a:spcPct val="115000"/>
+                        </a:lnSpc>
+                        <a:spcBef>
+                          <a:spcPts val="0"/>
+                        </a:spcBef>
+                        <a:spcAft>
+                          <a:spcPts val="1000"/>
+                        </a:spcAft>
+                      </a:pPr>
+                      <a:r>
+                        <a:rPr lang="en-US" sz="1200">
+                          <a:effectLst/>
+                        </a:rPr>
+                        <a:t>12</a:t>
+                      </a:r>
+                      <a:endParaRPr lang="en-US" sz="1200">
+                        <a:effectLst/>
+                        <a:latin typeface="Calibri"/>
+                        <a:ea typeface="Calibri"/>
+                        <a:cs typeface="SimSun"/>
+                      </a:endParaRPr>
+                    </a:p>
+                  </a:txBody>
+                  <a:tcPr marL="46976" marR="46976" marT="0" marB="0" anchor="ctr"/>
+                </a:tc>
+                <a:tc>
+                  <a:txBody>
+                    <a:bodyPr/>
+                    <a:lstStyle/>
+                    <a:p>
+                      <a:pPr marL="0" marR="0" algn="ctr">
+                        <a:lnSpc>
+                          <a:spcPct val="115000"/>
+                        </a:lnSpc>
+                        <a:spcBef>
+                          <a:spcPts val="0"/>
+                        </a:spcBef>
+                        <a:spcAft>
+                          <a:spcPts val="1000"/>
+                        </a:spcAft>
+                      </a:pPr>
+                      <a:r>
+                        <a:rPr lang="en-US" sz="1200">
+                          <a:effectLst/>
+                        </a:rPr>
+                        <a:t>350.000</a:t>
+                      </a:r>
+                      <a:endParaRPr lang="en-US" sz="1200">
+                        <a:effectLst/>
+                        <a:latin typeface="Calibri"/>
+                        <a:ea typeface="Calibri"/>
+                        <a:cs typeface="SimSun"/>
+                      </a:endParaRPr>
+                    </a:p>
+                  </a:txBody>
+                  <a:tcPr marL="46976" marR="46976" marT="0" marB="0" anchor="ctr"/>
+                </a:tc>
+                <a:tc>
+                  <a:txBody>
+                    <a:bodyPr/>
+                    <a:lstStyle/>
+                    <a:p>
+                      <a:pPr marL="0" marR="0">
+                        <a:lnSpc>
+                          <a:spcPct val="115000"/>
+                        </a:lnSpc>
+                        <a:spcBef>
+                          <a:spcPts val="0"/>
+                        </a:spcBef>
+                        <a:spcAft>
+                          <a:spcPts val="1000"/>
+                        </a:spcAft>
+                      </a:pPr>
+                      <a:r>
+                        <a:rPr lang="en-US" sz="1200">
+                          <a:effectLst/>
+                        </a:rPr>
+                        <a:t> Rp           4.200.000,00 </a:t>
+                      </a:r>
+                      <a:endParaRPr lang="en-US" sz="1200">
+                        <a:effectLst/>
+                        <a:latin typeface="Calibri"/>
+                        <a:ea typeface="Calibri"/>
+                        <a:cs typeface="SimSun"/>
+                      </a:endParaRPr>
+                    </a:p>
+                  </a:txBody>
+                  <a:tcPr marL="46976" marR="46976" marT="0" marB="0" anchor="b"/>
+                </a:tc>
+              </a:tr>
+              <a:tr h="260742">
+                <a:tc>
+                  <a:txBody>
+                    <a:bodyPr/>
+                    <a:lstStyle/>
+                    <a:p>
+                      <a:pPr marL="0" marR="0" indent="228600">
+                        <a:lnSpc>
+                          <a:spcPct val="115000"/>
+                        </a:lnSpc>
+                        <a:spcBef>
+                          <a:spcPts val="0"/>
+                        </a:spcBef>
+                        <a:spcAft>
+                          <a:spcPts val="1000"/>
+                        </a:spcAft>
+                      </a:pPr>
+                      <a:r>
+                        <a:rPr lang="en-US" sz="1200">
+                          <a:effectLst/>
+                        </a:rPr>
+                        <a:t>- Programmer</a:t>
+                      </a:r>
+                      <a:endParaRPr lang="en-US" sz="1200">
+                        <a:effectLst/>
+                        <a:latin typeface="Calibri"/>
+                        <a:ea typeface="Calibri"/>
+                        <a:cs typeface="SimSun"/>
+                      </a:endParaRPr>
+                    </a:p>
+                  </a:txBody>
+                  <a:tcPr marL="46976" marR="46976" marT="0" marB="0" anchor="ctr"/>
+                </a:tc>
+                <a:tc>
+                  <a:txBody>
+                    <a:bodyPr/>
+                    <a:lstStyle/>
+                    <a:p>
+                      <a:pPr marL="0" marR="0" algn="ctr">
+                        <a:lnSpc>
+                          <a:spcPct val="115000"/>
+                        </a:lnSpc>
+                        <a:spcBef>
+                          <a:spcPts val="0"/>
+                        </a:spcBef>
+                        <a:spcAft>
+                          <a:spcPts val="1000"/>
+                        </a:spcAft>
+                      </a:pPr>
+                      <a:r>
+                        <a:rPr lang="en-US" sz="1200">
+                          <a:effectLst/>
+                        </a:rPr>
+                        <a:t>1 Orang</a:t>
+                      </a:r>
+                      <a:endParaRPr lang="en-US" sz="1200">
+                        <a:effectLst/>
+                        <a:latin typeface="Calibri"/>
+                        <a:ea typeface="Calibri"/>
+                        <a:cs typeface="SimSun"/>
+                      </a:endParaRPr>
+                    </a:p>
+                  </a:txBody>
+                  <a:tcPr marL="46976" marR="46976" marT="0" marB="0" anchor="ctr"/>
+                </a:tc>
+                <a:tc>
+                  <a:txBody>
+                    <a:bodyPr/>
+                    <a:lstStyle/>
+                    <a:p>
+                      <a:pPr marL="0" marR="0" algn="ctr">
+                        <a:lnSpc>
+                          <a:spcPct val="115000"/>
+                        </a:lnSpc>
+                        <a:spcBef>
+                          <a:spcPts val="0"/>
+                        </a:spcBef>
+                        <a:spcAft>
+                          <a:spcPts val="1000"/>
+                        </a:spcAft>
+                      </a:pPr>
+                      <a:r>
+                        <a:rPr lang="en-US" sz="1200">
+                          <a:effectLst/>
+                        </a:rPr>
+                        <a:t>22</a:t>
+                      </a:r>
+                      <a:endParaRPr lang="en-US" sz="1200">
+                        <a:effectLst/>
+                        <a:latin typeface="Calibri"/>
+                        <a:ea typeface="Calibri"/>
+                        <a:cs typeface="SimSun"/>
+                      </a:endParaRPr>
+                    </a:p>
+                  </a:txBody>
+                  <a:tcPr marL="46976" marR="46976" marT="0" marB="0" anchor="ctr"/>
+                </a:tc>
+                <a:tc>
+                  <a:txBody>
+                    <a:bodyPr/>
+                    <a:lstStyle/>
+                    <a:p>
+                      <a:pPr marL="0" marR="0" algn="ctr">
+                        <a:lnSpc>
+                          <a:spcPct val="115000"/>
+                        </a:lnSpc>
+                        <a:spcBef>
+                          <a:spcPts val="0"/>
+                        </a:spcBef>
+                        <a:spcAft>
+                          <a:spcPts val="1000"/>
+                        </a:spcAft>
+                      </a:pPr>
+                      <a:r>
+                        <a:rPr lang="en-US" sz="1200">
+                          <a:effectLst/>
+                        </a:rPr>
+                        <a:t>350.000</a:t>
+                      </a:r>
+                      <a:endParaRPr lang="en-US" sz="1200">
+                        <a:effectLst/>
+                        <a:latin typeface="Calibri"/>
+                        <a:ea typeface="Calibri"/>
+                        <a:cs typeface="SimSun"/>
+                      </a:endParaRPr>
+                    </a:p>
+                  </a:txBody>
+                  <a:tcPr marL="46976" marR="46976" marT="0" marB="0" anchor="ctr"/>
+                </a:tc>
+                <a:tc>
+                  <a:txBody>
+                    <a:bodyPr/>
+                    <a:lstStyle/>
+                    <a:p>
+                      <a:pPr marL="0" marR="0">
+                        <a:lnSpc>
+                          <a:spcPct val="115000"/>
+                        </a:lnSpc>
+                        <a:spcBef>
+                          <a:spcPts val="0"/>
+                        </a:spcBef>
+                        <a:spcAft>
+                          <a:spcPts val="1000"/>
+                        </a:spcAft>
+                      </a:pPr>
+                      <a:r>
+                        <a:rPr lang="en-US" sz="1200">
+                          <a:effectLst/>
+                        </a:rPr>
+                        <a:t> Rp           7.700.000,00 </a:t>
+                      </a:r>
+                      <a:endParaRPr lang="en-US" sz="1200">
+                        <a:effectLst/>
+                        <a:latin typeface="Calibri"/>
+                        <a:ea typeface="Calibri"/>
+                        <a:cs typeface="SimSun"/>
+                      </a:endParaRPr>
+                    </a:p>
+                  </a:txBody>
+                  <a:tcPr marL="46976" marR="46976" marT="0" marB="0" anchor="b"/>
+                </a:tc>
+              </a:tr>
+              <a:tr h="260742">
+                <a:tc>
+                  <a:txBody>
+                    <a:bodyPr/>
+                    <a:lstStyle/>
+                    <a:p>
+                      <a:pPr marL="0" marR="0" indent="228600">
+                        <a:lnSpc>
+                          <a:spcPct val="115000"/>
+                        </a:lnSpc>
+                        <a:spcBef>
+                          <a:spcPts val="0"/>
+                        </a:spcBef>
+                        <a:spcAft>
+                          <a:spcPts val="1000"/>
+                        </a:spcAft>
+                      </a:pPr>
+                      <a:r>
+                        <a:rPr lang="en-US" sz="1200">
+                          <a:effectLst/>
+                        </a:rPr>
+                        <a:t>- Desainer</a:t>
+                      </a:r>
+                      <a:endParaRPr lang="en-US" sz="1200">
+                        <a:effectLst/>
+                        <a:latin typeface="Calibri"/>
+                        <a:ea typeface="Calibri"/>
+                        <a:cs typeface="SimSun"/>
+                      </a:endParaRPr>
+                    </a:p>
+                  </a:txBody>
+                  <a:tcPr marL="46976" marR="46976" marT="0" marB="0" anchor="ctr"/>
+                </a:tc>
+                <a:tc>
+                  <a:txBody>
+                    <a:bodyPr/>
+                    <a:lstStyle/>
+                    <a:p>
+                      <a:pPr marL="0" marR="0" algn="ctr">
+                        <a:lnSpc>
+                          <a:spcPct val="115000"/>
+                        </a:lnSpc>
+                        <a:spcBef>
+                          <a:spcPts val="0"/>
+                        </a:spcBef>
+                        <a:spcAft>
+                          <a:spcPts val="1000"/>
+                        </a:spcAft>
+                      </a:pPr>
+                      <a:r>
+                        <a:rPr lang="en-US" sz="1200">
+                          <a:effectLst/>
+                        </a:rPr>
+                        <a:t>1 orang</a:t>
+                      </a:r>
+                      <a:endParaRPr lang="en-US" sz="1200">
+                        <a:effectLst/>
+                        <a:latin typeface="Calibri"/>
+                        <a:ea typeface="Calibri"/>
+                        <a:cs typeface="SimSun"/>
+                      </a:endParaRPr>
+                    </a:p>
+                  </a:txBody>
+                  <a:tcPr marL="46976" marR="46976" marT="0" marB="0" anchor="ctr"/>
+                </a:tc>
+                <a:tc>
+                  <a:txBody>
+                    <a:bodyPr/>
+                    <a:lstStyle/>
+                    <a:p>
+                      <a:pPr marL="0" marR="0" algn="ctr">
+                        <a:lnSpc>
+                          <a:spcPct val="115000"/>
+                        </a:lnSpc>
+                        <a:spcBef>
+                          <a:spcPts val="0"/>
+                        </a:spcBef>
+                        <a:spcAft>
+                          <a:spcPts val="1000"/>
+                        </a:spcAft>
+                      </a:pPr>
+                      <a:r>
+                        <a:rPr lang="en-US" sz="1200">
+                          <a:effectLst/>
+                        </a:rPr>
+                        <a:t>12</a:t>
+                      </a:r>
+                      <a:endParaRPr lang="en-US" sz="1200">
+                        <a:effectLst/>
+                        <a:latin typeface="Calibri"/>
+                        <a:ea typeface="Calibri"/>
+                        <a:cs typeface="SimSun"/>
+                      </a:endParaRPr>
+                    </a:p>
+                  </a:txBody>
+                  <a:tcPr marL="46976" marR="46976" marT="0" marB="0" anchor="ctr"/>
+                </a:tc>
+                <a:tc>
+                  <a:txBody>
+                    <a:bodyPr/>
+                    <a:lstStyle/>
+                    <a:p>
+                      <a:pPr marL="0" marR="0" algn="ctr">
+                        <a:lnSpc>
+                          <a:spcPct val="115000"/>
+                        </a:lnSpc>
+                        <a:spcBef>
+                          <a:spcPts val="0"/>
+                        </a:spcBef>
+                        <a:spcAft>
+                          <a:spcPts val="1000"/>
+                        </a:spcAft>
+                      </a:pPr>
+                      <a:r>
+                        <a:rPr lang="en-US" sz="1200">
+                          <a:effectLst/>
+                        </a:rPr>
+                        <a:t>350.000</a:t>
+                      </a:r>
+                      <a:endParaRPr lang="en-US" sz="1200">
+                        <a:effectLst/>
+                        <a:latin typeface="Calibri"/>
+                        <a:ea typeface="Calibri"/>
+                        <a:cs typeface="SimSun"/>
+                      </a:endParaRPr>
+                    </a:p>
+                  </a:txBody>
+                  <a:tcPr marL="46976" marR="46976" marT="0" marB="0" anchor="ctr"/>
+                </a:tc>
+                <a:tc>
+                  <a:txBody>
+                    <a:bodyPr/>
+                    <a:lstStyle/>
+                    <a:p>
+                      <a:pPr marL="0" marR="0">
+                        <a:lnSpc>
+                          <a:spcPct val="115000"/>
+                        </a:lnSpc>
+                        <a:spcBef>
+                          <a:spcPts val="0"/>
+                        </a:spcBef>
+                        <a:spcAft>
+                          <a:spcPts val="1000"/>
+                        </a:spcAft>
+                      </a:pPr>
+                      <a:r>
+                        <a:rPr lang="en-US" sz="1200" dirty="0" smtClean="0">
+                          <a:effectLst/>
+                        </a:rPr>
+                        <a:t> </a:t>
+                      </a:r>
+                      <a:r>
+                        <a:rPr lang="en-US" sz="1200" dirty="0" err="1" smtClean="0">
+                          <a:effectLst/>
+                        </a:rPr>
+                        <a:t>Rp</a:t>
+                      </a:r>
+                      <a:r>
+                        <a:rPr lang="en-US" sz="1200" dirty="0" smtClean="0">
+                          <a:effectLst/>
+                        </a:rPr>
+                        <a:t>           </a:t>
+                      </a:r>
+                      <a:r>
+                        <a:rPr lang="en-US" sz="1200" dirty="0">
+                          <a:effectLst/>
+                        </a:rPr>
+                        <a:t>4.200.000,00</a:t>
+                      </a:r>
+                      <a:endParaRPr lang="en-US" sz="1200" dirty="0">
+                        <a:effectLst/>
+                        <a:latin typeface="Calibri"/>
+                        <a:ea typeface="Calibri"/>
+                        <a:cs typeface="SimSun"/>
+                      </a:endParaRPr>
+                    </a:p>
+                  </a:txBody>
+                  <a:tcPr marL="46976" marR="46976" marT="0" marB="0" anchor="b"/>
+                </a:tc>
+              </a:tr>
+              <a:tr h="160717">
+                <a:tc gridSpan="4">
+                  <a:txBody>
+                    <a:bodyPr/>
+                    <a:lstStyle/>
+                    <a:p>
+                      <a:pPr marL="0" marR="0" algn="ctr">
+                        <a:lnSpc>
+                          <a:spcPct val="115000"/>
+                        </a:lnSpc>
+                        <a:spcBef>
+                          <a:spcPts val="0"/>
+                        </a:spcBef>
+                        <a:spcAft>
+                          <a:spcPts val="1000"/>
+                        </a:spcAft>
+                      </a:pPr>
+                      <a:r>
+                        <a:rPr lang="en-US" sz="1200" dirty="0">
+                          <a:effectLst/>
+                        </a:rPr>
+                        <a:t>Sub </a:t>
+                      </a:r>
+                      <a:r>
+                        <a:rPr lang="en-US" sz="1200" dirty="0" err="1" smtClean="0">
+                          <a:effectLst/>
+                        </a:rPr>
+                        <a:t>Jumlah</a:t>
+                      </a:r>
+                      <a:endParaRPr lang="en-US" sz="1200" dirty="0">
+                        <a:effectLst/>
+                        <a:latin typeface="Calibri"/>
+                        <a:ea typeface="Calibri"/>
+                        <a:cs typeface="SimSun"/>
+                      </a:endParaRPr>
+                    </a:p>
+                  </a:txBody>
+                  <a:tcPr marL="46976" marR="46976" marT="0" marB="0" anchor="b"/>
+                </a:tc>
+                <a:tc hMerge="1">
+                  <a:txBody>
+                    <a:bodyPr/>
+                    <a:lstStyle/>
+                    <a:p>
+                      <a:pPr marL="0" marR="0">
+                        <a:lnSpc>
+                          <a:spcPct val="115000"/>
+                        </a:lnSpc>
+                        <a:spcBef>
+                          <a:spcPts val="0"/>
+                        </a:spcBef>
+                        <a:spcAft>
+                          <a:spcPts val="1000"/>
+                        </a:spcAft>
+                      </a:pPr>
+                      <a:endParaRPr lang="en-US" sz="1200" dirty="0">
+                        <a:effectLst/>
+                        <a:latin typeface="Calibri"/>
+                        <a:ea typeface="Calibri"/>
+                        <a:cs typeface="SimSun"/>
+                      </a:endParaRPr>
+                    </a:p>
+                  </a:txBody>
+                  <a:tcPr marL="46976" marR="46976" marT="0" marB="0" anchor="b"/>
+                </a:tc>
+                <a:tc hMerge="1">
+                  <a:txBody>
+                    <a:bodyPr/>
+                    <a:lstStyle/>
+                    <a:p>
+                      <a:pPr marL="0" marR="0">
+                        <a:lnSpc>
+                          <a:spcPct val="115000"/>
+                        </a:lnSpc>
+                        <a:spcBef>
+                          <a:spcPts val="0"/>
+                        </a:spcBef>
+                        <a:spcAft>
+                          <a:spcPts val="1000"/>
+                        </a:spcAft>
+                      </a:pPr>
+                      <a:endParaRPr lang="en-US" sz="1200">
+                        <a:effectLst/>
+                        <a:latin typeface="Calibri"/>
+                        <a:ea typeface="Calibri"/>
+                        <a:cs typeface="SimSun"/>
+                      </a:endParaRPr>
+                    </a:p>
+                  </a:txBody>
+                  <a:tcPr marL="46976" marR="46976" marT="0" marB="0" anchor="b"/>
+                </a:tc>
+                <a:tc hMerge="1">
+                  <a:txBody>
+                    <a:bodyPr/>
+                    <a:lstStyle/>
+                    <a:p>
+                      <a:pPr marL="0" marR="0">
+                        <a:lnSpc>
+                          <a:spcPct val="115000"/>
+                        </a:lnSpc>
+                        <a:spcBef>
+                          <a:spcPts val="0"/>
+                        </a:spcBef>
+                        <a:spcAft>
+                          <a:spcPts val="1000"/>
+                        </a:spcAft>
+                      </a:pPr>
+                      <a:endParaRPr lang="en-US" sz="1200" dirty="0">
+                        <a:effectLst/>
+                        <a:latin typeface="Calibri"/>
+                        <a:ea typeface="Calibri"/>
+                        <a:cs typeface="SimSun"/>
+                      </a:endParaRPr>
+                    </a:p>
+                  </a:txBody>
+                  <a:tcPr marL="46976" marR="46976" marT="0" marB="0" anchor="b"/>
+                </a:tc>
+                <a:tc>
+                  <a:txBody>
+                    <a:bodyPr/>
+                    <a:lstStyle/>
+                    <a:p>
+                      <a:pPr marL="0" marR="0">
+                        <a:lnSpc>
+                          <a:spcPct val="115000"/>
+                        </a:lnSpc>
+                        <a:spcBef>
+                          <a:spcPts val="0"/>
+                        </a:spcBef>
+                        <a:spcAft>
+                          <a:spcPts val="1000"/>
+                        </a:spcAft>
+                      </a:pPr>
+                      <a:r>
+                        <a:rPr lang="en-US" sz="1200" dirty="0">
+                          <a:effectLst/>
+                        </a:rPr>
+                        <a:t> </a:t>
+                      </a:r>
+                      <a:r>
+                        <a:rPr lang="en-US" sz="1200" dirty="0" err="1">
+                          <a:effectLst/>
+                        </a:rPr>
+                        <a:t>Rp</a:t>
+                      </a:r>
+                      <a:r>
+                        <a:rPr lang="en-US" sz="1200" dirty="0">
+                          <a:effectLst/>
+                        </a:rPr>
+                        <a:t>        </a:t>
+                      </a:r>
+                      <a:r>
+                        <a:rPr lang="en-US" sz="1200" dirty="0" smtClean="0">
+                          <a:effectLst/>
+                        </a:rPr>
+                        <a:t> 28.100.000,00 </a:t>
+                      </a:r>
+                      <a:endParaRPr lang="en-US" sz="1200" dirty="0">
+                        <a:effectLst/>
+                        <a:latin typeface="Calibri"/>
+                        <a:ea typeface="Calibri"/>
+                        <a:cs typeface="SimSun"/>
+                      </a:endParaRPr>
+                    </a:p>
+                  </a:txBody>
+                  <a:tcPr marL="46976" marR="46976" marT="0" marB="0" anchor="b"/>
+                </a:tc>
+              </a:tr>
+            </a:tbl>
+          </a:graphicData>
+        </a:graphic>
+      </p:graphicFrame>
     </p:spTree>
     <p:extLst>
       <p:ext uri="{BB962C8B-B14F-4D97-AF65-F5344CB8AC3E}">
-        <p14:creationId xmlns:p14="http://schemas.microsoft.com/office/powerpoint/2010/main" val="1347032653"/>
+        <p14:creationId xmlns:p14="http://schemas.microsoft.com/office/powerpoint/2010/main" val="1511935132"/>
       </p:ext>
     </p:extLst>
   </p:cSld>
@@ -17289,41 +19707,1385 @@
           </a:p>
         </p:txBody>
       </p:sp>
-      <p:pic>
-        <p:nvPicPr>
-          <p:cNvPr id="4" name="Image1"/>
-          <p:cNvPicPr>
-            <a:picLocks noGrp="1"/>
-          </p:cNvPicPr>
+      <p:graphicFrame>
+        <p:nvGraphicFramePr>
+          <p:cNvPr id="3" name="Table 2"/>
+          <p:cNvGraphicFramePr>
+            <a:graphicFrameLocks noGrp="1"/>
+          </p:cNvGraphicFramePr>
           <p:nvPr>
-            <p:ph idx="1"/>
+            <p:extLst>
+              <p:ext uri="{D42A27DB-BD31-4B8C-83A1-F6EECF244321}">
+                <p14:modId xmlns:p14="http://schemas.microsoft.com/office/powerpoint/2010/main" val="4123235191"/>
+              </p:ext>
+            </p:extLst>
           </p:nvPr>
-        </p:nvPicPr>
-        <p:blipFill>
-          <a:blip r:embed="rId2" cstate="print">
-            <a:extLst>
-              <a:ext uri="{28A0092B-C50C-407E-A947-70E740481C1C}">
-                <a14:useLocalDpi xmlns:a14="http://schemas.microsoft.com/office/drawing/2010/main" val="0"/>
-              </a:ext>
-            </a:extLst>
-          </a:blip>
-          <a:srcRect/>
-          <a:stretch/>
-        </p:blipFill>
-        <p:spPr>
-          <a:xfrm>
-            <a:off x="2780109" y="1352550"/>
-            <a:ext cx="3581400" cy="3513507"/>
-          </a:xfrm>
-          <a:prstGeom prst="rect">
-            <a:avLst/>
-          </a:prstGeom>
-        </p:spPr>
-      </p:pic>
+        </p:nvGraphicFramePr>
+        <p:xfrm>
+          <a:off x="914400" y="1352550"/>
+          <a:ext cx="7239000" cy="2153550"/>
+        </p:xfrm>
+        <a:graphic>
+          <a:graphicData uri="http://schemas.openxmlformats.org/drawingml/2006/table">
+            <a:tbl>
+              <a:tblPr firstRow="1" firstCol="1" bandRow="1">
+                <a:tableStyleId>{5C22544A-7EE6-4342-B048-85BDC9FD1C3A}</a:tableStyleId>
+              </a:tblPr>
+              <a:tblGrid>
+                <a:gridCol w="1905000"/>
+                <a:gridCol w="764707"/>
+                <a:gridCol w="1180718"/>
+                <a:gridCol w="1432128"/>
+                <a:gridCol w="1956447"/>
+              </a:tblGrid>
+              <a:tr h="160717">
+                <a:tc gridSpan="5">
+                  <a:txBody>
+                    <a:bodyPr/>
+                    <a:lstStyle/>
+                    <a:p>
+                      <a:pPr marL="0" marR="0" algn="ctr">
+                        <a:lnSpc>
+                          <a:spcPct val="115000"/>
+                        </a:lnSpc>
+                        <a:spcBef>
+                          <a:spcPts val="0"/>
+                        </a:spcBef>
+                        <a:spcAft>
+                          <a:spcPts val="1000"/>
+                        </a:spcAft>
+                      </a:pPr>
+                      <a:r>
+                        <a:rPr lang="en-US" sz="1200" dirty="0">
+                          <a:effectLst/>
+                        </a:rPr>
+                        <a:t>2. </a:t>
+                      </a:r>
+                      <a:r>
+                        <a:rPr lang="en-US" sz="1200" dirty="0" err="1">
+                          <a:effectLst/>
+                        </a:rPr>
+                        <a:t>Biaya</a:t>
+                      </a:r>
+                      <a:r>
+                        <a:rPr lang="en-US" sz="1200" dirty="0">
+                          <a:effectLst/>
+                        </a:rPr>
+                        <a:t> </a:t>
+                      </a:r>
+                      <a:r>
+                        <a:rPr lang="en-US" sz="1200" dirty="0" err="1">
+                          <a:effectLst/>
+                        </a:rPr>
+                        <a:t>Penunjang</a:t>
+                      </a:r>
+                      <a:endParaRPr lang="en-US" sz="1200" dirty="0">
+                        <a:effectLst/>
+                        <a:latin typeface="Calibri"/>
+                        <a:ea typeface="Calibri"/>
+                        <a:cs typeface="SimSun"/>
+                      </a:endParaRPr>
+                    </a:p>
+                  </a:txBody>
+                  <a:tcPr marL="46976" marR="46976" marT="0" marB="0" anchor="b"/>
+                </a:tc>
+                <a:tc hMerge="1">
+                  <a:txBody>
+                    <a:bodyPr/>
+                    <a:lstStyle/>
+                    <a:p>
+                      <a:endParaRPr lang="en-US"/>
+                    </a:p>
+                  </a:txBody>
+                  <a:tcPr/>
+                </a:tc>
+                <a:tc hMerge="1">
+                  <a:txBody>
+                    <a:bodyPr/>
+                    <a:lstStyle/>
+                    <a:p>
+                      <a:endParaRPr lang="en-US"/>
+                    </a:p>
+                  </a:txBody>
+                  <a:tcPr/>
+                </a:tc>
+                <a:tc hMerge="1">
+                  <a:txBody>
+                    <a:bodyPr/>
+                    <a:lstStyle/>
+                    <a:p>
+                      <a:endParaRPr lang="en-US"/>
+                    </a:p>
+                  </a:txBody>
+                  <a:tcPr/>
+                </a:tc>
+                <a:tc hMerge="1">
+                  <a:txBody>
+                    <a:bodyPr/>
+                    <a:lstStyle/>
+                    <a:p>
+                      <a:endParaRPr lang="en-US"/>
+                    </a:p>
+                  </a:txBody>
+                  <a:tcPr/>
+                </a:tc>
+              </a:tr>
+              <a:tr h="260742">
+                <a:tc>
+                  <a:txBody>
+                    <a:bodyPr/>
+                    <a:lstStyle/>
+                    <a:p>
+                      <a:pPr marL="0" marR="0" indent="114300">
+                        <a:lnSpc>
+                          <a:spcPct val="115000"/>
+                        </a:lnSpc>
+                        <a:spcBef>
+                          <a:spcPts val="0"/>
+                        </a:spcBef>
+                        <a:spcAft>
+                          <a:spcPts val="1000"/>
+                        </a:spcAft>
+                      </a:pPr>
+                      <a:r>
+                        <a:rPr lang="en-US" sz="1200" dirty="0">
+                          <a:effectLst/>
+                        </a:rPr>
+                        <a:t>2.1 </a:t>
+                      </a:r>
+                      <a:r>
+                        <a:rPr lang="en-US" sz="1200" dirty="0" err="1">
+                          <a:effectLst/>
+                        </a:rPr>
+                        <a:t>Transportasi</a:t>
+                      </a:r>
+                      <a:endParaRPr lang="en-US" sz="1200" dirty="0">
+                        <a:effectLst/>
+                        <a:latin typeface="Calibri"/>
+                        <a:ea typeface="Calibri"/>
+                        <a:cs typeface="SimSun"/>
+                      </a:endParaRPr>
+                    </a:p>
+                  </a:txBody>
+                  <a:tcPr marL="46976" marR="46976" marT="0" marB="0" anchor="b"/>
+                </a:tc>
+                <a:tc>
+                  <a:txBody>
+                    <a:bodyPr/>
+                    <a:lstStyle/>
+                    <a:p>
+                      <a:pPr marL="0" marR="0">
+                        <a:lnSpc>
+                          <a:spcPct val="115000"/>
+                        </a:lnSpc>
+                        <a:spcBef>
+                          <a:spcPts val="0"/>
+                        </a:spcBef>
+                        <a:spcAft>
+                          <a:spcPts val="1000"/>
+                        </a:spcAft>
+                      </a:pPr>
+                      <a:r>
+                        <a:rPr lang="en-US" sz="1200" dirty="0">
+                          <a:effectLst/>
+                        </a:rPr>
+                        <a:t>4 Orang</a:t>
+                      </a:r>
+                      <a:endParaRPr lang="en-US" sz="1200" dirty="0">
+                        <a:effectLst/>
+                        <a:latin typeface="Calibri"/>
+                        <a:ea typeface="Calibri"/>
+                        <a:cs typeface="SimSun"/>
+                      </a:endParaRPr>
+                    </a:p>
+                  </a:txBody>
+                  <a:tcPr marL="46976" marR="46976" marT="0" marB="0" anchor="b"/>
+                </a:tc>
+                <a:tc>
+                  <a:txBody>
+                    <a:bodyPr/>
+                    <a:lstStyle/>
+                    <a:p>
+                      <a:pPr marL="0" marR="0">
+                        <a:lnSpc>
+                          <a:spcPct val="115000"/>
+                        </a:lnSpc>
+                        <a:spcBef>
+                          <a:spcPts val="0"/>
+                        </a:spcBef>
+                        <a:spcAft>
+                          <a:spcPts val="1000"/>
+                        </a:spcAft>
+                      </a:pPr>
+                      <a:r>
+                        <a:rPr lang="en-US" sz="1200" dirty="0">
+                          <a:effectLst/>
+                        </a:rPr>
+                        <a:t> </a:t>
+                      </a:r>
+                      <a:r>
+                        <a:rPr lang="en-US" sz="1200" dirty="0" smtClean="0">
+                          <a:effectLst/>
+                        </a:rPr>
+                        <a:t>30 </a:t>
+                      </a:r>
+                      <a:r>
+                        <a:rPr lang="en-US" sz="1200" dirty="0" err="1" smtClean="0">
+                          <a:effectLst/>
+                        </a:rPr>
+                        <a:t>hari</a:t>
+                      </a:r>
+                      <a:endParaRPr lang="en-US" sz="1200" dirty="0">
+                        <a:effectLst/>
+                        <a:latin typeface="Calibri"/>
+                        <a:ea typeface="Calibri"/>
+                        <a:cs typeface="SimSun"/>
+                      </a:endParaRPr>
+                    </a:p>
+                  </a:txBody>
+                  <a:tcPr marL="46976" marR="46976" marT="0" marB="0" anchor="b"/>
+                </a:tc>
+                <a:tc>
+                  <a:txBody>
+                    <a:bodyPr/>
+                    <a:lstStyle/>
+                    <a:p>
+                      <a:pPr marL="0" marR="0">
+                        <a:lnSpc>
+                          <a:spcPct val="115000"/>
+                        </a:lnSpc>
+                        <a:spcBef>
+                          <a:spcPts val="0"/>
+                        </a:spcBef>
+                        <a:spcAft>
+                          <a:spcPts val="1000"/>
+                        </a:spcAft>
+                      </a:pPr>
+                      <a:r>
+                        <a:rPr lang="en-US" sz="1200" dirty="0">
+                          <a:effectLst/>
+                        </a:rPr>
+                        <a:t>15.000</a:t>
+                      </a:r>
+                      <a:endParaRPr lang="en-US" sz="1200" dirty="0">
+                        <a:effectLst/>
+                        <a:latin typeface="Calibri"/>
+                        <a:ea typeface="Calibri"/>
+                        <a:cs typeface="SimSun"/>
+                      </a:endParaRPr>
+                    </a:p>
+                  </a:txBody>
+                  <a:tcPr marL="46976" marR="46976" marT="0" marB="0" anchor="b"/>
+                </a:tc>
+                <a:tc>
+                  <a:txBody>
+                    <a:bodyPr/>
+                    <a:lstStyle/>
+                    <a:p>
+                      <a:pPr marL="0" marR="0">
+                        <a:lnSpc>
+                          <a:spcPct val="115000"/>
+                        </a:lnSpc>
+                        <a:spcBef>
+                          <a:spcPts val="0"/>
+                        </a:spcBef>
+                        <a:spcAft>
+                          <a:spcPts val="1000"/>
+                        </a:spcAft>
+                      </a:pPr>
+                      <a:r>
+                        <a:rPr lang="en-US" sz="1200" dirty="0">
+                          <a:effectLst/>
+                        </a:rPr>
+                        <a:t> </a:t>
+                      </a:r>
+                      <a:r>
+                        <a:rPr lang="en-US" sz="1200" dirty="0" err="1">
+                          <a:effectLst/>
+                        </a:rPr>
+                        <a:t>Rp</a:t>
+                      </a:r>
+                      <a:r>
+                        <a:rPr lang="en-US" sz="1200" dirty="0">
+                          <a:effectLst/>
+                        </a:rPr>
+                        <a:t>          1.800.000,00 </a:t>
+                      </a:r>
+                      <a:endParaRPr lang="en-US" sz="1200" dirty="0">
+                        <a:effectLst/>
+                        <a:latin typeface="Calibri"/>
+                        <a:ea typeface="Calibri"/>
+                        <a:cs typeface="SimSun"/>
+                      </a:endParaRPr>
+                    </a:p>
+                  </a:txBody>
+                  <a:tcPr marL="46976" marR="46976" marT="0" marB="0" anchor="b"/>
+                </a:tc>
+              </a:tr>
+              <a:tr h="160717">
+                <a:tc gridSpan="4">
+                  <a:txBody>
+                    <a:bodyPr/>
+                    <a:lstStyle/>
+                    <a:p>
+                      <a:pPr marL="0" marR="0" algn="ctr">
+                        <a:lnSpc>
+                          <a:spcPct val="115000"/>
+                        </a:lnSpc>
+                        <a:spcBef>
+                          <a:spcPts val="0"/>
+                        </a:spcBef>
+                        <a:spcAft>
+                          <a:spcPts val="1000"/>
+                        </a:spcAft>
+                      </a:pPr>
+                      <a:r>
+                        <a:rPr lang="en-US" sz="1200" dirty="0">
+                          <a:effectLst/>
+                        </a:rPr>
+                        <a:t>Sub </a:t>
+                      </a:r>
+                      <a:r>
+                        <a:rPr lang="en-US" sz="1200" dirty="0" err="1" smtClean="0">
+                          <a:effectLst/>
+                        </a:rPr>
+                        <a:t>Jumlah</a:t>
+                      </a:r>
+                      <a:endParaRPr lang="en-US" sz="1200" dirty="0">
+                        <a:effectLst/>
+                        <a:latin typeface="Calibri"/>
+                        <a:ea typeface="Calibri"/>
+                        <a:cs typeface="SimSun"/>
+                      </a:endParaRPr>
+                    </a:p>
+                  </a:txBody>
+                  <a:tcPr marL="46976" marR="46976" marT="0" marB="0" anchor="b"/>
+                </a:tc>
+                <a:tc hMerge="1">
+                  <a:txBody>
+                    <a:bodyPr/>
+                    <a:lstStyle/>
+                    <a:p>
+                      <a:endParaRPr lang="en-US"/>
+                    </a:p>
+                  </a:txBody>
+                  <a:tcPr/>
+                </a:tc>
+                <a:tc hMerge="1">
+                  <a:txBody>
+                    <a:bodyPr/>
+                    <a:lstStyle/>
+                    <a:p>
+                      <a:pPr marL="0" marR="0">
+                        <a:lnSpc>
+                          <a:spcPct val="115000"/>
+                        </a:lnSpc>
+                        <a:spcBef>
+                          <a:spcPts val="0"/>
+                        </a:spcBef>
+                        <a:spcAft>
+                          <a:spcPts val="1000"/>
+                        </a:spcAft>
+                      </a:pPr>
+                      <a:endParaRPr lang="en-US" sz="1200" dirty="0">
+                        <a:effectLst/>
+                        <a:latin typeface="Calibri"/>
+                        <a:ea typeface="Calibri"/>
+                        <a:cs typeface="SimSun"/>
+                      </a:endParaRPr>
+                    </a:p>
+                  </a:txBody>
+                  <a:tcPr marL="46976" marR="46976" marT="0" marB="0" anchor="b"/>
+                </a:tc>
+                <a:tc hMerge="1">
+                  <a:txBody>
+                    <a:bodyPr/>
+                    <a:lstStyle/>
+                    <a:p>
+                      <a:pPr marL="0" marR="0">
+                        <a:lnSpc>
+                          <a:spcPct val="115000"/>
+                        </a:lnSpc>
+                        <a:spcBef>
+                          <a:spcPts val="0"/>
+                        </a:spcBef>
+                        <a:spcAft>
+                          <a:spcPts val="1000"/>
+                        </a:spcAft>
+                      </a:pPr>
+                      <a:endParaRPr lang="en-US" sz="1200" dirty="0">
+                        <a:effectLst/>
+                        <a:latin typeface="Calibri"/>
+                        <a:ea typeface="Calibri"/>
+                        <a:cs typeface="SimSun"/>
+                      </a:endParaRPr>
+                    </a:p>
+                  </a:txBody>
+                  <a:tcPr marL="46976" marR="46976" marT="0" marB="0" anchor="b"/>
+                </a:tc>
+                <a:tc>
+                  <a:txBody>
+                    <a:bodyPr/>
+                    <a:lstStyle/>
+                    <a:p>
+                      <a:pPr marL="0" marR="0">
+                        <a:lnSpc>
+                          <a:spcPct val="115000"/>
+                        </a:lnSpc>
+                        <a:spcBef>
+                          <a:spcPts val="0"/>
+                        </a:spcBef>
+                        <a:spcAft>
+                          <a:spcPts val="1000"/>
+                        </a:spcAft>
+                      </a:pPr>
+                      <a:r>
+                        <a:rPr lang="en-US" sz="1200">
+                          <a:effectLst/>
+                        </a:rPr>
+                        <a:t> Rp          1.800.000,00 </a:t>
+                      </a:r>
+                      <a:endParaRPr lang="en-US" sz="1200">
+                        <a:effectLst/>
+                        <a:latin typeface="Calibri"/>
+                        <a:ea typeface="Calibri"/>
+                        <a:cs typeface="SimSun"/>
+                      </a:endParaRPr>
+                    </a:p>
+                  </a:txBody>
+                  <a:tcPr marL="46976" marR="46976" marT="0" marB="0" anchor="b"/>
+                </a:tc>
+              </a:tr>
+              <a:tr h="160717">
+                <a:tc gridSpan="5">
+                  <a:txBody>
+                    <a:bodyPr/>
+                    <a:lstStyle/>
+                    <a:p>
+                      <a:pPr marL="0" marR="0" algn="ctr">
+                        <a:lnSpc>
+                          <a:spcPct val="115000"/>
+                        </a:lnSpc>
+                        <a:spcBef>
+                          <a:spcPts val="0"/>
+                        </a:spcBef>
+                        <a:spcAft>
+                          <a:spcPts val="1000"/>
+                        </a:spcAft>
+                      </a:pPr>
+                      <a:r>
+                        <a:rPr lang="en-US" sz="1200" dirty="0">
+                          <a:effectLst/>
+                        </a:rPr>
+                        <a:t>3. Hardware &amp; </a:t>
+                      </a:r>
+                      <a:r>
+                        <a:rPr lang="en-US" sz="1200" dirty="0" err="1">
+                          <a:effectLst/>
+                        </a:rPr>
+                        <a:t>Sofware</a:t>
+                      </a:r>
+                      <a:r>
+                        <a:rPr lang="en-US" sz="1200" dirty="0">
+                          <a:effectLst/>
+                        </a:rPr>
+                        <a:t> </a:t>
+                      </a:r>
+                      <a:r>
+                        <a:rPr lang="en-US" sz="1200" dirty="0" err="1">
+                          <a:effectLst/>
+                        </a:rPr>
+                        <a:t>Tambahan</a:t>
+                      </a:r>
+                      <a:endParaRPr lang="en-US" sz="1200" dirty="0">
+                        <a:effectLst/>
+                        <a:latin typeface="Calibri"/>
+                        <a:ea typeface="Calibri"/>
+                        <a:cs typeface="SimSun"/>
+                      </a:endParaRPr>
+                    </a:p>
+                  </a:txBody>
+                  <a:tcPr marL="46976" marR="46976" marT="0" marB="0" anchor="b"/>
+                </a:tc>
+                <a:tc hMerge="1">
+                  <a:txBody>
+                    <a:bodyPr/>
+                    <a:lstStyle/>
+                    <a:p>
+                      <a:endParaRPr lang="en-US"/>
+                    </a:p>
+                  </a:txBody>
+                  <a:tcPr/>
+                </a:tc>
+                <a:tc hMerge="1">
+                  <a:txBody>
+                    <a:bodyPr/>
+                    <a:lstStyle/>
+                    <a:p>
+                      <a:endParaRPr lang="en-US"/>
+                    </a:p>
+                  </a:txBody>
+                  <a:tcPr/>
+                </a:tc>
+                <a:tc hMerge="1">
+                  <a:txBody>
+                    <a:bodyPr/>
+                    <a:lstStyle/>
+                    <a:p>
+                      <a:endParaRPr lang="en-US"/>
+                    </a:p>
+                  </a:txBody>
+                  <a:tcPr/>
+                </a:tc>
+                <a:tc hMerge="1">
+                  <a:txBody>
+                    <a:bodyPr/>
+                    <a:lstStyle/>
+                    <a:p>
+                      <a:endParaRPr lang="en-US"/>
+                    </a:p>
+                  </a:txBody>
+                  <a:tcPr/>
+                </a:tc>
+              </a:tr>
+              <a:tr h="160717">
+                <a:tc>
+                  <a:txBody>
+                    <a:bodyPr/>
+                    <a:lstStyle/>
+                    <a:p>
+                      <a:pPr marL="0" marR="0" indent="114300">
+                        <a:lnSpc>
+                          <a:spcPct val="115000"/>
+                        </a:lnSpc>
+                        <a:spcBef>
+                          <a:spcPts val="0"/>
+                        </a:spcBef>
+                        <a:spcAft>
+                          <a:spcPts val="1000"/>
+                        </a:spcAft>
+                      </a:pPr>
+                      <a:r>
+                        <a:rPr lang="en-US" sz="1200" dirty="0">
+                          <a:effectLst/>
+                        </a:rPr>
+                        <a:t>3.1 1 Set PC Server</a:t>
+                      </a:r>
+                      <a:endParaRPr lang="en-US" sz="1200" dirty="0">
+                        <a:effectLst/>
+                        <a:latin typeface="Calibri"/>
+                        <a:ea typeface="Calibri"/>
+                        <a:cs typeface="SimSun"/>
+                      </a:endParaRPr>
+                    </a:p>
+                  </a:txBody>
+                  <a:tcPr marL="46976" marR="46976" marT="0" marB="0" anchor="b"/>
+                </a:tc>
+                <a:tc>
+                  <a:txBody>
+                    <a:bodyPr/>
+                    <a:lstStyle/>
+                    <a:p>
+                      <a:pPr marL="0" marR="0">
+                        <a:lnSpc>
+                          <a:spcPct val="115000"/>
+                        </a:lnSpc>
+                        <a:spcBef>
+                          <a:spcPts val="0"/>
+                        </a:spcBef>
+                        <a:spcAft>
+                          <a:spcPts val="1000"/>
+                        </a:spcAft>
+                      </a:pPr>
+                      <a:r>
+                        <a:rPr lang="en-US" sz="1200" dirty="0">
+                          <a:effectLst/>
+                        </a:rPr>
+                        <a:t> </a:t>
+                      </a:r>
+                      <a:endParaRPr lang="en-US" sz="1200" dirty="0">
+                        <a:effectLst/>
+                        <a:latin typeface="Calibri"/>
+                        <a:ea typeface="Calibri"/>
+                        <a:cs typeface="SimSun"/>
+                      </a:endParaRPr>
+                    </a:p>
+                  </a:txBody>
+                  <a:tcPr marL="46976" marR="46976" marT="0" marB="0" anchor="b"/>
+                </a:tc>
+                <a:tc>
+                  <a:txBody>
+                    <a:bodyPr/>
+                    <a:lstStyle/>
+                    <a:p>
+                      <a:pPr marL="0" marR="0">
+                        <a:lnSpc>
+                          <a:spcPct val="115000"/>
+                        </a:lnSpc>
+                        <a:spcBef>
+                          <a:spcPts val="0"/>
+                        </a:spcBef>
+                        <a:spcAft>
+                          <a:spcPts val="1000"/>
+                        </a:spcAft>
+                      </a:pPr>
+                      <a:r>
+                        <a:rPr lang="en-US" sz="1200" dirty="0">
+                          <a:effectLst/>
+                        </a:rPr>
+                        <a:t> </a:t>
+                      </a:r>
+                      <a:endParaRPr lang="en-US" sz="1200" dirty="0">
+                        <a:effectLst/>
+                        <a:latin typeface="Calibri"/>
+                        <a:ea typeface="Calibri"/>
+                        <a:cs typeface="SimSun"/>
+                      </a:endParaRPr>
+                    </a:p>
+                  </a:txBody>
+                  <a:tcPr marL="46976" marR="46976" marT="0" marB="0" anchor="b"/>
+                </a:tc>
+                <a:tc>
+                  <a:txBody>
+                    <a:bodyPr/>
+                    <a:lstStyle/>
+                    <a:p>
+                      <a:pPr marL="0" marR="0">
+                        <a:lnSpc>
+                          <a:spcPct val="115000"/>
+                        </a:lnSpc>
+                        <a:spcBef>
+                          <a:spcPts val="0"/>
+                        </a:spcBef>
+                        <a:spcAft>
+                          <a:spcPts val="1000"/>
+                        </a:spcAft>
+                      </a:pPr>
+                      <a:r>
+                        <a:rPr lang="en-US" sz="1200">
+                          <a:effectLst/>
+                        </a:rPr>
+                        <a:t> </a:t>
+                      </a:r>
+                      <a:endParaRPr lang="en-US" sz="1200">
+                        <a:effectLst/>
+                        <a:latin typeface="Calibri"/>
+                        <a:ea typeface="Calibri"/>
+                        <a:cs typeface="SimSun"/>
+                      </a:endParaRPr>
+                    </a:p>
+                  </a:txBody>
+                  <a:tcPr marL="46976" marR="46976" marT="0" marB="0" anchor="b"/>
+                </a:tc>
+                <a:tc>
+                  <a:txBody>
+                    <a:bodyPr/>
+                    <a:lstStyle/>
+                    <a:p>
+                      <a:pPr marL="0" marR="0">
+                        <a:lnSpc>
+                          <a:spcPct val="115000"/>
+                        </a:lnSpc>
+                        <a:spcBef>
+                          <a:spcPts val="0"/>
+                        </a:spcBef>
+                        <a:spcAft>
+                          <a:spcPts val="1000"/>
+                        </a:spcAft>
+                      </a:pPr>
+                      <a:r>
+                        <a:rPr lang="en-US" sz="1200">
+                          <a:effectLst/>
+                        </a:rPr>
+                        <a:t> Rp          8.500.000,00 </a:t>
+                      </a:r>
+                      <a:endParaRPr lang="en-US" sz="1200">
+                        <a:effectLst/>
+                        <a:latin typeface="Calibri"/>
+                        <a:ea typeface="Calibri"/>
+                        <a:cs typeface="SimSun"/>
+                      </a:endParaRPr>
+                    </a:p>
+                  </a:txBody>
+                  <a:tcPr marL="46976" marR="46976" marT="0" marB="0" anchor="b"/>
+                </a:tc>
+              </a:tr>
+              <a:tr h="193410">
+                <a:tc>
+                  <a:txBody>
+                    <a:bodyPr/>
+                    <a:lstStyle/>
+                    <a:p>
+                      <a:pPr marL="0" marR="0" indent="114300">
+                        <a:lnSpc>
+                          <a:spcPct val="115000"/>
+                        </a:lnSpc>
+                        <a:spcBef>
+                          <a:spcPts val="0"/>
+                        </a:spcBef>
+                        <a:spcAft>
+                          <a:spcPts val="1000"/>
+                        </a:spcAft>
+                      </a:pPr>
+                      <a:r>
+                        <a:rPr lang="en-US" sz="1200" dirty="0">
+                          <a:effectLst/>
+                        </a:rPr>
+                        <a:t>3.2 Web </a:t>
+                      </a:r>
+                      <a:r>
+                        <a:rPr lang="en-US" sz="1200" dirty="0" smtClean="0">
+                          <a:effectLst/>
+                        </a:rPr>
+                        <a:t>Hosting</a:t>
+                      </a:r>
+                      <a:r>
+                        <a:rPr lang="en-US" sz="1200" baseline="0" dirty="0" smtClean="0">
+                          <a:effectLst/>
+                        </a:rPr>
+                        <a:t> </a:t>
+                      </a:r>
+                      <a:r>
+                        <a:rPr lang="en-US" sz="1200" dirty="0" smtClean="0">
+                          <a:effectLst/>
+                        </a:rPr>
+                        <a:t>Premium</a:t>
+                      </a:r>
+                      <a:endParaRPr lang="en-US" sz="1200" dirty="0">
+                        <a:effectLst/>
+                        <a:latin typeface="Calibri"/>
+                        <a:ea typeface="Calibri"/>
+                        <a:cs typeface="SimSun"/>
+                      </a:endParaRPr>
+                    </a:p>
+                  </a:txBody>
+                  <a:tcPr marL="46976" marR="46976" marT="0" marB="0" anchor="b"/>
+                </a:tc>
+                <a:tc>
+                  <a:txBody>
+                    <a:bodyPr/>
+                    <a:lstStyle/>
+                    <a:p>
+                      <a:pPr marL="0" marR="0">
+                        <a:lnSpc>
+                          <a:spcPct val="115000"/>
+                        </a:lnSpc>
+                        <a:spcBef>
+                          <a:spcPts val="0"/>
+                        </a:spcBef>
+                        <a:spcAft>
+                          <a:spcPts val="1000"/>
+                        </a:spcAft>
+                      </a:pPr>
+                      <a:r>
+                        <a:rPr lang="en-US" sz="1200" dirty="0">
+                          <a:effectLst/>
+                        </a:rPr>
+                        <a:t> </a:t>
+                      </a:r>
+                      <a:endParaRPr lang="en-US" sz="1200" dirty="0">
+                        <a:effectLst/>
+                        <a:latin typeface="Calibri"/>
+                        <a:ea typeface="Calibri"/>
+                        <a:cs typeface="SimSun"/>
+                      </a:endParaRPr>
+                    </a:p>
+                  </a:txBody>
+                  <a:tcPr marL="46976" marR="46976" marT="0" marB="0" anchor="b"/>
+                </a:tc>
+                <a:tc>
+                  <a:txBody>
+                    <a:bodyPr/>
+                    <a:lstStyle/>
+                    <a:p>
+                      <a:pPr marL="0" marR="0">
+                        <a:lnSpc>
+                          <a:spcPct val="115000"/>
+                        </a:lnSpc>
+                        <a:spcBef>
+                          <a:spcPts val="0"/>
+                        </a:spcBef>
+                        <a:spcAft>
+                          <a:spcPts val="1000"/>
+                        </a:spcAft>
+                      </a:pPr>
+                      <a:r>
+                        <a:rPr lang="en-US" sz="1200" dirty="0">
+                          <a:effectLst/>
+                        </a:rPr>
+                        <a:t> </a:t>
+                      </a:r>
+                      <a:endParaRPr lang="en-US" sz="1200" dirty="0">
+                        <a:effectLst/>
+                        <a:latin typeface="Calibri"/>
+                        <a:ea typeface="Calibri"/>
+                        <a:cs typeface="SimSun"/>
+                      </a:endParaRPr>
+                    </a:p>
+                  </a:txBody>
+                  <a:tcPr marL="46976" marR="46976" marT="0" marB="0" anchor="b"/>
+                </a:tc>
+                <a:tc>
+                  <a:txBody>
+                    <a:bodyPr/>
+                    <a:lstStyle/>
+                    <a:p>
+                      <a:pPr marL="0" marR="0">
+                        <a:lnSpc>
+                          <a:spcPct val="115000"/>
+                        </a:lnSpc>
+                        <a:spcBef>
+                          <a:spcPts val="0"/>
+                        </a:spcBef>
+                        <a:spcAft>
+                          <a:spcPts val="1000"/>
+                        </a:spcAft>
+                      </a:pPr>
+                      <a:r>
+                        <a:rPr lang="en-US" sz="1200">
+                          <a:effectLst/>
+                        </a:rPr>
+                        <a:t> </a:t>
+                      </a:r>
+                      <a:endParaRPr lang="en-US" sz="1200">
+                        <a:effectLst/>
+                        <a:latin typeface="Calibri"/>
+                        <a:ea typeface="Calibri"/>
+                        <a:cs typeface="SimSun"/>
+                      </a:endParaRPr>
+                    </a:p>
+                  </a:txBody>
+                  <a:tcPr marL="46976" marR="46976" marT="0" marB="0" anchor="b"/>
+                </a:tc>
+                <a:tc>
+                  <a:txBody>
+                    <a:bodyPr/>
+                    <a:lstStyle/>
+                    <a:p>
+                      <a:pPr marL="0" marR="0">
+                        <a:lnSpc>
+                          <a:spcPct val="115000"/>
+                        </a:lnSpc>
+                        <a:spcBef>
+                          <a:spcPts val="0"/>
+                        </a:spcBef>
+                        <a:spcAft>
+                          <a:spcPts val="1000"/>
+                        </a:spcAft>
+                      </a:pPr>
+                      <a:r>
+                        <a:rPr lang="en-US" sz="1200" dirty="0">
+                          <a:effectLst/>
+                        </a:rPr>
+                        <a:t> </a:t>
+                      </a:r>
+                      <a:r>
+                        <a:rPr lang="en-US" sz="1200" dirty="0" err="1">
+                          <a:effectLst/>
+                        </a:rPr>
+                        <a:t>Rp</a:t>
+                      </a:r>
+                      <a:r>
+                        <a:rPr lang="en-US" sz="1200" dirty="0">
+                          <a:effectLst/>
+                        </a:rPr>
+                        <a:t>             </a:t>
+                      </a:r>
+                      <a:r>
+                        <a:rPr lang="en-US" sz="1200" dirty="0" smtClean="0">
+                          <a:effectLst/>
+                        </a:rPr>
+                        <a:t>200.000,00 </a:t>
+                      </a:r>
+                      <a:endParaRPr lang="en-US" sz="1200" dirty="0">
+                        <a:effectLst/>
+                        <a:latin typeface="Calibri"/>
+                        <a:ea typeface="Calibri"/>
+                        <a:cs typeface="SimSun"/>
+                      </a:endParaRPr>
+                    </a:p>
+                  </a:txBody>
+                  <a:tcPr marL="46976" marR="46976" marT="0" marB="0" anchor="b"/>
+                </a:tc>
+              </a:tr>
+              <a:tr h="160717">
+                <a:tc gridSpan="4">
+                  <a:txBody>
+                    <a:bodyPr/>
+                    <a:lstStyle/>
+                    <a:p>
+                      <a:pPr marL="0" marR="0" algn="ctr">
+                        <a:lnSpc>
+                          <a:spcPct val="115000"/>
+                        </a:lnSpc>
+                        <a:spcBef>
+                          <a:spcPts val="0"/>
+                        </a:spcBef>
+                        <a:spcAft>
+                          <a:spcPts val="1000"/>
+                        </a:spcAft>
+                      </a:pPr>
+                      <a:r>
+                        <a:rPr lang="en-US" sz="1200" dirty="0">
+                          <a:effectLst/>
+                        </a:rPr>
+                        <a:t>Sub </a:t>
+                      </a:r>
+                      <a:r>
+                        <a:rPr lang="en-US" sz="1200" dirty="0" err="1" smtClean="0">
+                          <a:effectLst/>
+                        </a:rPr>
+                        <a:t>Jumlah</a:t>
+                      </a:r>
+                      <a:endParaRPr lang="en-US" sz="1200" dirty="0">
+                        <a:effectLst/>
+                        <a:latin typeface="Calibri"/>
+                        <a:ea typeface="Calibri"/>
+                        <a:cs typeface="SimSun"/>
+                      </a:endParaRPr>
+                    </a:p>
+                  </a:txBody>
+                  <a:tcPr marL="46976" marR="46976" marT="0" marB="0" anchor="b"/>
+                </a:tc>
+                <a:tc hMerge="1">
+                  <a:txBody>
+                    <a:bodyPr/>
+                    <a:lstStyle/>
+                    <a:p>
+                      <a:endParaRPr lang="en-US"/>
+                    </a:p>
+                  </a:txBody>
+                  <a:tcPr/>
+                </a:tc>
+                <a:tc hMerge="1">
+                  <a:txBody>
+                    <a:bodyPr/>
+                    <a:lstStyle/>
+                    <a:p>
+                      <a:pPr marL="0" marR="0" algn="ctr">
+                        <a:lnSpc>
+                          <a:spcPct val="115000"/>
+                        </a:lnSpc>
+                        <a:spcBef>
+                          <a:spcPts val="0"/>
+                        </a:spcBef>
+                        <a:spcAft>
+                          <a:spcPts val="1000"/>
+                        </a:spcAft>
+                      </a:pPr>
+                      <a:endParaRPr lang="en-US" sz="1200" dirty="0">
+                        <a:effectLst/>
+                        <a:latin typeface="Calibri"/>
+                        <a:ea typeface="Calibri"/>
+                        <a:cs typeface="SimSun"/>
+                      </a:endParaRPr>
+                    </a:p>
+                  </a:txBody>
+                  <a:tcPr marL="46976" marR="46976" marT="0" marB="0" anchor="b"/>
+                </a:tc>
+                <a:tc hMerge="1">
+                  <a:txBody>
+                    <a:bodyPr/>
+                    <a:lstStyle/>
+                    <a:p>
+                      <a:pPr marL="0" marR="0" algn="ctr">
+                        <a:lnSpc>
+                          <a:spcPct val="115000"/>
+                        </a:lnSpc>
+                        <a:spcBef>
+                          <a:spcPts val="0"/>
+                        </a:spcBef>
+                        <a:spcAft>
+                          <a:spcPts val="1000"/>
+                        </a:spcAft>
+                      </a:pPr>
+                      <a:endParaRPr lang="en-US" sz="1200" dirty="0">
+                        <a:effectLst/>
+                        <a:latin typeface="Calibri"/>
+                        <a:ea typeface="Calibri"/>
+                        <a:cs typeface="SimSun"/>
+                      </a:endParaRPr>
+                    </a:p>
+                  </a:txBody>
+                  <a:tcPr marL="46976" marR="46976" marT="0" marB="0" anchor="b"/>
+                </a:tc>
+                <a:tc>
+                  <a:txBody>
+                    <a:bodyPr/>
+                    <a:lstStyle/>
+                    <a:p>
+                      <a:pPr marL="0" marR="0">
+                        <a:lnSpc>
+                          <a:spcPct val="115000"/>
+                        </a:lnSpc>
+                        <a:spcBef>
+                          <a:spcPts val="0"/>
+                        </a:spcBef>
+                        <a:spcAft>
+                          <a:spcPts val="1000"/>
+                        </a:spcAft>
+                      </a:pPr>
+                      <a:r>
+                        <a:rPr lang="en-US" sz="1200">
+                          <a:effectLst/>
+                        </a:rPr>
+                        <a:t> Rp          8.700.000,00 </a:t>
+                      </a:r>
+                      <a:endParaRPr lang="en-US" sz="1200">
+                        <a:effectLst/>
+                        <a:latin typeface="Calibri"/>
+                        <a:ea typeface="Calibri"/>
+                        <a:cs typeface="SimSun"/>
+                      </a:endParaRPr>
+                    </a:p>
+                  </a:txBody>
+                  <a:tcPr marL="46976" marR="46976" marT="0" marB="0" anchor="b"/>
+                </a:tc>
+              </a:tr>
+              <a:tr h="160717">
+                <a:tc gridSpan="4">
+                  <a:txBody>
+                    <a:bodyPr/>
+                    <a:lstStyle/>
+                    <a:p>
+                      <a:pPr marL="0" marR="0" indent="114935" algn="r">
+                        <a:lnSpc>
+                          <a:spcPct val="115000"/>
+                        </a:lnSpc>
+                        <a:spcBef>
+                          <a:spcPts val="0"/>
+                        </a:spcBef>
+                        <a:spcAft>
+                          <a:spcPts val="1000"/>
+                        </a:spcAft>
+                      </a:pPr>
+                      <a:r>
+                        <a:rPr lang="en-US" sz="1200" dirty="0">
+                          <a:effectLst/>
+                        </a:rPr>
+                        <a:t>Total</a:t>
+                      </a:r>
+                      <a:endParaRPr lang="en-US" sz="1200" dirty="0">
+                        <a:effectLst/>
+                        <a:latin typeface="Calibri"/>
+                        <a:ea typeface="Calibri"/>
+                        <a:cs typeface="SimSun"/>
+                      </a:endParaRPr>
+                    </a:p>
+                  </a:txBody>
+                  <a:tcPr marL="46976" marR="46976" marT="0" marB="0" anchor="ctr"/>
+                </a:tc>
+                <a:tc hMerge="1">
+                  <a:txBody>
+                    <a:bodyPr/>
+                    <a:lstStyle/>
+                    <a:p>
+                      <a:endParaRPr lang="en-US"/>
+                    </a:p>
+                  </a:txBody>
+                  <a:tcPr/>
+                </a:tc>
+                <a:tc hMerge="1">
+                  <a:txBody>
+                    <a:bodyPr/>
+                    <a:lstStyle/>
+                    <a:p>
+                      <a:endParaRPr lang="en-US"/>
+                    </a:p>
+                  </a:txBody>
+                  <a:tcPr/>
+                </a:tc>
+                <a:tc hMerge="1">
+                  <a:txBody>
+                    <a:bodyPr/>
+                    <a:lstStyle/>
+                    <a:p>
+                      <a:endParaRPr lang="en-US"/>
+                    </a:p>
+                  </a:txBody>
+                  <a:tcPr/>
+                </a:tc>
+                <a:tc>
+                  <a:txBody>
+                    <a:bodyPr/>
+                    <a:lstStyle/>
+                    <a:p>
+                      <a:pPr marL="0" marR="0">
+                        <a:lnSpc>
+                          <a:spcPct val="115000"/>
+                        </a:lnSpc>
+                        <a:spcBef>
+                          <a:spcPts val="0"/>
+                        </a:spcBef>
+                        <a:spcAft>
+                          <a:spcPts val="1000"/>
+                        </a:spcAft>
+                      </a:pPr>
+                      <a:r>
+                        <a:rPr lang="en-US" sz="1200">
+                          <a:effectLst/>
+                        </a:rPr>
+                        <a:t> Rp        38.600.000,00 </a:t>
+                      </a:r>
+                      <a:endParaRPr lang="en-US" sz="1200">
+                        <a:effectLst/>
+                        <a:latin typeface="Calibri"/>
+                        <a:ea typeface="Calibri"/>
+                        <a:cs typeface="SimSun"/>
+                      </a:endParaRPr>
+                    </a:p>
+                  </a:txBody>
+                  <a:tcPr marL="46976" marR="46976" marT="0" marB="0" anchor="ctr"/>
+                </a:tc>
+              </a:tr>
+              <a:tr h="160717">
+                <a:tc gridSpan="4">
+                  <a:txBody>
+                    <a:bodyPr/>
+                    <a:lstStyle/>
+                    <a:p>
+                      <a:pPr marL="0" marR="0" indent="114935" algn="r">
+                        <a:lnSpc>
+                          <a:spcPct val="115000"/>
+                        </a:lnSpc>
+                        <a:spcBef>
+                          <a:spcPts val="0"/>
+                        </a:spcBef>
+                        <a:spcAft>
+                          <a:spcPts val="1000"/>
+                        </a:spcAft>
+                      </a:pPr>
+                      <a:r>
+                        <a:rPr lang="en-US" sz="1200" dirty="0" err="1">
+                          <a:effectLst/>
+                        </a:rPr>
+                        <a:t>Biaya</a:t>
+                      </a:r>
+                      <a:r>
+                        <a:rPr lang="en-US" sz="1200" dirty="0">
+                          <a:effectLst/>
+                        </a:rPr>
+                        <a:t> lain-lain</a:t>
+                      </a:r>
+                      <a:endParaRPr lang="en-US" sz="1200" dirty="0">
+                        <a:effectLst/>
+                        <a:latin typeface="Calibri"/>
+                        <a:ea typeface="Calibri"/>
+                        <a:cs typeface="SimSun"/>
+                      </a:endParaRPr>
+                    </a:p>
+                  </a:txBody>
+                  <a:tcPr marL="46976" marR="46976" marT="0" marB="0" anchor="b"/>
+                </a:tc>
+                <a:tc hMerge="1">
+                  <a:txBody>
+                    <a:bodyPr/>
+                    <a:lstStyle/>
+                    <a:p>
+                      <a:endParaRPr lang="en-US"/>
+                    </a:p>
+                  </a:txBody>
+                  <a:tcPr/>
+                </a:tc>
+                <a:tc hMerge="1">
+                  <a:txBody>
+                    <a:bodyPr/>
+                    <a:lstStyle/>
+                    <a:p>
+                      <a:endParaRPr lang="en-US"/>
+                    </a:p>
+                  </a:txBody>
+                  <a:tcPr/>
+                </a:tc>
+                <a:tc hMerge="1">
+                  <a:txBody>
+                    <a:bodyPr/>
+                    <a:lstStyle/>
+                    <a:p>
+                      <a:endParaRPr lang="en-US"/>
+                    </a:p>
+                  </a:txBody>
+                  <a:tcPr/>
+                </a:tc>
+                <a:tc>
+                  <a:txBody>
+                    <a:bodyPr/>
+                    <a:lstStyle/>
+                    <a:p>
+                      <a:pPr marL="0" marR="0">
+                        <a:lnSpc>
+                          <a:spcPct val="115000"/>
+                        </a:lnSpc>
+                        <a:spcBef>
+                          <a:spcPts val="0"/>
+                        </a:spcBef>
+                        <a:spcAft>
+                          <a:spcPts val="1000"/>
+                        </a:spcAft>
+                      </a:pPr>
+                      <a:r>
+                        <a:rPr lang="en-US" sz="1200" dirty="0">
+                          <a:effectLst/>
+                        </a:rPr>
+                        <a:t> </a:t>
+                      </a:r>
+                      <a:r>
+                        <a:rPr lang="en-US" sz="1200" dirty="0" err="1">
+                          <a:effectLst/>
+                        </a:rPr>
+                        <a:t>Rp</a:t>
+                      </a:r>
+                      <a:r>
+                        <a:rPr lang="en-US" sz="1200" dirty="0">
+                          <a:effectLst/>
+                        </a:rPr>
+                        <a:t>             </a:t>
+                      </a:r>
+                      <a:r>
+                        <a:rPr lang="en-US" sz="1200" dirty="0" smtClean="0">
+                          <a:effectLst/>
+                        </a:rPr>
+                        <a:t>500.000,00 </a:t>
+                      </a:r>
+                      <a:endParaRPr lang="en-US" sz="1200" dirty="0">
+                        <a:effectLst/>
+                        <a:latin typeface="Calibri"/>
+                        <a:ea typeface="Calibri"/>
+                        <a:cs typeface="SimSun"/>
+                      </a:endParaRPr>
+                    </a:p>
+                  </a:txBody>
+                  <a:tcPr marL="46976" marR="46976" marT="0" marB="0" anchor="b"/>
+                </a:tc>
+              </a:tr>
+              <a:tr h="160717">
+                <a:tc gridSpan="4">
+                  <a:txBody>
+                    <a:bodyPr/>
+                    <a:lstStyle/>
+                    <a:p>
+                      <a:pPr marL="0" marR="0" indent="114935" algn="r">
+                        <a:lnSpc>
+                          <a:spcPct val="115000"/>
+                        </a:lnSpc>
+                        <a:spcBef>
+                          <a:spcPts val="0"/>
+                        </a:spcBef>
+                        <a:spcAft>
+                          <a:spcPts val="1000"/>
+                        </a:spcAft>
+                      </a:pPr>
+                      <a:r>
+                        <a:rPr lang="en-US" sz="1200" dirty="0">
+                          <a:effectLst/>
+                        </a:rPr>
+                        <a:t>Total </a:t>
+                      </a:r>
+                      <a:r>
+                        <a:rPr lang="en-US" sz="1200" dirty="0" err="1">
+                          <a:effectLst/>
+                        </a:rPr>
+                        <a:t>Keseluruhan</a:t>
+                      </a:r>
+                      <a:endParaRPr lang="en-US" sz="1200" dirty="0">
+                        <a:effectLst/>
+                        <a:latin typeface="Calibri"/>
+                        <a:ea typeface="Calibri"/>
+                        <a:cs typeface="SimSun"/>
+                      </a:endParaRPr>
+                    </a:p>
+                  </a:txBody>
+                  <a:tcPr marL="46976" marR="46976" marT="0" marB="0" anchor="b"/>
+                </a:tc>
+                <a:tc hMerge="1">
+                  <a:txBody>
+                    <a:bodyPr/>
+                    <a:lstStyle/>
+                    <a:p>
+                      <a:endParaRPr lang="en-US"/>
+                    </a:p>
+                  </a:txBody>
+                  <a:tcPr/>
+                </a:tc>
+                <a:tc hMerge="1">
+                  <a:txBody>
+                    <a:bodyPr/>
+                    <a:lstStyle/>
+                    <a:p>
+                      <a:endParaRPr lang="en-US"/>
+                    </a:p>
+                  </a:txBody>
+                  <a:tcPr/>
+                </a:tc>
+                <a:tc hMerge="1">
+                  <a:txBody>
+                    <a:bodyPr/>
+                    <a:lstStyle/>
+                    <a:p>
+                      <a:endParaRPr lang="en-US"/>
+                    </a:p>
+                  </a:txBody>
+                  <a:tcPr/>
+                </a:tc>
+                <a:tc>
+                  <a:txBody>
+                    <a:bodyPr/>
+                    <a:lstStyle/>
+                    <a:p>
+                      <a:pPr marL="0" marR="0">
+                        <a:lnSpc>
+                          <a:spcPct val="115000"/>
+                        </a:lnSpc>
+                        <a:spcBef>
+                          <a:spcPts val="0"/>
+                        </a:spcBef>
+                        <a:spcAft>
+                          <a:spcPts val="1000"/>
+                        </a:spcAft>
+                      </a:pPr>
+                      <a:r>
+                        <a:rPr lang="en-US" sz="1200" dirty="0">
+                          <a:effectLst/>
+                        </a:rPr>
+                        <a:t> </a:t>
+                      </a:r>
+                      <a:r>
+                        <a:rPr lang="en-US" sz="1200" dirty="0" err="1">
+                          <a:effectLst/>
+                        </a:rPr>
+                        <a:t>Rp</a:t>
+                      </a:r>
+                      <a:r>
+                        <a:rPr lang="en-US" sz="1200" dirty="0">
+                          <a:effectLst/>
+                        </a:rPr>
+                        <a:t>        </a:t>
+                      </a:r>
+                      <a:r>
+                        <a:rPr lang="en-US" sz="1200" dirty="0" smtClean="0">
+                          <a:effectLst/>
+                        </a:rPr>
+                        <a:t>39.000.000,00 </a:t>
+                      </a:r>
+                      <a:endParaRPr lang="en-US" sz="1200" dirty="0">
+                        <a:effectLst/>
+                        <a:latin typeface="Calibri"/>
+                        <a:ea typeface="Calibri"/>
+                        <a:cs typeface="SimSun"/>
+                      </a:endParaRPr>
+                    </a:p>
+                  </a:txBody>
+                  <a:tcPr marL="46976" marR="46976" marT="0" marB="0" anchor="b"/>
+                </a:tc>
+              </a:tr>
+            </a:tbl>
+          </a:graphicData>
+        </a:graphic>
+      </p:graphicFrame>
     </p:spTree>
     <p:extLst>
       <p:ext uri="{BB962C8B-B14F-4D97-AF65-F5344CB8AC3E}">
-        <p14:creationId xmlns:p14="http://schemas.microsoft.com/office/powerpoint/2010/main" val="1511935132"/>
+        <p14:creationId xmlns:p14="http://schemas.microsoft.com/office/powerpoint/2010/main" val="1891714708"/>
       </p:ext>
     </p:extLst>
   </p:cSld>
@@ -19855,7 +23617,7 @@
   <a:extraClrSchemeLst/>
   <a:extLst>
     <a:ext uri="{05A4C25C-085E-4340-85A3-A5531E510DB2}">
-      <thm15:themeFamily xmlns:thm15="http://schemas.microsoft.com/office/thememl/2012/main" xmlns="" name="Circuit" id="{0AC2F7E7-15F5-431C-B2A2-456FE929F56C}" vid="{0911B802-464C-4241-8DD9-B60FF88E379F}"/>
+      <thm15:themeFamily xmlns="" xmlns:thm15="http://schemas.microsoft.com/office/thememl/2012/main" name="Circuit" id="{0AC2F7E7-15F5-431C-B2A2-456FE929F56C}" vid="{0911B802-464C-4241-8DD9-B60FF88E379F}"/>
     </a:ext>
   </a:extLst>
 </a:theme>
@@ -20116,7 +23878,7 @@
   <a:extraClrSchemeLst/>
   <a:extLst>
     <a:ext uri="{05A4C25C-085E-4340-85A3-A5531E510DB2}">
-      <thm15:themeFamily xmlns:thm15="http://schemas.microsoft.com/office/thememl/2012/main" xmlns="" name="Office Theme" id="{62F939B6-93AF-4DB8-9C6B-D6C7DFDC589F}" vid="{4A3C46E8-61CC-4603-A589-7422A47A8E4A}"/>
+      <thm15:themeFamily xmlns="" xmlns:thm15="http://schemas.microsoft.com/office/thememl/2012/main" name="Office Theme" id="{62F939B6-93AF-4DB8-9C6B-D6C7DFDC589F}" vid="{4A3C46E8-61CC-4603-A589-7422A47A8E4A}"/>
     </a:ext>
   </a:extLst>
 </a:theme>
